--- a/Resources/Can we predict happiness.pptx
+++ b/Resources/Can we predict happiness.pptx
@@ -13,23 +13,37 @@
     <p:sldId id="258" r:id="rId8"/>
     <p:sldId id="259" r:id="rId9"/>
     <p:sldId id="260" r:id="rId10"/>
+    <p:sldId id="261" r:id="rId11"/>
+    <p:sldId id="262" r:id="rId12"/>
+    <p:sldId id="263" r:id="rId13"/>
+    <p:sldId id="264" r:id="rId14"/>
+    <p:sldId id="265" r:id="rId15"/>
+    <p:sldId id="266" r:id="rId16"/>
+    <p:sldId id="267" r:id="rId17"/>
+    <p:sldId id="268" r:id="rId18"/>
+    <p:sldId id="269" r:id="rId19"/>
+    <p:sldId id="270" r:id="rId20"/>
+    <p:sldId id="271" r:id="rId21"/>
+    <p:sldId id="272" r:id="rId22"/>
+    <p:sldId id="273" r:id="rId23"/>
+    <p:sldId id="274" r:id="rId24"/>
   </p:sldIdLst>
   <p:sldSz cy="5143500" cx="9144000"/>
   <p:notesSz cx="6858000" cy="9144000"/>
   <p:embeddedFontLst>
     <p:embeddedFont>
       <p:font typeface="Raleway"/>
-      <p:regular r:id="rId11"/>
-      <p:bold r:id="rId12"/>
-      <p:italic r:id="rId13"/>
-      <p:boldItalic r:id="rId14"/>
+      <p:regular r:id="rId25"/>
+      <p:bold r:id="rId26"/>
+      <p:italic r:id="rId27"/>
+      <p:boldItalic r:id="rId28"/>
     </p:embeddedFont>
     <p:embeddedFont>
       <p:font typeface="Lato"/>
-      <p:regular r:id="rId15"/>
-      <p:bold r:id="rId16"/>
-      <p:italic r:id="rId17"/>
-      <p:boldItalic r:id="rId18"/>
+      <p:regular r:id="rId29"/>
+      <p:bold r:id="rId30"/>
+      <p:italic r:id="rId31"/>
+      <p:boldItalic r:id="rId32"/>
     </p:embeddedFont>
   </p:embeddedFontLst>
   <p:defaultTextStyle>
@@ -805,12 +819,12 @@
 </p:notes>
 </file>
 
-<file path=ppt/notesSlides/notesSlide2.xml><?xml version="1.0" encoding="utf-8"?>
+<file path=ppt/notesSlides/notesSlide10.xml><?xml version="1.0" encoding="utf-8"?>
 <p:notes xmlns:a="http://schemas.openxmlformats.org/drawingml/2006/main" xmlns:r="http://schemas.openxmlformats.org/officeDocument/2006/relationships" xmlns:mc="http://schemas.openxmlformats.org/markup-compatibility/2006" xmlns:mv="urn:schemas-microsoft-com:mac:vml" xmlns:p="http://schemas.openxmlformats.org/presentationml/2006/main" xmlns:c="http://schemas.openxmlformats.org/drawingml/2006/chart" xmlns:dgm="http://schemas.openxmlformats.org/drawingml/2006/diagram" xmlns:o="urn:schemas-microsoft-com:office:office" xmlns:v="urn:schemas-microsoft-com:vml" xmlns:pvml="urn:schemas-microsoft-com:office:powerpoint" xmlns:com="http://schemas.openxmlformats.org/drawingml/2006/compatibility" xmlns:p14="http://schemas.microsoft.com/office/powerpoint/2010/main" xmlns:p15="http://schemas.microsoft.com/office/powerpoint/2012/main" xmlns:ahyp="http://schemas.microsoft.com/office/drawing/2018/hyperlinkcolor" showMasterPhAnim="0" showMasterSp="0">
   <p:cSld>
     <p:spTree>
       <p:nvGrpSpPr>
-        <p:cNvPr id="88" name="Shape 88"/>
+        <p:cNvPr id="138" name="Shape 138"/>
         <p:cNvGrpSpPr/>
         <p:nvPr/>
       </p:nvGrpSpPr>
@@ -824,7 +838,7 @@
       </p:grpSpPr>
       <p:sp>
         <p:nvSpPr>
-          <p:cNvPr id="89" name="Google Shape;89;gd3a423f370_0_77:notes"/>
+          <p:cNvPr id="139" name="Google Shape;139;gd85a92c368_0_27:notes"/>
           <p:cNvSpPr/>
           <p:nvPr>
             <p:ph idx="2" type="sldImg"/>
@@ -859,7 +873,7 @@
       </p:sp>
       <p:sp>
         <p:nvSpPr>
-          <p:cNvPr id="90" name="Google Shape;90;gd3a423f370_0_77:notes"/>
+          <p:cNvPr id="140" name="Google Shape;140;gd85a92c368_0_27:notes"/>
           <p:cNvSpPr txBox="1"/>
           <p:nvPr>
             <p:ph idx="1" type="body"/>
@@ -904,12 +918,12 @@
 </p:notes>
 </file>
 
-<file path=ppt/notesSlides/notesSlide3.xml><?xml version="1.0" encoding="utf-8"?>
+<file path=ppt/notesSlides/notesSlide11.xml><?xml version="1.0" encoding="utf-8"?>
 <p:notes xmlns:a="http://schemas.openxmlformats.org/drawingml/2006/main" xmlns:r="http://schemas.openxmlformats.org/officeDocument/2006/relationships" xmlns:mc="http://schemas.openxmlformats.org/markup-compatibility/2006" xmlns:mv="urn:schemas-microsoft-com:mac:vml" xmlns:p="http://schemas.openxmlformats.org/presentationml/2006/main" xmlns:c="http://schemas.openxmlformats.org/drawingml/2006/chart" xmlns:dgm="http://schemas.openxmlformats.org/drawingml/2006/diagram" xmlns:o="urn:schemas-microsoft-com:office:office" xmlns:v="urn:schemas-microsoft-com:vml" xmlns:pvml="urn:schemas-microsoft-com:office:powerpoint" xmlns:com="http://schemas.openxmlformats.org/drawingml/2006/compatibility" xmlns:p14="http://schemas.microsoft.com/office/powerpoint/2010/main" xmlns:p15="http://schemas.microsoft.com/office/powerpoint/2012/main" xmlns:ahyp="http://schemas.microsoft.com/office/drawing/2018/hyperlinkcolor" showMasterPhAnim="0" showMasterSp="0">
   <p:cSld>
     <p:spTree>
       <p:nvGrpSpPr>
-        <p:cNvPr id="108" name="Shape 108"/>
+        <p:cNvPr id="144" name="Shape 144"/>
         <p:cNvGrpSpPr/>
         <p:nvPr/>
       </p:nvGrpSpPr>
@@ -923,7 +937,7 @@
       </p:grpSpPr>
       <p:sp>
         <p:nvSpPr>
-          <p:cNvPr id="109" name="Google Shape;109;gd3a423f370_0_81:notes"/>
+          <p:cNvPr id="145" name="Google Shape;145;gd85a92c368_0_50:notes"/>
           <p:cNvSpPr/>
           <p:nvPr>
             <p:ph idx="2" type="sldImg"/>
@@ -958,7 +972,7 @@
       </p:sp>
       <p:sp>
         <p:nvSpPr>
-          <p:cNvPr id="110" name="Google Shape;110;gd3a423f370_0_81:notes"/>
+          <p:cNvPr id="146" name="Google Shape;146;gd85a92c368_0_50:notes"/>
           <p:cNvSpPr txBox="1"/>
           <p:nvPr>
             <p:ph idx="1" type="body"/>
@@ -989,63 +1003,6 @@
               <a:buNone/>
             </a:pPr>
             <a:r>
-              <a:rPr lang="en" u="sng">
-                <a:solidFill>
-                  <a:schemeClr val="hlink"/>
-                </a:solidFill>
-                <a:hlinkClick r:id="rId2"/>
-              </a:rPr>
-              <a:t>https://public.tableau.com/profile/gwennisme#!/vizhome/WorldHappinessIndex_3/Dashboard</a:t>
-            </a:r>
-            <a:endParaRPr/>
-          </a:p>
-          <a:p>
-            <a:pPr indent="0" lvl="0" marL="0" rtl="0" algn="l">
-              <a:spcBef>
-                <a:spcPts val="0"/>
-              </a:spcBef>
-              <a:spcAft>
-                <a:spcPts val="0"/>
-              </a:spcAft>
-              <a:buNone/>
-            </a:pPr>
-            <a:r>
-              <a:t/>
-            </a:r>
-            <a:endParaRPr/>
-          </a:p>
-          <a:p>
-            <a:pPr indent="0" lvl="0" marL="0" rtl="0" algn="l">
-              <a:spcBef>
-                <a:spcPts val="0"/>
-              </a:spcBef>
-              <a:spcAft>
-                <a:spcPts val="0"/>
-              </a:spcAft>
-              <a:buNone/>
-            </a:pPr>
-            <a:r>
-              <a:rPr lang="en" u="sng">
-                <a:solidFill>
-                  <a:schemeClr val="hlink"/>
-                </a:solidFill>
-                <a:hlinkClick r:id="rId3"/>
-              </a:rPr>
-              <a:t>https://public.tableau.com/profile/brian.moore7221#!/vizhome/HappinessAroundtheWorld_15958968487800/Happiness</a:t>
-            </a:r>
-            <a:endParaRPr/>
-          </a:p>
-          <a:p>
-            <a:pPr indent="0" lvl="0" marL="0" rtl="0" algn="l">
-              <a:spcBef>
-                <a:spcPts val="0"/>
-              </a:spcBef>
-              <a:spcAft>
-                <a:spcPts val="0"/>
-              </a:spcAft>
-              <a:buNone/>
-            </a:pPr>
-            <a:r>
               <a:t/>
             </a:r>
             <a:endParaRPr/>
@@ -1060,12 +1017,12 @@
 </p:notes>
 </file>
 
-<file path=ppt/notesSlides/notesSlide4.xml><?xml version="1.0" encoding="utf-8"?>
+<file path=ppt/notesSlides/notesSlide12.xml><?xml version="1.0" encoding="utf-8"?>
 <p:notes xmlns:a="http://schemas.openxmlformats.org/drawingml/2006/main" xmlns:r="http://schemas.openxmlformats.org/officeDocument/2006/relationships" xmlns:mc="http://schemas.openxmlformats.org/markup-compatibility/2006" xmlns:mv="urn:schemas-microsoft-com:mac:vml" xmlns:p="http://schemas.openxmlformats.org/presentationml/2006/main" xmlns:c="http://schemas.openxmlformats.org/drawingml/2006/chart" xmlns:dgm="http://schemas.openxmlformats.org/drawingml/2006/diagram" xmlns:o="urn:schemas-microsoft-com:office:office" xmlns:v="urn:schemas-microsoft-com:vml" xmlns:pvml="urn:schemas-microsoft-com:office:powerpoint" xmlns:com="http://schemas.openxmlformats.org/drawingml/2006/compatibility" xmlns:p14="http://schemas.microsoft.com/office/powerpoint/2010/main" xmlns:p15="http://schemas.microsoft.com/office/powerpoint/2012/main" xmlns:ahyp="http://schemas.microsoft.com/office/drawing/2018/hyperlinkcolor" showMasterPhAnim="0" showMasterSp="0">
   <p:cSld>
     <p:spTree>
       <p:nvGrpSpPr>
-        <p:cNvPr id="128" name="Shape 128"/>
+        <p:cNvPr id="150" name="Shape 150"/>
         <p:cNvGrpSpPr/>
         <p:nvPr/>
       </p:nvGrpSpPr>
@@ -1079,7 +1036,7 @@
       </p:grpSpPr>
       <p:sp>
         <p:nvSpPr>
-          <p:cNvPr id="129" name="Google Shape;129;gd3a423f370_0_85:notes"/>
+          <p:cNvPr id="151" name="Google Shape;151;gd3a423f370_0_209:notes"/>
           <p:cNvSpPr/>
           <p:nvPr>
             <p:ph idx="2" type="sldImg"/>
@@ -1114,7 +1071,7 @@
       </p:sp>
       <p:sp>
         <p:nvSpPr>
-          <p:cNvPr id="130" name="Google Shape;130;gd3a423f370_0_85:notes"/>
+          <p:cNvPr id="152" name="Google Shape;152;gd3a423f370_0_209:notes"/>
           <p:cNvSpPr txBox="1"/>
           <p:nvPr>
             <p:ph idx="1" type="body"/>
@@ -1159,12 +1116,12 @@
 </p:notes>
 </file>
 
-<file path=ppt/notesSlides/notesSlide5.xml><?xml version="1.0" encoding="utf-8"?>
+<file path=ppt/notesSlides/notesSlide13.xml><?xml version="1.0" encoding="utf-8"?>
 <p:notes xmlns:a="http://schemas.openxmlformats.org/drawingml/2006/main" xmlns:r="http://schemas.openxmlformats.org/officeDocument/2006/relationships" xmlns:mc="http://schemas.openxmlformats.org/markup-compatibility/2006" xmlns:mv="urn:schemas-microsoft-com:mac:vml" xmlns:p="http://schemas.openxmlformats.org/presentationml/2006/main" xmlns:c="http://schemas.openxmlformats.org/drawingml/2006/chart" xmlns:dgm="http://schemas.openxmlformats.org/drawingml/2006/diagram" xmlns:o="urn:schemas-microsoft-com:office:office" xmlns:v="urn:schemas-microsoft-com:vml" xmlns:pvml="urn:schemas-microsoft-com:office:powerpoint" xmlns:com="http://schemas.openxmlformats.org/drawingml/2006/compatibility" xmlns:p14="http://schemas.microsoft.com/office/powerpoint/2010/main" xmlns:p15="http://schemas.microsoft.com/office/powerpoint/2012/main" xmlns:ahyp="http://schemas.microsoft.com/office/drawing/2018/hyperlinkcolor" showMasterPhAnim="0" showMasterSp="0">
   <p:cSld>
     <p:spTree>
       <p:nvGrpSpPr>
-        <p:cNvPr id="148" name="Shape 148"/>
+        <p:cNvPr id="155" name="Shape 155"/>
         <p:cNvGrpSpPr/>
         <p:nvPr/>
       </p:nvGrpSpPr>
@@ -1178,7 +1135,7 @@
       </p:grpSpPr>
       <p:sp>
         <p:nvSpPr>
-          <p:cNvPr id="149" name="Google Shape;149;gd3a423f370_0_146:notes"/>
+          <p:cNvPr id="156" name="Google Shape;156;gd85a92c368_0_43:notes"/>
           <p:cNvSpPr/>
           <p:nvPr>
             <p:ph idx="2" type="sldImg"/>
@@ -1213,7 +1170,1450 @@
       </p:sp>
       <p:sp>
         <p:nvSpPr>
-          <p:cNvPr id="150" name="Google Shape;150;gd3a423f370_0_146:notes"/>
+          <p:cNvPr id="157" name="Google Shape;157;gd85a92c368_0_43:notes"/>
+          <p:cNvSpPr txBox="1"/>
+          <p:nvPr>
+            <p:ph idx="1" type="body"/>
+          </p:nvPr>
+        </p:nvSpPr>
+        <p:spPr>
+          <a:xfrm>
+            <a:off x="685800" y="4343400"/>
+            <a:ext cx="5486400" cy="4114800"/>
+          </a:xfrm>
+          <a:prstGeom prst="rect">
+            <a:avLst/>
+          </a:prstGeom>
+        </p:spPr>
+        <p:txBody>
+          <a:bodyPr anchorCtr="0" anchor="t" bIns="91425" lIns="91425" spcFirstLastPara="1" rIns="91425" wrap="square" tIns="91425">
+            <a:noAutofit/>
+          </a:bodyPr>
+          <a:lstStyle/>
+          <a:p>
+            <a:pPr indent="0" lvl="0" marL="0" rtl="0" algn="l">
+              <a:spcBef>
+                <a:spcPts val="0"/>
+              </a:spcBef>
+              <a:spcAft>
+                <a:spcPts val="0"/>
+              </a:spcAft>
+              <a:buNone/>
+            </a:pPr>
+            <a:r>
+              <a:t/>
+            </a:r>
+            <a:endParaRPr/>
+          </a:p>
+        </p:txBody>
+      </p:sp>
+    </p:spTree>
+  </p:cSld>
+  <p:clrMapOvr>
+    <a:masterClrMapping/>
+  </p:clrMapOvr>
+</p:notes>
+</file>
+
+<file path=ppt/notesSlides/notesSlide14.xml><?xml version="1.0" encoding="utf-8"?>
+<p:notes xmlns:a="http://schemas.openxmlformats.org/drawingml/2006/main" xmlns:r="http://schemas.openxmlformats.org/officeDocument/2006/relationships" xmlns:mc="http://schemas.openxmlformats.org/markup-compatibility/2006" xmlns:mv="urn:schemas-microsoft-com:mac:vml" xmlns:p="http://schemas.openxmlformats.org/presentationml/2006/main" xmlns:c="http://schemas.openxmlformats.org/drawingml/2006/chart" xmlns:dgm="http://schemas.openxmlformats.org/drawingml/2006/diagram" xmlns:o="urn:schemas-microsoft-com:office:office" xmlns:v="urn:schemas-microsoft-com:vml" xmlns:pvml="urn:schemas-microsoft-com:office:powerpoint" xmlns:com="http://schemas.openxmlformats.org/drawingml/2006/compatibility" xmlns:p14="http://schemas.microsoft.com/office/powerpoint/2010/main" xmlns:p15="http://schemas.microsoft.com/office/powerpoint/2012/main" xmlns:ahyp="http://schemas.microsoft.com/office/drawing/2018/hyperlinkcolor" showMasterPhAnim="0" showMasterSp="0">
+  <p:cSld>
+    <p:spTree>
+      <p:nvGrpSpPr>
+        <p:cNvPr id="162" name="Shape 162"/>
+        <p:cNvGrpSpPr/>
+        <p:nvPr/>
+      </p:nvGrpSpPr>
+      <p:grpSpPr>
+        <a:xfrm>
+          <a:off x="0" y="0"/>
+          <a:ext cx="0" cy="0"/>
+          <a:chOff x="0" y="0"/>
+          <a:chExt cx="0" cy="0"/>
+        </a:xfrm>
+      </p:grpSpPr>
+      <p:sp>
+        <p:nvSpPr>
+          <p:cNvPr id="163" name="Google Shape;163;gd3a423f370_0_77:notes"/>
+          <p:cNvSpPr/>
+          <p:nvPr>
+            <p:ph idx="2" type="sldImg"/>
+          </p:nvPr>
+        </p:nvSpPr>
+        <p:spPr>
+          <a:xfrm>
+            <a:off x="381300" y="685800"/>
+            <a:ext cx="6096000" cy="3429000"/>
+          </a:xfrm>
+          <a:custGeom>
+            <a:rect b="b" l="l" r="r" t="t"/>
+            <a:pathLst>
+              <a:path extrusionOk="0" h="120000" w="120000">
+                <a:moveTo>
+                  <a:pt x="0" y="0"/>
+                </a:moveTo>
+                <a:lnTo>
+                  <a:pt x="120000" y="0"/>
+                </a:lnTo>
+                <a:lnTo>
+                  <a:pt x="120000" y="120000"/>
+                </a:lnTo>
+                <a:lnTo>
+                  <a:pt x="0" y="120000"/>
+                </a:lnTo>
+                <a:close/>
+              </a:path>
+            </a:pathLst>
+          </a:custGeom>
+        </p:spPr>
+      </p:sp>
+      <p:sp>
+        <p:nvSpPr>
+          <p:cNvPr id="164" name="Google Shape;164;gd3a423f370_0_77:notes"/>
+          <p:cNvSpPr txBox="1"/>
+          <p:nvPr>
+            <p:ph idx="1" type="body"/>
+          </p:nvPr>
+        </p:nvSpPr>
+        <p:spPr>
+          <a:xfrm>
+            <a:off x="685800" y="4343400"/>
+            <a:ext cx="5486400" cy="4114800"/>
+          </a:xfrm>
+          <a:prstGeom prst="rect">
+            <a:avLst/>
+          </a:prstGeom>
+        </p:spPr>
+        <p:txBody>
+          <a:bodyPr anchorCtr="0" anchor="t" bIns="91425" lIns="91425" spcFirstLastPara="1" rIns="91425" wrap="square" tIns="91425">
+            <a:noAutofit/>
+          </a:bodyPr>
+          <a:lstStyle/>
+          <a:p>
+            <a:pPr indent="0" lvl="0" marL="0" rtl="0" algn="l">
+              <a:spcBef>
+                <a:spcPts val="0"/>
+              </a:spcBef>
+              <a:spcAft>
+                <a:spcPts val="0"/>
+              </a:spcAft>
+              <a:buNone/>
+            </a:pPr>
+            <a:r>
+              <a:t/>
+            </a:r>
+            <a:endParaRPr/>
+          </a:p>
+        </p:txBody>
+      </p:sp>
+    </p:spTree>
+  </p:cSld>
+  <p:clrMapOvr>
+    <a:masterClrMapping/>
+  </p:clrMapOvr>
+</p:notes>
+</file>
+
+<file path=ppt/notesSlides/notesSlide15.xml><?xml version="1.0" encoding="utf-8"?>
+<p:notes xmlns:a="http://schemas.openxmlformats.org/drawingml/2006/main" xmlns:r="http://schemas.openxmlformats.org/officeDocument/2006/relationships" xmlns:mc="http://schemas.openxmlformats.org/markup-compatibility/2006" xmlns:mv="urn:schemas-microsoft-com:mac:vml" xmlns:p="http://schemas.openxmlformats.org/presentationml/2006/main" xmlns:c="http://schemas.openxmlformats.org/drawingml/2006/chart" xmlns:dgm="http://schemas.openxmlformats.org/drawingml/2006/diagram" xmlns:o="urn:schemas-microsoft-com:office:office" xmlns:v="urn:schemas-microsoft-com:vml" xmlns:pvml="urn:schemas-microsoft-com:office:powerpoint" xmlns:com="http://schemas.openxmlformats.org/drawingml/2006/compatibility" xmlns:p14="http://schemas.microsoft.com/office/powerpoint/2010/main" xmlns:p15="http://schemas.microsoft.com/office/powerpoint/2012/main" xmlns:ahyp="http://schemas.microsoft.com/office/drawing/2018/hyperlinkcolor" showMasterPhAnim="0" showMasterSp="0">
+  <p:cSld>
+    <p:spTree>
+      <p:nvGrpSpPr>
+        <p:cNvPr id="182" name="Shape 182"/>
+        <p:cNvGrpSpPr/>
+        <p:nvPr/>
+      </p:nvGrpSpPr>
+      <p:grpSpPr>
+        <a:xfrm>
+          <a:off x="0" y="0"/>
+          <a:ext cx="0" cy="0"/>
+          <a:chOff x="0" y="0"/>
+          <a:chExt cx="0" cy="0"/>
+        </a:xfrm>
+      </p:grpSpPr>
+      <p:sp>
+        <p:nvSpPr>
+          <p:cNvPr id="183" name="Google Shape;183;gd85a92c368_0_32:notes"/>
+          <p:cNvSpPr/>
+          <p:nvPr>
+            <p:ph idx="2" type="sldImg"/>
+          </p:nvPr>
+        </p:nvSpPr>
+        <p:spPr>
+          <a:xfrm>
+            <a:off x="381300" y="685800"/>
+            <a:ext cx="6096000" cy="3429000"/>
+          </a:xfrm>
+          <a:custGeom>
+            <a:rect b="b" l="l" r="r" t="t"/>
+            <a:pathLst>
+              <a:path extrusionOk="0" h="120000" w="120000">
+                <a:moveTo>
+                  <a:pt x="0" y="0"/>
+                </a:moveTo>
+                <a:lnTo>
+                  <a:pt x="120000" y="0"/>
+                </a:lnTo>
+                <a:lnTo>
+                  <a:pt x="120000" y="120000"/>
+                </a:lnTo>
+                <a:lnTo>
+                  <a:pt x="0" y="120000"/>
+                </a:lnTo>
+                <a:close/>
+              </a:path>
+            </a:pathLst>
+          </a:custGeom>
+        </p:spPr>
+      </p:sp>
+      <p:sp>
+        <p:nvSpPr>
+          <p:cNvPr id="184" name="Google Shape;184;gd85a92c368_0_32:notes"/>
+          <p:cNvSpPr txBox="1"/>
+          <p:nvPr>
+            <p:ph idx="1" type="body"/>
+          </p:nvPr>
+        </p:nvSpPr>
+        <p:spPr>
+          <a:xfrm>
+            <a:off x="685800" y="4343400"/>
+            <a:ext cx="5486400" cy="4114800"/>
+          </a:xfrm>
+          <a:prstGeom prst="rect">
+            <a:avLst/>
+          </a:prstGeom>
+        </p:spPr>
+        <p:txBody>
+          <a:bodyPr anchorCtr="0" anchor="t" bIns="91425" lIns="91425" spcFirstLastPara="1" rIns="91425" wrap="square" tIns="91425">
+            <a:noAutofit/>
+          </a:bodyPr>
+          <a:lstStyle/>
+          <a:p>
+            <a:pPr indent="0" lvl="0" marL="0" rtl="0" algn="l">
+              <a:spcBef>
+                <a:spcPts val="0"/>
+              </a:spcBef>
+              <a:spcAft>
+                <a:spcPts val="0"/>
+              </a:spcAft>
+              <a:buNone/>
+            </a:pPr>
+            <a:r>
+              <a:t/>
+            </a:r>
+            <a:endParaRPr/>
+          </a:p>
+        </p:txBody>
+      </p:sp>
+    </p:spTree>
+  </p:cSld>
+  <p:clrMapOvr>
+    <a:masterClrMapping/>
+  </p:clrMapOvr>
+</p:notes>
+</file>
+
+<file path=ppt/notesSlides/notesSlide16.xml><?xml version="1.0" encoding="utf-8"?>
+<p:notes xmlns:a="http://schemas.openxmlformats.org/drawingml/2006/main" xmlns:r="http://schemas.openxmlformats.org/officeDocument/2006/relationships" xmlns:mc="http://schemas.openxmlformats.org/markup-compatibility/2006" xmlns:mv="urn:schemas-microsoft-com:mac:vml" xmlns:p="http://schemas.openxmlformats.org/presentationml/2006/main" xmlns:c="http://schemas.openxmlformats.org/drawingml/2006/chart" xmlns:dgm="http://schemas.openxmlformats.org/drawingml/2006/diagram" xmlns:o="urn:schemas-microsoft-com:office:office" xmlns:v="urn:schemas-microsoft-com:vml" xmlns:pvml="urn:schemas-microsoft-com:office:powerpoint" xmlns:com="http://schemas.openxmlformats.org/drawingml/2006/compatibility" xmlns:p14="http://schemas.microsoft.com/office/powerpoint/2010/main" xmlns:p15="http://schemas.microsoft.com/office/powerpoint/2012/main" xmlns:ahyp="http://schemas.microsoft.com/office/drawing/2018/hyperlinkcolor" showMasterPhAnim="0" showMasterSp="0">
+  <p:cSld>
+    <p:spTree>
+      <p:nvGrpSpPr>
+        <p:cNvPr id="188" name="Shape 188"/>
+        <p:cNvGrpSpPr/>
+        <p:nvPr/>
+      </p:nvGrpSpPr>
+      <p:grpSpPr>
+        <a:xfrm>
+          <a:off x="0" y="0"/>
+          <a:ext cx="0" cy="0"/>
+          <a:chOff x="0" y="0"/>
+          <a:chExt cx="0" cy="0"/>
+        </a:xfrm>
+      </p:grpSpPr>
+      <p:sp>
+        <p:nvSpPr>
+          <p:cNvPr id="189" name="Google Shape;189;gd3a423f370_0_81:notes"/>
+          <p:cNvSpPr/>
+          <p:nvPr>
+            <p:ph idx="2" type="sldImg"/>
+          </p:nvPr>
+        </p:nvSpPr>
+        <p:spPr>
+          <a:xfrm>
+            <a:off x="381300" y="685800"/>
+            <a:ext cx="6096000" cy="3429000"/>
+          </a:xfrm>
+          <a:custGeom>
+            <a:rect b="b" l="l" r="r" t="t"/>
+            <a:pathLst>
+              <a:path extrusionOk="0" h="120000" w="120000">
+                <a:moveTo>
+                  <a:pt x="0" y="0"/>
+                </a:moveTo>
+                <a:lnTo>
+                  <a:pt x="120000" y="0"/>
+                </a:lnTo>
+                <a:lnTo>
+                  <a:pt x="120000" y="120000"/>
+                </a:lnTo>
+                <a:lnTo>
+                  <a:pt x="0" y="120000"/>
+                </a:lnTo>
+                <a:close/>
+              </a:path>
+            </a:pathLst>
+          </a:custGeom>
+        </p:spPr>
+      </p:sp>
+      <p:sp>
+        <p:nvSpPr>
+          <p:cNvPr id="190" name="Google Shape;190;gd3a423f370_0_81:notes"/>
+          <p:cNvSpPr txBox="1"/>
+          <p:nvPr>
+            <p:ph idx="1" type="body"/>
+          </p:nvPr>
+        </p:nvSpPr>
+        <p:spPr>
+          <a:xfrm>
+            <a:off x="685800" y="4343400"/>
+            <a:ext cx="5486400" cy="4114800"/>
+          </a:xfrm>
+          <a:prstGeom prst="rect">
+            <a:avLst/>
+          </a:prstGeom>
+        </p:spPr>
+        <p:txBody>
+          <a:bodyPr anchorCtr="0" anchor="t" bIns="91425" lIns="91425" spcFirstLastPara="1" rIns="91425" wrap="square" tIns="91425">
+            <a:noAutofit/>
+          </a:bodyPr>
+          <a:lstStyle/>
+          <a:p>
+            <a:pPr indent="0" lvl="0" marL="0" rtl="0" algn="l">
+              <a:spcBef>
+                <a:spcPts val="0"/>
+              </a:spcBef>
+              <a:spcAft>
+                <a:spcPts val="0"/>
+              </a:spcAft>
+              <a:buNone/>
+            </a:pPr>
+            <a:r>
+              <a:rPr lang="en" u="sng">
+                <a:solidFill>
+                  <a:schemeClr val="hlink"/>
+                </a:solidFill>
+                <a:hlinkClick r:id="rId2"/>
+              </a:rPr>
+              <a:t>https://public.tableau.com/profile/gwennisme#!/vizhome/WorldHappinessIndex_3/Dashboard</a:t>
+            </a:r>
+            <a:endParaRPr/>
+          </a:p>
+          <a:p>
+            <a:pPr indent="0" lvl="0" marL="0" rtl="0" algn="l">
+              <a:spcBef>
+                <a:spcPts val="0"/>
+              </a:spcBef>
+              <a:spcAft>
+                <a:spcPts val="0"/>
+              </a:spcAft>
+              <a:buNone/>
+            </a:pPr>
+            <a:r>
+              <a:t/>
+            </a:r>
+            <a:endParaRPr/>
+          </a:p>
+          <a:p>
+            <a:pPr indent="0" lvl="0" marL="0" rtl="0" algn="l">
+              <a:spcBef>
+                <a:spcPts val="0"/>
+              </a:spcBef>
+              <a:spcAft>
+                <a:spcPts val="0"/>
+              </a:spcAft>
+              <a:buNone/>
+            </a:pPr>
+            <a:r>
+              <a:rPr lang="en" u="sng">
+                <a:solidFill>
+                  <a:schemeClr val="hlink"/>
+                </a:solidFill>
+                <a:hlinkClick r:id="rId3"/>
+              </a:rPr>
+              <a:t>https://public.tableau.com/profile/brian.moore7221#!/vizhome/HappinessAroundtheWorld_15958968487800/Happiness</a:t>
+            </a:r>
+            <a:endParaRPr/>
+          </a:p>
+          <a:p>
+            <a:pPr indent="0" lvl="0" marL="0" rtl="0" algn="l">
+              <a:spcBef>
+                <a:spcPts val="0"/>
+              </a:spcBef>
+              <a:spcAft>
+                <a:spcPts val="0"/>
+              </a:spcAft>
+              <a:buNone/>
+            </a:pPr>
+            <a:r>
+              <a:t/>
+            </a:r>
+            <a:endParaRPr/>
+          </a:p>
+        </p:txBody>
+      </p:sp>
+    </p:spTree>
+  </p:cSld>
+  <p:clrMapOvr>
+    <a:masterClrMapping/>
+  </p:clrMapOvr>
+</p:notes>
+</file>
+
+<file path=ppt/notesSlides/notesSlide17.xml><?xml version="1.0" encoding="utf-8"?>
+<p:notes xmlns:a="http://schemas.openxmlformats.org/drawingml/2006/main" xmlns:r="http://schemas.openxmlformats.org/officeDocument/2006/relationships" xmlns:mc="http://schemas.openxmlformats.org/markup-compatibility/2006" xmlns:mv="urn:schemas-microsoft-com:mac:vml" xmlns:p="http://schemas.openxmlformats.org/presentationml/2006/main" xmlns:c="http://schemas.openxmlformats.org/drawingml/2006/chart" xmlns:dgm="http://schemas.openxmlformats.org/drawingml/2006/diagram" xmlns:o="urn:schemas-microsoft-com:office:office" xmlns:v="urn:schemas-microsoft-com:vml" xmlns:pvml="urn:schemas-microsoft-com:office:powerpoint" xmlns:com="http://schemas.openxmlformats.org/drawingml/2006/compatibility" xmlns:p14="http://schemas.microsoft.com/office/powerpoint/2010/main" xmlns:p15="http://schemas.microsoft.com/office/powerpoint/2012/main" xmlns:ahyp="http://schemas.microsoft.com/office/drawing/2018/hyperlinkcolor" showMasterPhAnim="0" showMasterSp="0">
+  <p:cSld>
+    <p:spTree>
+      <p:nvGrpSpPr>
+        <p:cNvPr id="208" name="Shape 208"/>
+        <p:cNvGrpSpPr/>
+        <p:nvPr/>
+      </p:nvGrpSpPr>
+      <p:grpSpPr>
+        <a:xfrm>
+          <a:off x="0" y="0"/>
+          <a:ext cx="0" cy="0"/>
+          <a:chOff x="0" y="0"/>
+          <a:chExt cx="0" cy="0"/>
+        </a:xfrm>
+      </p:grpSpPr>
+      <p:sp>
+        <p:nvSpPr>
+          <p:cNvPr id="209" name="Google Shape;209;gd3a423f370_0_85:notes"/>
+          <p:cNvSpPr/>
+          <p:nvPr>
+            <p:ph idx="2" type="sldImg"/>
+          </p:nvPr>
+        </p:nvSpPr>
+        <p:spPr>
+          <a:xfrm>
+            <a:off x="381300" y="685800"/>
+            <a:ext cx="6096000" cy="3429000"/>
+          </a:xfrm>
+          <a:custGeom>
+            <a:rect b="b" l="l" r="r" t="t"/>
+            <a:pathLst>
+              <a:path extrusionOk="0" h="120000" w="120000">
+                <a:moveTo>
+                  <a:pt x="0" y="0"/>
+                </a:moveTo>
+                <a:lnTo>
+                  <a:pt x="120000" y="0"/>
+                </a:lnTo>
+                <a:lnTo>
+                  <a:pt x="120000" y="120000"/>
+                </a:lnTo>
+                <a:lnTo>
+                  <a:pt x="0" y="120000"/>
+                </a:lnTo>
+                <a:close/>
+              </a:path>
+            </a:pathLst>
+          </a:custGeom>
+        </p:spPr>
+      </p:sp>
+      <p:sp>
+        <p:nvSpPr>
+          <p:cNvPr id="210" name="Google Shape;210;gd3a423f370_0_85:notes"/>
+          <p:cNvSpPr txBox="1"/>
+          <p:nvPr>
+            <p:ph idx="1" type="body"/>
+          </p:nvPr>
+        </p:nvSpPr>
+        <p:spPr>
+          <a:xfrm>
+            <a:off x="685800" y="4343400"/>
+            <a:ext cx="5486400" cy="4114800"/>
+          </a:xfrm>
+          <a:prstGeom prst="rect">
+            <a:avLst/>
+          </a:prstGeom>
+        </p:spPr>
+        <p:txBody>
+          <a:bodyPr anchorCtr="0" anchor="t" bIns="91425" lIns="91425" spcFirstLastPara="1" rIns="91425" wrap="square" tIns="91425">
+            <a:noAutofit/>
+          </a:bodyPr>
+          <a:lstStyle/>
+          <a:p>
+            <a:pPr indent="0" lvl="0" marL="0" rtl="0" algn="l">
+              <a:spcBef>
+                <a:spcPts val="0"/>
+              </a:spcBef>
+              <a:spcAft>
+                <a:spcPts val="0"/>
+              </a:spcAft>
+              <a:buNone/>
+            </a:pPr>
+            <a:r>
+              <a:t/>
+            </a:r>
+            <a:endParaRPr/>
+          </a:p>
+        </p:txBody>
+      </p:sp>
+    </p:spTree>
+  </p:cSld>
+  <p:clrMapOvr>
+    <a:masterClrMapping/>
+  </p:clrMapOvr>
+</p:notes>
+</file>
+
+<file path=ppt/notesSlides/notesSlide18.xml><?xml version="1.0" encoding="utf-8"?>
+<p:notes xmlns:a="http://schemas.openxmlformats.org/drawingml/2006/main" xmlns:r="http://schemas.openxmlformats.org/officeDocument/2006/relationships" xmlns:mc="http://schemas.openxmlformats.org/markup-compatibility/2006" xmlns:mv="urn:schemas-microsoft-com:mac:vml" xmlns:p="http://schemas.openxmlformats.org/presentationml/2006/main" xmlns:c="http://schemas.openxmlformats.org/drawingml/2006/chart" xmlns:dgm="http://schemas.openxmlformats.org/drawingml/2006/diagram" xmlns:o="urn:schemas-microsoft-com:office:office" xmlns:v="urn:schemas-microsoft-com:vml" xmlns:pvml="urn:schemas-microsoft-com:office:powerpoint" xmlns:com="http://schemas.openxmlformats.org/drawingml/2006/compatibility" xmlns:p14="http://schemas.microsoft.com/office/powerpoint/2010/main" xmlns:p15="http://schemas.microsoft.com/office/powerpoint/2012/main" xmlns:ahyp="http://schemas.microsoft.com/office/drawing/2018/hyperlinkcolor" showMasterPhAnim="0" showMasterSp="0">
+  <p:cSld>
+    <p:spTree>
+      <p:nvGrpSpPr>
+        <p:cNvPr id="228" name="Shape 228"/>
+        <p:cNvGrpSpPr/>
+        <p:nvPr/>
+      </p:nvGrpSpPr>
+      <p:grpSpPr>
+        <a:xfrm>
+          <a:off x="0" y="0"/>
+          <a:ext cx="0" cy="0"/>
+          <a:chOff x="0" y="0"/>
+          <a:chExt cx="0" cy="0"/>
+        </a:xfrm>
+      </p:grpSpPr>
+      <p:sp>
+        <p:nvSpPr>
+          <p:cNvPr id="229" name="Google Shape;229;gd85a92c368_0_17:notes"/>
+          <p:cNvSpPr/>
+          <p:nvPr>
+            <p:ph idx="2" type="sldImg"/>
+          </p:nvPr>
+        </p:nvSpPr>
+        <p:spPr>
+          <a:xfrm>
+            <a:off x="381300" y="685800"/>
+            <a:ext cx="6096000" cy="3429000"/>
+          </a:xfrm>
+          <a:custGeom>
+            <a:rect b="b" l="l" r="r" t="t"/>
+            <a:pathLst>
+              <a:path extrusionOk="0" h="120000" w="120000">
+                <a:moveTo>
+                  <a:pt x="0" y="0"/>
+                </a:moveTo>
+                <a:lnTo>
+                  <a:pt x="120000" y="0"/>
+                </a:lnTo>
+                <a:lnTo>
+                  <a:pt x="120000" y="120000"/>
+                </a:lnTo>
+                <a:lnTo>
+                  <a:pt x="0" y="120000"/>
+                </a:lnTo>
+                <a:close/>
+              </a:path>
+            </a:pathLst>
+          </a:custGeom>
+        </p:spPr>
+      </p:sp>
+      <p:sp>
+        <p:nvSpPr>
+          <p:cNvPr id="230" name="Google Shape;230;gd85a92c368_0_17:notes"/>
+          <p:cNvSpPr txBox="1"/>
+          <p:nvPr>
+            <p:ph idx="1" type="body"/>
+          </p:nvPr>
+        </p:nvSpPr>
+        <p:spPr>
+          <a:xfrm>
+            <a:off x="685800" y="4343400"/>
+            <a:ext cx="5486400" cy="4114800"/>
+          </a:xfrm>
+          <a:prstGeom prst="rect">
+            <a:avLst/>
+          </a:prstGeom>
+        </p:spPr>
+        <p:txBody>
+          <a:bodyPr anchorCtr="0" anchor="t" bIns="91425" lIns="91425" spcFirstLastPara="1" rIns="91425" wrap="square" tIns="91425">
+            <a:noAutofit/>
+          </a:bodyPr>
+          <a:lstStyle/>
+          <a:p>
+            <a:pPr indent="0" lvl="0" marL="0" rtl="0" algn="l">
+              <a:spcBef>
+                <a:spcPts val="0"/>
+              </a:spcBef>
+              <a:spcAft>
+                <a:spcPts val="0"/>
+              </a:spcAft>
+              <a:buNone/>
+            </a:pPr>
+            <a:r>
+              <a:t/>
+            </a:r>
+            <a:endParaRPr/>
+          </a:p>
+        </p:txBody>
+      </p:sp>
+    </p:spTree>
+  </p:cSld>
+  <p:clrMapOvr>
+    <a:masterClrMapping/>
+  </p:clrMapOvr>
+</p:notes>
+</file>
+
+<file path=ppt/notesSlides/notesSlide19.xml><?xml version="1.0" encoding="utf-8"?>
+<p:notes xmlns:a="http://schemas.openxmlformats.org/drawingml/2006/main" xmlns:r="http://schemas.openxmlformats.org/officeDocument/2006/relationships" xmlns:mc="http://schemas.openxmlformats.org/markup-compatibility/2006" xmlns:mv="urn:schemas-microsoft-com:mac:vml" xmlns:p="http://schemas.openxmlformats.org/presentationml/2006/main" xmlns:c="http://schemas.openxmlformats.org/drawingml/2006/chart" xmlns:dgm="http://schemas.openxmlformats.org/drawingml/2006/diagram" xmlns:o="urn:schemas-microsoft-com:office:office" xmlns:v="urn:schemas-microsoft-com:vml" xmlns:pvml="urn:schemas-microsoft-com:office:powerpoint" xmlns:com="http://schemas.openxmlformats.org/drawingml/2006/compatibility" xmlns:p14="http://schemas.microsoft.com/office/powerpoint/2010/main" xmlns:p15="http://schemas.microsoft.com/office/powerpoint/2012/main" xmlns:ahyp="http://schemas.microsoft.com/office/drawing/2018/hyperlinkcolor" showMasterPhAnim="0" showMasterSp="0">
+  <p:cSld>
+    <p:spTree>
+      <p:nvGrpSpPr>
+        <p:cNvPr id="234" name="Shape 234"/>
+        <p:cNvGrpSpPr/>
+        <p:nvPr/>
+      </p:nvGrpSpPr>
+      <p:grpSpPr>
+        <a:xfrm>
+          <a:off x="0" y="0"/>
+          <a:ext cx="0" cy="0"/>
+          <a:chOff x="0" y="0"/>
+          <a:chExt cx="0" cy="0"/>
+        </a:xfrm>
+      </p:grpSpPr>
+      <p:sp>
+        <p:nvSpPr>
+          <p:cNvPr id="235" name="Google Shape;235;gd3a423f370_0_146:notes"/>
+          <p:cNvSpPr/>
+          <p:nvPr>
+            <p:ph idx="2" type="sldImg"/>
+          </p:nvPr>
+        </p:nvSpPr>
+        <p:spPr>
+          <a:xfrm>
+            <a:off x="381300" y="685800"/>
+            <a:ext cx="6096000" cy="3429000"/>
+          </a:xfrm>
+          <a:custGeom>
+            <a:rect b="b" l="l" r="r" t="t"/>
+            <a:pathLst>
+              <a:path extrusionOk="0" h="120000" w="120000">
+                <a:moveTo>
+                  <a:pt x="0" y="0"/>
+                </a:moveTo>
+                <a:lnTo>
+                  <a:pt x="120000" y="0"/>
+                </a:lnTo>
+                <a:lnTo>
+                  <a:pt x="120000" y="120000"/>
+                </a:lnTo>
+                <a:lnTo>
+                  <a:pt x="0" y="120000"/>
+                </a:lnTo>
+                <a:close/>
+              </a:path>
+            </a:pathLst>
+          </a:custGeom>
+        </p:spPr>
+      </p:sp>
+      <p:sp>
+        <p:nvSpPr>
+          <p:cNvPr id="236" name="Google Shape;236;gd3a423f370_0_146:notes"/>
+          <p:cNvSpPr txBox="1"/>
+          <p:nvPr>
+            <p:ph idx="1" type="body"/>
+          </p:nvPr>
+        </p:nvSpPr>
+        <p:spPr>
+          <a:xfrm>
+            <a:off x="685800" y="4343400"/>
+            <a:ext cx="5486400" cy="4114800"/>
+          </a:xfrm>
+          <a:prstGeom prst="rect">
+            <a:avLst/>
+          </a:prstGeom>
+        </p:spPr>
+        <p:txBody>
+          <a:bodyPr anchorCtr="0" anchor="t" bIns="91425" lIns="91425" spcFirstLastPara="1" rIns="91425" wrap="square" tIns="91425">
+            <a:noAutofit/>
+          </a:bodyPr>
+          <a:lstStyle/>
+          <a:p>
+            <a:pPr indent="0" lvl="0" marL="0" rtl="0" algn="l">
+              <a:spcBef>
+                <a:spcPts val="0"/>
+              </a:spcBef>
+              <a:spcAft>
+                <a:spcPts val="0"/>
+              </a:spcAft>
+              <a:buNone/>
+            </a:pPr>
+            <a:r>
+              <a:t/>
+            </a:r>
+            <a:endParaRPr/>
+          </a:p>
+        </p:txBody>
+      </p:sp>
+    </p:spTree>
+  </p:cSld>
+  <p:clrMapOvr>
+    <a:masterClrMapping/>
+  </p:clrMapOvr>
+</p:notes>
+</file>
+
+<file path=ppt/notesSlides/notesSlide2.xml><?xml version="1.0" encoding="utf-8"?>
+<p:notes xmlns:a="http://schemas.openxmlformats.org/drawingml/2006/main" xmlns:r="http://schemas.openxmlformats.org/officeDocument/2006/relationships" xmlns:mc="http://schemas.openxmlformats.org/markup-compatibility/2006" xmlns:mv="urn:schemas-microsoft-com:mac:vml" xmlns:p="http://schemas.openxmlformats.org/presentationml/2006/main" xmlns:c="http://schemas.openxmlformats.org/drawingml/2006/chart" xmlns:dgm="http://schemas.openxmlformats.org/drawingml/2006/diagram" xmlns:o="urn:schemas-microsoft-com:office:office" xmlns:v="urn:schemas-microsoft-com:vml" xmlns:pvml="urn:schemas-microsoft-com:office:powerpoint" xmlns:com="http://schemas.openxmlformats.org/drawingml/2006/compatibility" xmlns:p14="http://schemas.microsoft.com/office/powerpoint/2010/main" xmlns:p15="http://schemas.microsoft.com/office/powerpoint/2012/main" xmlns:ahyp="http://schemas.microsoft.com/office/drawing/2018/hyperlinkcolor" showMasterPhAnim="0" showMasterSp="0">
+  <p:cSld>
+    <p:spTree>
+      <p:nvGrpSpPr>
+        <p:cNvPr id="88" name="Shape 88"/>
+        <p:cNvGrpSpPr/>
+        <p:nvPr/>
+      </p:nvGrpSpPr>
+      <p:grpSpPr>
+        <a:xfrm>
+          <a:off x="0" y="0"/>
+          <a:ext cx="0" cy="0"/>
+          <a:chOff x="0" y="0"/>
+          <a:chExt cx="0" cy="0"/>
+        </a:xfrm>
+      </p:grpSpPr>
+      <p:sp>
+        <p:nvSpPr>
+          <p:cNvPr id="89" name="Google Shape;89;gd3a423f370_0_184:notes"/>
+          <p:cNvSpPr/>
+          <p:nvPr>
+            <p:ph idx="2" type="sldImg"/>
+          </p:nvPr>
+        </p:nvSpPr>
+        <p:spPr>
+          <a:xfrm>
+            <a:off x="381300" y="685800"/>
+            <a:ext cx="6096000" cy="3429000"/>
+          </a:xfrm>
+          <a:custGeom>
+            <a:rect b="b" l="l" r="r" t="t"/>
+            <a:pathLst>
+              <a:path extrusionOk="0" h="120000" w="120000">
+                <a:moveTo>
+                  <a:pt x="0" y="0"/>
+                </a:moveTo>
+                <a:lnTo>
+                  <a:pt x="120000" y="0"/>
+                </a:lnTo>
+                <a:lnTo>
+                  <a:pt x="120000" y="120000"/>
+                </a:lnTo>
+                <a:lnTo>
+                  <a:pt x="0" y="120000"/>
+                </a:lnTo>
+                <a:close/>
+              </a:path>
+            </a:pathLst>
+          </a:custGeom>
+        </p:spPr>
+      </p:sp>
+      <p:sp>
+        <p:nvSpPr>
+          <p:cNvPr id="90" name="Google Shape;90;gd3a423f370_0_184:notes"/>
+          <p:cNvSpPr txBox="1"/>
+          <p:nvPr>
+            <p:ph idx="1" type="body"/>
+          </p:nvPr>
+        </p:nvSpPr>
+        <p:spPr>
+          <a:xfrm>
+            <a:off x="685800" y="4343400"/>
+            <a:ext cx="5486400" cy="4114800"/>
+          </a:xfrm>
+          <a:prstGeom prst="rect">
+            <a:avLst/>
+          </a:prstGeom>
+        </p:spPr>
+        <p:txBody>
+          <a:bodyPr anchorCtr="0" anchor="t" bIns="91425" lIns="91425" spcFirstLastPara="1" rIns="91425" wrap="square" tIns="91425">
+            <a:noAutofit/>
+          </a:bodyPr>
+          <a:lstStyle/>
+          <a:p>
+            <a:pPr indent="0" lvl="0" marL="0" rtl="0" algn="l">
+              <a:spcBef>
+                <a:spcPts val="0"/>
+              </a:spcBef>
+              <a:spcAft>
+                <a:spcPts val="0"/>
+              </a:spcAft>
+              <a:buNone/>
+            </a:pPr>
+            <a:r>
+              <a:t/>
+            </a:r>
+            <a:endParaRPr/>
+          </a:p>
+        </p:txBody>
+      </p:sp>
+    </p:spTree>
+  </p:cSld>
+  <p:clrMapOvr>
+    <a:masterClrMapping/>
+  </p:clrMapOvr>
+</p:notes>
+</file>
+
+<file path=ppt/notesSlides/notesSlide3.xml><?xml version="1.0" encoding="utf-8"?>
+<p:notes xmlns:a="http://schemas.openxmlformats.org/drawingml/2006/main" xmlns:r="http://schemas.openxmlformats.org/officeDocument/2006/relationships" xmlns:mc="http://schemas.openxmlformats.org/markup-compatibility/2006" xmlns:mv="urn:schemas-microsoft-com:mac:vml" xmlns:p="http://schemas.openxmlformats.org/presentationml/2006/main" xmlns:c="http://schemas.openxmlformats.org/drawingml/2006/chart" xmlns:dgm="http://schemas.openxmlformats.org/drawingml/2006/diagram" xmlns:o="urn:schemas-microsoft-com:office:office" xmlns:v="urn:schemas-microsoft-com:vml" xmlns:pvml="urn:schemas-microsoft-com:office:powerpoint" xmlns:com="http://schemas.openxmlformats.org/drawingml/2006/compatibility" xmlns:p14="http://schemas.microsoft.com/office/powerpoint/2010/main" xmlns:p15="http://schemas.microsoft.com/office/powerpoint/2012/main" xmlns:ahyp="http://schemas.microsoft.com/office/drawing/2018/hyperlinkcolor" showMasterPhAnim="0" showMasterSp="0">
+  <p:cSld>
+    <p:spTree>
+      <p:nvGrpSpPr>
+        <p:cNvPr id="98" name="Shape 98"/>
+        <p:cNvGrpSpPr/>
+        <p:nvPr/>
+      </p:nvGrpSpPr>
+      <p:grpSpPr>
+        <a:xfrm>
+          <a:off x="0" y="0"/>
+          <a:ext cx="0" cy="0"/>
+          <a:chOff x="0" y="0"/>
+          <a:chExt cx="0" cy="0"/>
+        </a:xfrm>
+      </p:grpSpPr>
+      <p:sp>
+        <p:nvSpPr>
+          <p:cNvPr id="99" name="Google Shape;99;gd3a423f370_0_191:notes"/>
+          <p:cNvSpPr/>
+          <p:nvPr>
+            <p:ph idx="2" type="sldImg"/>
+          </p:nvPr>
+        </p:nvSpPr>
+        <p:spPr>
+          <a:xfrm>
+            <a:off x="381300" y="685800"/>
+            <a:ext cx="6096000" cy="3429000"/>
+          </a:xfrm>
+          <a:custGeom>
+            <a:rect b="b" l="l" r="r" t="t"/>
+            <a:pathLst>
+              <a:path extrusionOk="0" h="120000" w="120000">
+                <a:moveTo>
+                  <a:pt x="0" y="0"/>
+                </a:moveTo>
+                <a:lnTo>
+                  <a:pt x="120000" y="0"/>
+                </a:lnTo>
+                <a:lnTo>
+                  <a:pt x="120000" y="120000"/>
+                </a:lnTo>
+                <a:lnTo>
+                  <a:pt x="0" y="120000"/>
+                </a:lnTo>
+                <a:close/>
+              </a:path>
+            </a:pathLst>
+          </a:custGeom>
+        </p:spPr>
+      </p:sp>
+      <p:sp>
+        <p:nvSpPr>
+          <p:cNvPr id="100" name="Google Shape;100;gd3a423f370_0_191:notes"/>
+          <p:cNvSpPr txBox="1"/>
+          <p:nvPr>
+            <p:ph idx="1" type="body"/>
+          </p:nvPr>
+        </p:nvSpPr>
+        <p:spPr>
+          <a:xfrm>
+            <a:off x="685800" y="4343400"/>
+            <a:ext cx="5486400" cy="4114800"/>
+          </a:xfrm>
+          <a:prstGeom prst="rect">
+            <a:avLst/>
+          </a:prstGeom>
+        </p:spPr>
+        <p:txBody>
+          <a:bodyPr anchorCtr="0" anchor="t" bIns="91425" lIns="91425" spcFirstLastPara="1" rIns="91425" wrap="square" tIns="91425">
+            <a:noAutofit/>
+          </a:bodyPr>
+          <a:lstStyle/>
+          <a:p>
+            <a:pPr indent="0" lvl="0" marL="0" rtl="0" algn="l">
+              <a:spcBef>
+                <a:spcPts val="0"/>
+              </a:spcBef>
+              <a:spcAft>
+                <a:spcPts val="0"/>
+              </a:spcAft>
+              <a:buNone/>
+            </a:pPr>
+            <a:r>
+              <a:t/>
+            </a:r>
+            <a:endParaRPr/>
+          </a:p>
+        </p:txBody>
+      </p:sp>
+    </p:spTree>
+  </p:cSld>
+  <p:clrMapOvr>
+    <a:masterClrMapping/>
+  </p:clrMapOvr>
+</p:notes>
+</file>
+
+<file path=ppt/notesSlides/notesSlide4.xml><?xml version="1.0" encoding="utf-8"?>
+<p:notes xmlns:a="http://schemas.openxmlformats.org/drawingml/2006/main" xmlns:r="http://schemas.openxmlformats.org/officeDocument/2006/relationships" xmlns:mc="http://schemas.openxmlformats.org/markup-compatibility/2006" xmlns:mv="urn:schemas-microsoft-com:mac:vml" xmlns:p="http://schemas.openxmlformats.org/presentationml/2006/main" xmlns:c="http://schemas.openxmlformats.org/drawingml/2006/chart" xmlns:dgm="http://schemas.openxmlformats.org/drawingml/2006/diagram" xmlns:o="urn:schemas-microsoft-com:office:office" xmlns:v="urn:schemas-microsoft-com:vml" xmlns:pvml="urn:schemas-microsoft-com:office:powerpoint" xmlns:com="http://schemas.openxmlformats.org/drawingml/2006/compatibility" xmlns:p14="http://schemas.microsoft.com/office/powerpoint/2010/main" xmlns:p15="http://schemas.microsoft.com/office/powerpoint/2012/main" xmlns:ahyp="http://schemas.microsoft.com/office/drawing/2018/hyperlinkcolor" showMasterPhAnim="0" showMasterSp="0">
+  <p:cSld>
+    <p:spTree>
+      <p:nvGrpSpPr>
+        <p:cNvPr id="104" name="Shape 104"/>
+        <p:cNvGrpSpPr/>
+        <p:nvPr/>
+      </p:nvGrpSpPr>
+      <p:grpSpPr>
+        <a:xfrm>
+          <a:off x="0" y="0"/>
+          <a:ext cx="0" cy="0"/>
+          <a:chOff x="0" y="0"/>
+          <a:chExt cx="0" cy="0"/>
+        </a:xfrm>
+      </p:grpSpPr>
+      <p:sp>
+        <p:nvSpPr>
+          <p:cNvPr id="105" name="Google Shape;105;gd3a423f370_0_199:notes"/>
+          <p:cNvSpPr/>
+          <p:nvPr>
+            <p:ph idx="2" type="sldImg"/>
+          </p:nvPr>
+        </p:nvSpPr>
+        <p:spPr>
+          <a:xfrm>
+            <a:off x="381300" y="685800"/>
+            <a:ext cx="6096000" cy="3429000"/>
+          </a:xfrm>
+          <a:custGeom>
+            <a:rect b="b" l="l" r="r" t="t"/>
+            <a:pathLst>
+              <a:path extrusionOk="0" h="120000" w="120000">
+                <a:moveTo>
+                  <a:pt x="0" y="0"/>
+                </a:moveTo>
+                <a:lnTo>
+                  <a:pt x="120000" y="0"/>
+                </a:lnTo>
+                <a:lnTo>
+                  <a:pt x="120000" y="120000"/>
+                </a:lnTo>
+                <a:lnTo>
+                  <a:pt x="0" y="120000"/>
+                </a:lnTo>
+                <a:close/>
+              </a:path>
+            </a:pathLst>
+          </a:custGeom>
+        </p:spPr>
+      </p:sp>
+      <p:sp>
+        <p:nvSpPr>
+          <p:cNvPr id="106" name="Google Shape;106;gd3a423f370_0_199:notes"/>
+          <p:cNvSpPr txBox="1"/>
+          <p:nvPr>
+            <p:ph idx="1" type="body"/>
+          </p:nvPr>
+        </p:nvSpPr>
+        <p:spPr>
+          <a:xfrm>
+            <a:off x="685800" y="4343400"/>
+            <a:ext cx="5486400" cy="4114800"/>
+          </a:xfrm>
+          <a:prstGeom prst="rect">
+            <a:avLst/>
+          </a:prstGeom>
+        </p:spPr>
+        <p:txBody>
+          <a:bodyPr anchorCtr="0" anchor="t" bIns="91425" lIns="91425" spcFirstLastPara="1" rIns="91425" wrap="square" tIns="91425">
+            <a:noAutofit/>
+          </a:bodyPr>
+          <a:lstStyle/>
+          <a:p>
+            <a:pPr indent="0" lvl="0" marL="0" rtl="0" algn="l">
+              <a:spcBef>
+                <a:spcPts val="0"/>
+              </a:spcBef>
+              <a:spcAft>
+                <a:spcPts val="0"/>
+              </a:spcAft>
+              <a:buNone/>
+            </a:pPr>
+            <a:r>
+              <a:t/>
+            </a:r>
+            <a:endParaRPr/>
+          </a:p>
+        </p:txBody>
+      </p:sp>
+    </p:spTree>
+  </p:cSld>
+  <p:clrMapOvr>
+    <a:masterClrMapping/>
+  </p:clrMapOvr>
+</p:notes>
+</file>
+
+<file path=ppt/notesSlides/notesSlide5.xml><?xml version="1.0" encoding="utf-8"?>
+<p:notes xmlns:a="http://schemas.openxmlformats.org/drawingml/2006/main" xmlns:r="http://schemas.openxmlformats.org/officeDocument/2006/relationships" xmlns:mc="http://schemas.openxmlformats.org/markup-compatibility/2006" xmlns:mv="urn:schemas-microsoft-com:mac:vml" xmlns:p="http://schemas.openxmlformats.org/presentationml/2006/main" xmlns:c="http://schemas.openxmlformats.org/drawingml/2006/chart" xmlns:dgm="http://schemas.openxmlformats.org/drawingml/2006/diagram" xmlns:o="urn:schemas-microsoft-com:office:office" xmlns:v="urn:schemas-microsoft-com:vml" xmlns:pvml="urn:schemas-microsoft-com:office:powerpoint" xmlns:com="http://schemas.openxmlformats.org/drawingml/2006/compatibility" xmlns:p14="http://schemas.microsoft.com/office/powerpoint/2010/main" xmlns:p15="http://schemas.microsoft.com/office/powerpoint/2012/main" xmlns:ahyp="http://schemas.microsoft.com/office/drawing/2018/hyperlinkcolor" showMasterPhAnim="0" showMasterSp="0">
+  <p:cSld>
+    <p:spTree>
+      <p:nvGrpSpPr>
+        <p:cNvPr id="110" name="Shape 110"/>
+        <p:cNvGrpSpPr/>
+        <p:nvPr/>
+      </p:nvGrpSpPr>
+      <p:grpSpPr>
+        <a:xfrm>
+          <a:off x="0" y="0"/>
+          <a:ext cx="0" cy="0"/>
+          <a:chOff x="0" y="0"/>
+          <a:chExt cx="0" cy="0"/>
+        </a:xfrm>
+      </p:grpSpPr>
+      <p:sp>
+        <p:nvSpPr>
+          <p:cNvPr id="111" name="Google Shape;111;gd85a92c368_0_0:notes"/>
+          <p:cNvSpPr/>
+          <p:nvPr>
+            <p:ph idx="2" type="sldImg"/>
+          </p:nvPr>
+        </p:nvSpPr>
+        <p:spPr>
+          <a:xfrm>
+            <a:off x="381300" y="685800"/>
+            <a:ext cx="6096000" cy="3429000"/>
+          </a:xfrm>
+          <a:custGeom>
+            <a:rect b="b" l="l" r="r" t="t"/>
+            <a:pathLst>
+              <a:path extrusionOk="0" h="120000" w="120000">
+                <a:moveTo>
+                  <a:pt x="0" y="0"/>
+                </a:moveTo>
+                <a:lnTo>
+                  <a:pt x="120000" y="0"/>
+                </a:lnTo>
+                <a:lnTo>
+                  <a:pt x="120000" y="120000"/>
+                </a:lnTo>
+                <a:lnTo>
+                  <a:pt x="0" y="120000"/>
+                </a:lnTo>
+                <a:close/>
+              </a:path>
+            </a:pathLst>
+          </a:custGeom>
+        </p:spPr>
+      </p:sp>
+      <p:sp>
+        <p:nvSpPr>
+          <p:cNvPr id="112" name="Google Shape;112;gd85a92c368_0_0:notes"/>
+          <p:cNvSpPr txBox="1"/>
+          <p:nvPr>
+            <p:ph idx="1" type="body"/>
+          </p:nvPr>
+        </p:nvSpPr>
+        <p:spPr>
+          <a:xfrm>
+            <a:off x="685800" y="4343400"/>
+            <a:ext cx="5486400" cy="4114800"/>
+          </a:xfrm>
+          <a:prstGeom prst="rect">
+            <a:avLst/>
+          </a:prstGeom>
+        </p:spPr>
+        <p:txBody>
+          <a:bodyPr anchorCtr="0" anchor="t" bIns="91425" lIns="91425" spcFirstLastPara="1" rIns="91425" wrap="square" tIns="91425">
+            <a:noAutofit/>
+          </a:bodyPr>
+          <a:lstStyle/>
+          <a:p>
+            <a:pPr indent="0" lvl="0" marL="0" rtl="0" algn="l">
+              <a:spcBef>
+                <a:spcPts val="0"/>
+              </a:spcBef>
+              <a:spcAft>
+                <a:spcPts val="0"/>
+              </a:spcAft>
+              <a:buNone/>
+            </a:pPr>
+            <a:r>
+              <a:t/>
+            </a:r>
+            <a:endParaRPr/>
+          </a:p>
+        </p:txBody>
+      </p:sp>
+    </p:spTree>
+  </p:cSld>
+  <p:clrMapOvr>
+    <a:masterClrMapping/>
+  </p:clrMapOvr>
+</p:notes>
+</file>
+
+<file path=ppt/notesSlides/notesSlide6.xml><?xml version="1.0" encoding="utf-8"?>
+<p:notes xmlns:a="http://schemas.openxmlformats.org/drawingml/2006/main" xmlns:r="http://schemas.openxmlformats.org/officeDocument/2006/relationships" xmlns:mc="http://schemas.openxmlformats.org/markup-compatibility/2006" xmlns:mv="urn:schemas-microsoft-com:mac:vml" xmlns:p="http://schemas.openxmlformats.org/presentationml/2006/main" xmlns:c="http://schemas.openxmlformats.org/drawingml/2006/chart" xmlns:dgm="http://schemas.openxmlformats.org/drawingml/2006/diagram" xmlns:o="urn:schemas-microsoft-com:office:office" xmlns:v="urn:schemas-microsoft-com:vml" xmlns:pvml="urn:schemas-microsoft-com:office:powerpoint" xmlns:com="http://schemas.openxmlformats.org/drawingml/2006/compatibility" xmlns:p14="http://schemas.microsoft.com/office/powerpoint/2010/main" xmlns:p15="http://schemas.microsoft.com/office/powerpoint/2012/main" xmlns:ahyp="http://schemas.microsoft.com/office/drawing/2018/hyperlinkcolor" showMasterPhAnim="0" showMasterSp="0">
+  <p:cSld>
+    <p:spTree>
+      <p:nvGrpSpPr>
+        <p:cNvPr id="116" name="Shape 116"/>
+        <p:cNvGrpSpPr/>
+        <p:nvPr/>
+      </p:nvGrpSpPr>
+      <p:grpSpPr>
+        <a:xfrm>
+          <a:off x="0" y="0"/>
+          <a:ext cx="0" cy="0"/>
+          <a:chOff x="0" y="0"/>
+          <a:chExt cx="0" cy="0"/>
+        </a:xfrm>
+      </p:grpSpPr>
+      <p:sp>
+        <p:nvSpPr>
+          <p:cNvPr id="117" name="Google Shape;117;gd85a92c368_0_13:notes"/>
+          <p:cNvSpPr/>
+          <p:nvPr>
+            <p:ph idx="2" type="sldImg"/>
+          </p:nvPr>
+        </p:nvSpPr>
+        <p:spPr>
+          <a:xfrm>
+            <a:off x="381300" y="685800"/>
+            <a:ext cx="6096000" cy="3429000"/>
+          </a:xfrm>
+          <a:custGeom>
+            <a:rect b="b" l="l" r="r" t="t"/>
+            <a:pathLst>
+              <a:path extrusionOk="0" h="120000" w="120000">
+                <a:moveTo>
+                  <a:pt x="0" y="0"/>
+                </a:moveTo>
+                <a:lnTo>
+                  <a:pt x="120000" y="0"/>
+                </a:lnTo>
+                <a:lnTo>
+                  <a:pt x="120000" y="120000"/>
+                </a:lnTo>
+                <a:lnTo>
+                  <a:pt x="0" y="120000"/>
+                </a:lnTo>
+                <a:close/>
+              </a:path>
+            </a:pathLst>
+          </a:custGeom>
+        </p:spPr>
+      </p:sp>
+      <p:sp>
+        <p:nvSpPr>
+          <p:cNvPr id="118" name="Google Shape;118;gd85a92c368_0_13:notes"/>
+          <p:cNvSpPr txBox="1"/>
+          <p:nvPr>
+            <p:ph idx="1" type="body"/>
+          </p:nvPr>
+        </p:nvSpPr>
+        <p:spPr>
+          <a:xfrm>
+            <a:off x="685800" y="4343400"/>
+            <a:ext cx="5486400" cy="4114800"/>
+          </a:xfrm>
+          <a:prstGeom prst="rect">
+            <a:avLst/>
+          </a:prstGeom>
+        </p:spPr>
+        <p:txBody>
+          <a:bodyPr anchorCtr="0" anchor="t" bIns="91425" lIns="91425" spcFirstLastPara="1" rIns="91425" wrap="square" tIns="91425">
+            <a:noAutofit/>
+          </a:bodyPr>
+          <a:lstStyle/>
+          <a:p>
+            <a:pPr indent="0" lvl="0" marL="0" rtl="0" algn="l">
+              <a:spcBef>
+                <a:spcPts val="0"/>
+              </a:spcBef>
+              <a:spcAft>
+                <a:spcPts val="0"/>
+              </a:spcAft>
+              <a:buNone/>
+            </a:pPr>
+            <a:r>
+              <a:t/>
+            </a:r>
+            <a:endParaRPr/>
+          </a:p>
+        </p:txBody>
+      </p:sp>
+    </p:spTree>
+  </p:cSld>
+  <p:clrMapOvr>
+    <a:masterClrMapping/>
+  </p:clrMapOvr>
+</p:notes>
+</file>
+
+<file path=ppt/notesSlides/notesSlide7.xml><?xml version="1.0" encoding="utf-8"?>
+<p:notes xmlns:a="http://schemas.openxmlformats.org/drawingml/2006/main" xmlns:r="http://schemas.openxmlformats.org/officeDocument/2006/relationships" xmlns:mc="http://schemas.openxmlformats.org/markup-compatibility/2006" xmlns:mv="urn:schemas-microsoft-com:mac:vml" xmlns:p="http://schemas.openxmlformats.org/presentationml/2006/main" xmlns:c="http://schemas.openxmlformats.org/drawingml/2006/chart" xmlns:dgm="http://schemas.openxmlformats.org/drawingml/2006/diagram" xmlns:o="urn:schemas-microsoft-com:office:office" xmlns:v="urn:schemas-microsoft-com:vml" xmlns:pvml="urn:schemas-microsoft-com:office:powerpoint" xmlns:com="http://schemas.openxmlformats.org/drawingml/2006/compatibility" xmlns:p14="http://schemas.microsoft.com/office/powerpoint/2010/main" xmlns:p15="http://schemas.microsoft.com/office/powerpoint/2012/main" xmlns:ahyp="http://schemas.microsoft.com/office/drawing/2018/hyperlinkcolor" showMasterPhAnim="0" showMasterSp="0">
+  <p:cSld>
+    <p:spTree>
+      <p:nvGrpSpPr>
+        <p:cNvPr id="121" name="Shape 121"/>
+        <p:cNvGrpSpPr/>
+        <p:nvPr/>
+      </p:nvGrpSpPr>
+      <p:grpSpPr>
+        <a:xfrm>
+          <a:off x="0" y="0"/>
+          <a:ext cx="0" cy="0"/>
+          <a:chOff x="0" y="0"/>
+          <a:chExt cx="0" cy="0"/>
+        </a:xfrm>
+      </p:grpSpPr>
+      <p:sp>
+        <p:nvSpPr>
+          <p:cNvPr id="122" name="Google Shape;122;gd85a92c368_0_22:notes"/>
+          <p:cNvSpPr/>
+          <p:nvPr>
+            <p:ph idx="2" type="sldImg"/>
+          </p:nvPr>
+        </p:nvSpPr>
+        <p:spPr>
+          <a:xfrm>
+            <a:off x="381300" y="685800"/>
+            <a:ext cx="6096000" cy="3429000"/>
+          </a:xfrm>
+          <a:custGeom>
+            <a:rect b="b" l="l" r="r" t="t"/>
+            <a:pathLst>
+              <a:path extrusionOk="0" h="120000" w="120000">
+                <a:moveTo>
+                  <a:pt x="0" y="0"/>
+                </a:moveTo>
+                <a:lnTo>
+                  <a:pt x="120000" y="0"/>
+                </a:lnTo>
+                <a:lnTo>
+                  <a:pt x="120000" y="120000"/>
+                </a:lnTo>
+                <a:lnTo>
+                  <a:pt x="0" y="120000"/>
+                </a:lnTo>
+                <a:close/>
+              </a:path>
+            </a:pathLst>
+          </a:custGeom>
+        </p:spPr>
+      </p:sp>
+      <p:sp>
+        <p:nvSpPr>
+          <p:cNvPr id="123" name="Google Shape;123;gd85a92c368_0_22:notes"/>
+          <p:cNvSpPr txBox="1"/>
+          <p:nvPr>
+            <p:ph idx="1" type="body"/>
+          </p:nvPr>
+        </p:nvSpPr>
+        <p:spPr>
+          <a:xfrm>
+            <a:off x="685800" y="4343400"/>
+            <a:ext cx="5486400" cy="4114800"/>
+          </a:xfrm>
+          <a:prstGeom prst="rect">
+            <a:avLst/>
+          </a:prstGeom>
+        </p:spPr>
+        <p:txBody>
+          <a:bodyPr anchorCtr="0" anchor="t" bIns="91425" lIns="91425" spcFirstLastPara="1" rIns="91425" wrap="square" tIns="91425">
+            <a:noAutofit/>
+          </a:bodyPr>
+          <a:lstStyle/>
+          <a:p>
+            <a:pPr indent="0" lvl="0" marL="0" rtl="0" algn="l">
+              <a:spcBef>
+                <a:spcPts val="0"/>
+              </a:spcBef>
+              <a:spcAft>
+                <a:spcPts val="0"/>
+              </a:spcAft>
+              <a:buNone/>
+            </a:pPr>
+            <a:r>
+              <a:t/>
+            </a:r>
+            <a:endParaRPr/>
+          </a:p>
+        </p:txBody>
+      </p:sp>
+    </p:spTree>
+  </p:cSld>
+  <p:clrMapOvr>
+    <a:masterClrMapping/>
+  </p:clrMapOvr>
+</p:notes>
+</file>
+
+<file path=ppt/notesSlides/notesSlide8.xml><?xml version="1.0" encoding="utf-8"?>
+<p:notes xmlns:a="http://schemas.openxmlformats.org/drawingml/2006/main" xmlns:r="http://schemas.openxmlformats.org/officeDocument/2006/relationships" xmlns:mc="http://schemas.openxmlformats.org/markup-compatibility/2006" xmlns:mv="urn:schemas-microsoft-com:mac:vml" xmlns:p="http://schemas.openxmlformats.org/presentationml/2006/main" xmlns:c="http://schemas.openxmlformats.org/drawingml/2006/chart" xmlns:dgm="http://schemas.openxmlformats.org/drawingml/2006/diagram" xmlns:o="urn:schemas-microsoft-com:office:office" xmlns:v="urn:schemas-microsoft-com:vml" xmlns:pvml="urn:schemas-microsoft-com:office:powerpoint" xmlns:com="http://schemas.openxmlformats.org/drawingml/2006/compatibility" xmlns:p14="http://schemas.microsoft.com/office/powerpoint/2010/main" xmlns:p15="http://schemas.microsoft.com/office/powerpoint/2012/main" xmlns:ahyp="http://schemas.microsoft.com/office/drawing/2018/hyperlinkcolor" showMasterPhAnim="0" showMasterSp="0">
+  <p:cSld>
+    <p:spTree>
+      <p:nvGrpSpPr>
+        <p:cNvPr id="127" name="Shape 127"/>
+        <p:cNvGrpSpPr/>
+        <p:nvPr/>
+      </p:nvGrpSpPr>
+      <p:grpSpPr>
+        <a:xfrm>
+          <a:off x="0" y="0"/>
+          <a:ext cx="0" cy="0"/>
+          <a:chOff x="0" y="0"/>
+          <a:chExt cx="0" cy="0"/>
+        </a:xfrm>
+      </p:grpSpPr>
+      <p:sp>
+        <p:nvSpPr>
+          <p:cNvPr id="128" name="Google Shape;128;gd85a92c368_0_55:notes"/>
+          <p:cNvSpPr/>
+          <p:nvPr>
+            <p:ph idx="2" type="sldImg"/>
+          </p:nvPr>
+        </p:nvSpPr>
+        <p:spPr>
+          <a:xfrm>
+            <a:off x="381300" y="685800"/>
+            <a:ext cx="6096000" cy="3429000"/>
+          </a:xfrm>
+          <a:custGeom>
+            <a:rect b="b" l="l" r="r" t="t"/>
+            <a:pathLst>
+              <a:path extrusionOk="0" h="120000" w="120000">
+                <a:moveTo>
+                  <a:pt x="0" y="0"/>
+                </a:moveTo>
+                <a:lnTo>
+                  <a:pt x="120000" y="0"/>
+                </a:lnTo>
+                <a:lnTo>
+                  <a:pt x="120000" y="120000"/>
+                </a:lnTo>
+                <a:lnTo>
+                  <a:pt x="0" y="120000"/>
+                </a:lnTo>
+                <a:close/>
+              </a:path>
+            </a:pathLst>
+          </a:custGeom>
+        </p:spPr>
+      </p:sp>
+      <p:sp>
+        <p:nvSpPr>
+          <p:cNvPr id="129" name="Google Shape;129;gd85a92c368_0_55:notes"/>
+          <p:cNvSpPr txBox="1"/>
+          <p:nvPr>
+            <p:ph idx="1" type="body"/>
+          </p:nvPr>
+        </p:nvSpPr>
+        <p:spPr>
+          <a:xfrm>
+            <a:off x="685800" y="4343400"/>
+            <a:ext cx="5486400" cy="4114800"/>
+          </a:xfrm>
+          <a:prstGeom prst="rect">
+            <a:avLst/>
+          </a:prstGeom>
+        </p:spPr>
+        <p:txBody>
+          <a:bodyPr anchorCtr="0" anchor="t" bIns="91425" lIns="91425" spcFirstLastPara="1" rIns="91425" wrap="square" tIns="91425">
+            <a:noAutofit/>
+          </a:bodyPr>
+          <a:lstStyle/>
+          <a:p>
+            <a:pPr indent="0" lvl="0" marL="0" rtl="0" algn="l">
+              <a:spcBef>
+                <a:spcPts val="0"/>
+              </a:spcBef>
+              <a:spcAft>
+                <a:spcPts val="0"/>
+              </a:spcAft>
+              <a:buNone/>
+            </a:pPr>
+            <a:r>
+              <a:t/>
+            </a:r>
+            <a:endParaRPr/>
+          </a:p>
+        </p:txBody>
+      </p:sp>
+    </p:spTree>
+  </p:cSld>
+  <p:clrMapOvr>
+    <a:masterClrMapping/>
+  </p:clrMapOvr>
+</p:notes>
+</file>
+
+<file path=ppt/notesSlides/notesSlide9.xml><?xml version="1.0" encoding="utf-8"?>
+<p:notes xmlns:a="http://schemas.openxmlformats.org/drawingml/2006/main" xmlns:r="http://schemas.openxmlformats.org/officeDocument/2006/relationships" xmlns:mc="http://schemas.openxmlformats.org/markup-compatibility/2006" xmlns:mv="urn:schemas-microsoft-com:mac:vml" xmlns:p="http://schemas.openxmlformats.org/presentationml/2006/main" xmlns:c="http://schemas.openxmlformats.org/drawingml/2006/chart" xmlns:dgm="http://schemas.openxmlformats.org/drawingml/2006/diagram" xmlns:o="urn:schemas-microsoft-com:office:office" xmlns:v="urn:schemas-microsoft-com:vml" xmlns:pvml="urn:schemas-microsoft-com:office:powerpoint" xmlns:com="http://schemas.openxmlformats.org/drawingml/2006/compatibility" xmlns:p14="http://schemas.microsoft.com/office/powerpoint/2010/main" xmlns:p15="http://schemas.microsoft.com/office/powerpoint/2012/main" xmlns:ahyp="http://schemas.microsoft.com/office/drawing/2018/hyperlinkcolor" showMasterPhAnim="0" showMasterSp="0">
+  <p:cSld>
+    <p:spTree>
+      <p:nvGrpSpPr>
+        <p:cNvPr id="133" name="Shape 133"/>
+        <p:cNvGrpSpPr/>
+        <p:nvPr/>
+      </p:nvGrpSpPr>
+      <p:grpSpPr>
+        <a:xfrm>
+          <a:off x="0" y="0"/>
+          <a:ext cx="0" cy="0"/>
+          <a:chOff x="0" y="0"/>
+          <a:chExt cx="0" cy="0"/>
+        </a:xfrm>
+      </p:grpSpPr>
+      <p:sp>
+        <p:nvSpPr>
+          <p:cNvPr id="134" name="Google Shape;134;gd85a92c368_0_9:notes"/>
+          <p:cNvSpPr/>
+          <p:nvPr>
+            <p:ph idx="2" type="sldImg"/>
+          </p:nvPr>
+        </p:nvSpPr>
+        <p:spPr>
+          <a:xfrm>
+            <a:off x="381300" y="685800"/>
+            <a:ext cx="6096000" cy="3429000"/>
+          </a:xfrm>
+          <a:custGeom>
+            <a:rect b="b" l="l" r="r" t="t"/>
+            <a:pathLst>
+              <a:path extrusionOk="0" h="120000" w="120000">
+                <a:moveTo>
+                  <a:pt x="0" y="0"/>
+                </a:moveTo>
+                <a:lnTo>
+                  <a:pt x="120000" y="0"/>
+                </a:lnTo>
+                <a:lnTo>
+                  <a:pt x="120000" y="120000"/>
+                </a:lnTo>
+                <a:lnTo>
+                  <a:pt x="0" y="120000"/>
+                </a:lnTo>
+                <a:close/>
+              </a:path>
+            </a:pathLst>
+          </a:custGeom>
+        </p:spPr>
+      </p:sp>
+      <p:sp>
+        <p:nvSpPr>
+          <p:cNvPr id="135" name="Google Shape;135;gd85a92c368_0_9:notes"/>
           <p:cNvSpPr txBox="1"/>
           <p:nvPr>
             <p:ph idx="1" type="body"/>
@@ -7596,7 +8996,7 @@
             </a:pPr>
             <a:r>
               <a:rPr lang="en"/>
-              <a:t>Can we predict happiness?</a:t>
+              <a:t>Can We Predict Happiness?</a:t>
             </a:r>
             <a:endParaRPr/>
           </a:p>
@@ -7621,22 +9021,241 @@
         </p:spPr>
         <p:txBody>
           <a:bodyPr anchorCtr="0" anchor="t" bIns="91425" lIns="91425" spcFirstLastPara="1" rIns="91425" wrap="square" tIns="91425">
+            <a:normAutofit fontScale="77500" lnSpcReduction="20000"/>
+          </a:bodyPr>
+          <a:lstStyle/>
+          <a:p>
+            <a:pPr indent="0" lvl="0" marL="0" rtl="0" algn="l">
+              <a:lnSpc>
+                <a:spcPct val="95000"/>
+              </a:lnSpc>
+              <a:spcBef>
+                <a:spcPts val="0"/>
+              </a:spcBef>
+              <a:spcAft>
+                <a:spcPts val="0"/>
+              </a:spcAft>
+              <a:buClr>
+                <a:srgbClr val="000000"/>
+              </a:buClr>
+              <a:buSzPts val="213"/>
+              <a:buFont typeface="Arial"/>
+              <a:buNone/>
+            </a:pPr>
+            <a:r>
+              <a:rPr lang="en" sz="1125"/>
+              <a:t>Happiness and its contributing factors</a:t>
+            </a:r>
+            <a:endParaRPr sz="1125"/>
+          </a:p>
+          <a:p>
+            <a:pPr indent="0" lvl="0" marL="0" rtl="0" algn="l">
+              <a:lnSpc>
+                <a:spcPct val="95000"/>
+              </a:lnSpc>
+              <a:spcBef>
+                <a:spcPts val="1200"/>
+              </a:spcBef>
+              <a:spcAft>
+                <a:spcPts val="1200"/>
+              </a:spcAft>
+              <a:buClr>
+                <a:srgbClr val="000000"/>
+              </a:buClr>
+              <a:buSzPts val="213"/>
+              <a:buFont typeface="Arial"/>
+              <a:buNone/>
+            </a:pPr>
+            <a:r>
+              <a:rPr lang="en" sz="1125"/>
+              <a:t>By Group 2: Assistant Cisse, Diana Borkar, Merelynn (Lynn) Okang  &amp; Gloria Yahouedeou</a:t>
+            </a:r>
+            <a:endParaRPr sz="1125"/>
+          </a:p>
+        </p:txBody>
+      </p:sp>
+    </p:spTree>
+  </p:cSld>
+  <p:clrMapOvr>
+    <a:masterClrMapping/>
+  </p:clrMapOvr>
+</p:sld>
+</file>
+
+<file path=ppt/slides/slide10.xml><?xml version="1.0" encoding="utf-8"?>
+<p:sld xmlns:a="http://schemas.openxmlformats.org/drawingml/2006/main" xmlns:r="http://schemas.openxmlformats.org/officeDocument/2006/relationships" xmlns:mc="http://schemas.openxmlformats.org/markup-compatibility/2006" xmlns:mv="urn:schemas-microsoft-com:mac:vml" xmlns:p="http://schemas.openxmlformats.org/presentationml/2006/main" xmlns:c="http://schemas.openxmlformats.org/drawingml/2006/chart" xmlns:dgm="http://schemas.openxmlformats.org/drawingml/2006/diagram" xmlns:o="urn:schemas-microsoft-com:office:office" xmlns:v="urn:schemas-microsoft-com:vml" xmlns:pvml="urn:schemas-microsoft-com:office:powerpoint" xmlns:com="http://schemas.openxmlformats.org/drawingml/2006/compatibility" xmlns:p14="http://schemas.microsoft.com/office/powerpoint/2010/main" xmlns:p15="http://schemas.microsoft.com/office/powerpoint/2012/main" xmlns:ahyp="http://schemas.microsoft.com/office/drawing/2018/hyperlinkcolor">
+  <p:cSld>
+    <p:spTree>
+      <p:nvGrpSpPr>
+        <p:cNvPr id="141" name="Shape 141"/>
+        <p:cNvGrpSpPr/>
+        <p:nvPr/>
+      </p:nvGrpSpPr>
+      <p:grpSpPr>
+        <a:xfrm>
+          <a:off x="0" y="0"/>
+          <a:ext cx="0" cy="0"/>
+          <a:chOff x="0" y="0"/>
+          <a:chExt cx="0" cy="0"/>
+        </a:xfrm>
+      </p:grpSpPr>
+      <p:sp>
+        <p:nvSpPr>
+          <p:cNvPr id="142" name="Google Shape;142;p22"/>
+          <p:cNvSpPr txBox="1"/>
+          <p:nvPr>
+            <p:ph type="title"/>
+          </p:nvPr>
+        </p:nvSpPr>
+        <p:spPr>
+          <a:xfrm>
+            <a:off x="729450" y="1318650"/>
+            <a:ext cx="7688700" cy="535200"/>
+          </a:xfrm>
+          <a:prstGeom prst="rect">
+            <a:avLst/>
+          </a:prstGeom>
+        </p:spPr>
+        <p:txBody>
+          <a:bodyPr anchorCtr="0" anchor="t" bIns="91425" lIns="91425" spcFirstLastPara="1" rIns="91425" wrap="square" tIns="91425">
+            <a:normAutofit fontScale="90000"/>
+          </a:bodyPr>
+          <a:lstStyle/>
+          <a:p>
+            <a:pPr indent="0" lvl="0" marL="0" rtl="0" algn="l">
+              <a:spcBef>
+                <a:spcPts val="0"/>
+              </a:spcBef>
+              <a:spcAft>
+                <a:spcPts val="0"/>
+              </a:spcAft>
+              <a:buNone/>
+            </a:pPr>
+            <a:r>
+              <a:t/>
+            </a:r>
+            <a:endParaRPr/>
+          </a:p>
+        </p:txBody>
+      </p:sp>
+      <p:sp>
+        <p:nvSpPr>
+          <p:cNvPr id="143" name="Google Shape;143;p22"/>
+          <p:cNvSpPr txBox="1"/>
+          <p:nvPr>
+            <p:ph idx="1" type="body"/>
+          </p:nvPr>
+        </p:nvSpPr>
+        <p:spPr>
+          <a:xfrm>
+            <a:off x="729450" y="2078875"/>
+            <a:ext cx="7688700" cy="2261100"/>
+          </a:xfrm>
+          <a:prstGeom prst="rect">
+            <a:avLst/>
+          </a:prstGeom>
+        </p:spPr>
+        <p:txBody>
+          <a:bodyPr anchorCtr="0" anchor="t" bIns="91425" lIns="91425" spcFirstLastPara="1" rIns="91425" wrap="square" tIns="91425">
             <a:normAutofit/>
           </a:bodyPr>
           <a:lstStyle/>
           <a:p>
-            <a:pPr indent="0" lvl="0" marL="0" rtl="0" algn="l">
-              <a:spcBef>
-                <a:spcPts val="0"/>
-              </a:spcBef>
-              <a:spcAft>
-                <a:spcPts val="0"/>
-              </a:spcAft>
-              <a:buNone/>
+            <a:pPr indent="-311150" lvl="0" marL="457200" rtl="0" algn="l">
+              <a:spcBef>
+                <a:spcPts val="0"/>
+              </a:spcBef>
+              <a:spcAft>
+                <a:spcPts val="0"/>
+              </a:spcAft>
+              <a:buSzPts val="1300"/>
+              <a:buChar char="●"/>
             </a:pPr>
             <a:r>
               <a:rPr lang="en"/>
-              <a:t>And which factors influence happiness?</a:t>
+              <a:t>Data was </a:t>
+            </a:r>
+            <a:r>
+              <a:rPr lang="en"/>
+              <a:t>split</a:t>
+            </a:r>
+            <a:r>
+              <a:rPr lang="en"/>
+              <a:t> into 2015 and 2016 data sets </a:t>
+            </a:r>
+            <a:endParaRPr/>
+          </a:p>
+          <a:p>
+            <a:pPr indent="-311150" lvl="0" marL="457200" rtl="0" algn="l">
+              <a:spcBef>
+                <a:spcPts val="0"/>
+              </a:spcBef>
+              <a:spcAft>
+                <a:spcPts val="0"/>
+              </a:spcAft>
+              <a:buSzPts val="1300"/>
+              <a:buChar char="●"/>
+            </a:pPr>
+            <a:r>
+              <a:rPr lang="en"/>
+              <a:t>38-48% </a:t>
+            </a:r>
+            <a:r>
+              <a:rPr lang="en"/>
+              <a:t>accuracy</a:t>
+            </a:r>
+            <a:r>
+              <a:rPr lang="en"/>
+              <a:t> rate</a:t>
+            </a:r>
+            <a:endParaRPr/>
+          </a:p>
+          <a:p>
+            <a:pPr indent="-311150" lvl="0" marL="457200" rtl="0" algn="l">
+              <a:spcBef>
+                <a:spcPts val="0"/>
+              </a:spcBef>
+              <a:spcAft>
+                <a:spcPts val="0"/>
+              </a:spcAft>
+              <a:buSzPts val="1300"/>
+              <a:buChar char="●"/>
+            </a:pPr>
+            <a:r>
+              <a:rPr lang="en"/>
+              <a:t>Different combination of columns. By using less columns and only the one that used the highest level of </a:t>
+            </a:r>
+            <a:r>
+              <a:rPr lang="en"/>
+              <a:t>correlation</a:t>
+            </a:r>
+            <a:r>
+              <a:rPr lang="en"/>
+              <a:t> would be used to train the machine and they had the best impact on the </a:t>
+            </a:r>
+            <a:r>
+              <a:rPr lang="en"/>
+              <a:t>accuracy</a:t>
+            </a:r>
+            <a:r>
+              <a:rPr lang="en"/>
+              <a:t> of the machine learning model</a:t>
+            </a:r>
+            <a:endParaRPr/>
+          </a:p>
+          <a:p>
+            <a:pPr indent="-311150" lvl="0" marL="457200" rtl="0" algn="l">
+              <a:spcBef>
+                <a:spcPts val="0"/>
+              </a:spcBef>
+              <a:spcAft>
+                <a:spcPts val="0"/>
+              </a:spcAft>
+              <a:buSzPts val="1300"/>
+              <a:buChar char="●"/>
+            </a:pPr>
+            <a:r>
+              <a:t/>
             </a:r>
             <a:endParaRPr/>
           </a:p>
@@ -7650,12 +9269,12 @@
 </p:sld>
 </file>
 
-<file path=ppt/slides/slide2.xml><?xml version="1.0" encoding="utf-8"?>
+<file path=ppt/slides/slide11.xml><?xml version="1.0" encoding="utf-8"?>
 <p:sld xmlns:a="http://schemas.openxmlformats.org/drawingml/2006/main" xmlns:r="http://schemas.openxmlformats.org/officeDocument/2006/relationships" xmlns:mc="http://schemas.openxmlformats.org/markup-compatibility/2006" xmlns:mv="urn:schemas-microsoft-com:mac:vml" xmlns:p="http://schemas.openxmlformats.org/presentationml/2006/main" xmlns:c="http://schemas.openxmlformats.org/drawingml/2006/chart" xmlns:dgm="http://schemas.openxmlformats.org/drawingml/2006/diagram" xmlns:o="urn:schemas-microsoft-com:office:office" xmlns:v="urn:schemas-microsoft-com:vml" xmlns:pvml="urn:schemas-microsoft-com:office:powerpoint" xmlns:com="http://schemas.openxmlformats.org/drawingml/2006/compatibility" xmlns:p14="http://schemas.microsoft.com/office/powerpoint/2010/main" xmlns:p15="http://schemas.microsoft.com/office/powerpoint/2012/main" xmlns:ahyp="http://schemas.microsoft.com/office/drawing/2018/hyperlinkcolor">
   <p:cSld>
     <p:spTree>
       <p:nvGrpSpPr>
-        <p:cNvPr id="91" name="Shape 91"/>
+        <p:cNvPr id="147" name="Shape 147"/>
         <p:cNvGrpSpPr/>
         <p:nvPr/>
       </p:nvGrpSpPr>
@@ -7669,7 +9288,179 @@
       </p:grpSpPr>
       <p:sp>
         <p:nvSpPr>
-          <p:cNvPr id="92" name="Google Shape;92;p14"/>
+          <p:cNvPr id="148" name="Google Shape;148;p23"/>
+          <p:cNvSpPr txBox="1"/>
+          <p:nvPr>
+            <p:ph idx="1" type="body"/>
+          </p:nvPr>
+        </p:nvSpPr>
+        <p:spPr>
+          <a:xfrm>
+            <a:off x="724950" y="4372551"/>
+            <a:ext cx="7697400" cy="460500"/>
+          </a:xfrm>
+          <a:prstGeom prst="rect">
+            <a:avLst/>
+          </a:prstGeom>
+        </p:spPr>
+        <p:txBody>
+          <a:bodyPr anchorCtr="0" anchor="ctr" bIns="91425" lIns="91425" spcFirstLastPara="1" rIns="91425" wrap="square" tIns="91425">
+            <a:normAutofit/>
+          </a:bodyPr>
+          <a:lstStyle/>
+          <a:p>
+            <a:pPr indent="0" lvl="0" marL="0" rtl="0" algn="l">
+              <a:spcBef>
+                <a:spcPts val="0"/>
+              </a:spcBef>
+              <a:spcAft>
+                <a:spcPts val="0"/>
+              </a:spcAft>
+              <a:buNone/>
+            </a:pPr>
+            <a:r>
+              <a:t/>
+            </a:r>
+            <a:endParaRPr/>
+          </a:p>
+        </p:txBody>
+      </p:sp>
+      <p:pic>
+        <p:nvPicPr>
+          <p:cNvPr id="149" name="Google Shape;149;p23"/>
+          <p:cNvPicPr preferRelativeResize="0"/>
+          <p:nvPr/>
+        </p:nvPicPr>
+        <p:blipFill rotWithShape="1">
+          <a:blip r:embed="rId3">
+            <a:alphaModFix/>
+          </a:blip>
+          <a:srcRect b="2649" l="0" r="0" t="-2649"/>
+          <a:stretch/>
+        </p:blipFill>
+        <p:spPr>
+          <a:xfrm>
+            <a:off x="2013050" y="283325"/>
+            <a:ext cx="4762500" cy="3876675"/>
+          </a:xfrm>
+          <a:prstGeom prst="rect">
+            <a:avLst/>
+          </a:prstGeom>
+          <a:noFill/>
+          <a:ln>
+            <a:noFill/>
+          </a:ln>
+        </p:spPr>
+      </p:pic>
+    </p:spTree>
+  </p:cSld>
+  <p:clrMapOvr>
+    <a:masterClrMapping/>
+  </p:clrMapOvr>
+</p:sld>
+</file>
+
+<file path=ppt/slides/slide12.xml><?xml version="1.0" encoding="utf-8"?>
+<p:sld xmlns:a="http://schemas.openxmlformats.org/drawingml/2006/main" xmlns:r="http://schemas.openxmlformats.org/officeDocument/2006/relationships" xmlns:mc="http://schemas.openxmlformats.org/markup-compatibility/2006" xmlns:mv="urn:schemas-microsoft-com:mac:vml" xmlns:p="http://schemas.openxmlformats.org/presentationml/2006/main" xmlns:c="http://schemas.openxmlformats.org/drawingml/2006/chart" xmlns:dgm="http://schemas.openxmlformats.org/drawingml/2006/diagram" xmlns:o="urn:schemas-microsoft-com:office:office" xmlns:v="urn:schemas-microsoft-com:vml" xmlns:pvml="urn:schemas-microsoft-com:office:powerpoint" xmlns:com="http://schemas.openxmlformats.org/drawingml/2006/compatibility" xmlns:p14="http://schemas.microsoft.com/office/powerpoint/2010/main" xmlns:p15="http://schemas.microsoft.com/office/powerpoint/2012/main" xmlns:ahyp="http://schemas.microsoft.com/office/drawing/2018/hyperlinkcolor">
+  <p:cSld>
+    <p:spTree>
+      <p:nvGrpSpPr>
+        <p:cNvPr id="153" name="Shape 153"/>
+        <p:cNvGrpSpPr/>
+        <p:nvPr/>
+      </p:nvGrpSpPr>
+      <p:grpSpPr>
+        <a:xfrm>
+          <a:off x="0" y="0"/>
+          <a:ext cx="0" cy="0"/>
+          <a:chOff x="0" y="0"/>
+          <a:chExt cx="0" cy="0"/>
+        </a:xfrm>
+      </p:grpSpPr>
+      <p:sp>
+        <p:nvSpPr>
+          <p:cNvPr id="154" name="Google Shape;154;p24"/>
+          <p:cNvSpPr txBox="1"/>
+          <p:nvPr>
+            <p:ph type="title"/>
+          </p:nvPr>
+        </p:nvSpPr>
+        <p:spPr>
+          <a:xfrm>
+            <a:off x="729450" y="1322450"/>
+            <a:ext cx="7688400" cy="1518600"/>
+          </a:xfrm>
+          <a:prstGeom prst="rect">
+            <a:avLst/>
+          </a:prstGeom>
+        </p:spPr>
+        <p:txBody>
+          <a:bodyPr anchorCtr="0" anchor="t" bIns="91425" lIns="91425" spcFirstLastPara="1" rIns="91425" wrap="square" tIns="91425">
+            <a:normAutofit/>
+          </a:bodyPr>
+          <a:lstStyle/>
+          <a:p>
+            <a:pPr indent="0" lvl="0" marL="0" rtl="0" algn="l">
+              <a:spcBef>
+                <a:spcPts val="0"/>
+              </a:spcBef>
+              <a:spcAft>
+                <a:spcPts val="0"/>
+              </a:spcAft>
+              <a:buNone/>
+            </a:pPr>
+            <a:r>
+              <a:rPr lang="en"/>
+              <a:t>Visuals and Dashboard:</a:t>
+            </a:r>
+            <a:endParaRPr/>
+          </a:p>
+          <a:p>
+            <a:pPr indent="0" lvl="0" marL="0" rtl="0" algn="l">
+              <a:spcBef>
+                <a:spcPts val="0"/>
+              </a:spcBef>
+              <a:spcAft>
+                <a:spcPts val="0"/>
+              </a:spcAft>
+              <a:buNone/>
+            </a:pPr>
+            <a:r>
+              <a:rPr lang="en"/>
+              <a:t>Tableau</a:t>
+            </a:r>
+            <a:endParaRPr/>
+          </a:p>
+        </p:txBody>
+      </p:sp>
+    </p:spTree>
+  </p:cSld>
+  <p:clrMapOvr>
+    <a:masterClrMapping/>
+  </p:clrMapOvr>
+</p:sld>
+</file>
+
+<file path=ppt/slides/slide13.xml><?xml version="1.0" encoding="utf-8"?>
+<p:sld xmlns:a="http://schemas.openxmlformats.org/drawingml/2006/main" xmlns:r="http://schemas.openxmlformats.org/officeDocument/2006/relationships" xmlns:mc="http://schemas.openxmlformats.org/markup-compatibility/2006" xmlns:mv="urn:schemas-microsoft-com:mac:vml" xmlns:p="http://schemas.openxmlformats.org/presentationml/2006/main" xmlns:c="http://schemas.openxmlformats.org/drawingml/2006/chart" xmlns:dgm="http://schemas.openxmlformats.org/drawingml/2006/diagram" xmlns:o="urn:schemas-microsoft-com:office:office" xmlns:v="urn:schemas-microsoft-com:vml" xmlns:pvml="urn:schemas-microsoft-com:office:powerpoint" xmlns:com="http://schemas.openxmlformats.org/drawingml/2006/compatibility" xmlns:p14="http://schemas.microsoft.com/office/powerpoint/2010/main" xmlns:p15="http://schemas.microsoft.com/office/powerpoint/2012/main" xmlns:ahyp="http://schemas.microsoft.com/office/drawing/2018/hyperlinkcolor">
+  <p:cSld>
+    <p:spTree>
+      <p:nvGrpSpPr>
+        <p:cNvPr id="158" name="Shape 158"/>
+        <p:cNvGrpSpPr/>
+        <p:nvPr/>
+      </p:nvGrpSpPr>
+      <p:grpSpPr>
+        <a:xfrm>
+          <a:off x="0" y="0"/>
+          <a:ext cx="0" cy="0"/>
+          <a:chOff x="0" y="0"/>
+          <a:chExt cx="0" cy="0"/>
+        </a:xfrm>
+      </p:grpSpPr>
+      <p:sp>
+        <p:nvSpPr>
+          <p:cNvPr id="159" name="Google Shape;159;p25"/>
           <p:cNvSpPr txBox="1"/>
           <p:nvPr>
             <p:ph type="title"/>
@@ -7701,6 +9492,166 @@
             </a:pPr>
             <a:r>
               <a:rPr lang="en"/>
+              <a:t>Linear Regression</a:t>
+            </a:r>
+            <a:endParaRPr/>
+          </a:p>
+        </p:txBody>
+      </p:sp>
+      <p:sp>
+        <p:nvSpPr>
+          <p:cNvPr id="160" name="Google Shape;160;p25"/>
+          <p:cNvSpPr txBox="1"/>
+          <p:nvPr>
+            <p:ph idx="1" type="body"/>
+          </p:nvPr>
+        </p:nvSpPr>
+        <p:spPr>
+          <a:xfrm>
+            <a:off x="729325" y="2078875"/>
+            <a:ext cx="3774300" cy="2261100"/>
+          </a:xfrm>
+          <a:prstGeom prst="rect">
+            <a:avLst/>
+          </a:prstGeom>
+        </p:spPr>
+        <p:txBody>
+          <a:bodyPr anchorCtr="0" anchor="t" bIns="91425" lIns="91425" spcFirstLastPara="1" rIns="91425" wrap="square" tIns="91425">
+            <a:normAutofit/>
+          </a:bodyPr>
+          <a:lstStyle/>
+          <a:p>
+            <a:pPr indent="0" lvl="0" marL="0" rtl="0" algn="l">
+              <a:spcBef>
+                <a:spcPts val="0"/>
+              </a:spcBef>
+              <a:spcAft>
+                <a:spcPts val="0"/>
+              </a:spcAft>
+              <a:buNone/>
+            </a:pPr>
+            <a:r>
+              <a:rPr lang="en"/>
+              <a:t>X column</a:t>
+            </a:r>
+            <a:endParaRPr/>
+          </a:p>
+          <a:p>
+            <a:pPr indent="0" lvl="0" marL="0" rtl="0" algn="l">
+              <a:spcBef>
+                <a:spcPts val="1200"/>
+              </a:spcBef>
+              <a:spcAft>
+                <a:spcPts val="1200"/>
+              </a:spcAft>
+              <a:buNone/>
+            </a:pPr>
+            <a:r>
+              <a:rPr lang="en"/>
+              <a:t>Y what to predict</a:t>
+            </a:r>
+            <a:endParaRPr/>
+          </a:p>
+        </p:txBody>
+      </p:sp>
+      <p:sp>
+        <p:nvSpPr>
+          <p:cNvPr id="161" name="Google Shape;161;p25"/>
+          <p:cNvSpPr txBox="1"/>
+          <p:nvPr>
+            <p:ph idx="2" type="body"/>
+          </p:nvPr>
+        </p:nvSpPr>
+        <p:spPr>
+          <a:xfrm>
+            <a:off x="4643604" y="2078875"/>
+            <a:ext cx="3774300" cy="2261100"/>
+          </a:xfrm>
+          <a:prstGeom prst="rect">
+            <a:avLst/>
+          </a:prstGeom>
+        </p:spPr>
+        <p:txBody>
+          <a:bodyPr anchorCtr="0" anchor="t" bIns="91425" lIns="91425" spcFirstLastPara="1" rIns="91425" wrap="square" tIns="91425">
+            <a:normAutofit/>
+          </a:bodyPr>
+          <a:lstStyle/>
+          <a:p>
+            <a:pPr indent="0" lvl="0" marL="0" rtl="0" algn="l">
+              <a:spcBef>
+                <a:spcPts val="0"/>
+              </a:spcBef>
+              <a:spcAft>
+                <a:spcPts val="1200"/>
+              </a:spcAft>
+              <a:buNone/>
+            </a:pPr>
+            <a:r>
+              <a:t/>
+            </a:r>
+            <a:endParaRPr/>
+          </a:p>
+        </p:txBody>
+      </p:sp>
+    </p:spTree>
+  </p:cSld>
+  <p:clrMapOvr>
+    <a:masterClrMapping/>
+  </p:clrMapOvr>
+</p:sld>
+</file>
+
+<file path=ppt/slides/slide14.xml><?xml version="1.0" encoding="utf-8"?>
+<p:sld xmlns:a="http://schemas.openxmlformats.org/drawingml/2006/main" xmlns:r="http://schemas.openxmlformats.org/officeDocument/2006/relationships" xmlns:mc="http://schemas.openxmlformats.org/markup-compatibility/2006" xmlns:mv="urn:schemas-microsoft-com:mac:vml" xmlns:p="http://schemas.openxmlformats.org/presentationml/2006/main" xmlns:c="http://schemas.openxmlformats.org/drawingml/2006/chart" xmlns:dgm="http://schemas.openxmlformats.org/drawingml/2006/diagram" xmlns:o="urn:schemas-microsoft-com:office:office" xmlns:v="urn:schemas-microsoft-com:vml" xmlns:pvml="urn:schemas-microsoft-com:office:powerpoint" xmlns:com="http://schemas.openxmlformats.org/drawingml/2006/compatibility" xmlns:p14="http://schemas.microsoft.com/office/powerpoint/2010/main" xmlns:p15="http://schemas.microsoft.com/office/powerpoint/2012/main" xmlns:ahyp="http://schemas.microsoft.com/office/drawing/2018/hyperlinkcolor">
+  <p:cSld>
+    <p:spTree>
+      <p:nvGrpSpPr>
+        <p:cNvPr id="165" name="Shape 165"/>
+        <p:cNvGrpSpPr/>
+        <p:nvPr/>
+      </p:nvGrpSpPr>
+      <p:grpSpPr>
+        <a:xfrm>
+          <a:off x="0" y="0"/>
+          <a:ext cx="0" cy="0"/>
+          <a:chOff x="0" y="0"/>
+          <a:chExt cx="0" cy="0"/>
+        </a:xfrm>
+      </p:grpSpPr>
+      <p:sp>
+        <p:nvSpPr>
+          <p:cNvPr id="166" name="Google Shape;166;p26"/>
+          <p:cNvSpPr txBox="1"/>
+          <p:nvPr>
+            <p:ph type="title"/>
+          </p:nvPr>
+        </p:nvSpPr>
+        <p:spPr>
+          <a:xfrm>
+            <a:off x="729450" y="1318650"/>
+            <a:ext cx="7688400" cy="535200"/>
+          </a:xfrm>
+          <a:prstGeom prst="rect">
+            <a:avLst/>
+          </a:prstGeom>
+        </p:spPr>
+        <p:txBody>
+          <a:bodyPr anchorCtr="0" anchor="t" bIns="91425" lIns="91425" spcFirstLastPara="1" rIns="91425" wrap="square" tIns="91425">
+            <a:normAutofit fontScale="90000"/>
+          </a:bodyPr>
+          <a:lstStyle/>
+          <a:p>
+            <a:pPr indent="0" lvl="0" marL="0" rtl="0" algn="l">
+              <a:spcBef>
+                <a:spcPts val="0"/>
+              </a:spcBef>
+              <a:spcAft>
+                <a:spcPts val="0"/>
+              </a:spcAft>
+              <a:buNone/>
+            </a:pPr>
+            <a:r>
+              <a:rPr lang="en"/>
               <a:t>Worksheets</a:t>
             </a:r>
             <a:endParaRPr/>
@@ -7709,7 +9660,7 @@
       </p:sp>
       <p:grpSp>
         <p:nvGrpSpPr>
-          <p:cNvPr id="93" name="Google Shape;93;p14"/>
+          <p:cNvPr id="167" name="Google Shape;167;p26"/>
           <p:cNvGrpSpPr/>
           <p:nvPr/>
         </p:nvGrpSpPr>
@@ -7723,7 +9674,7 @@
         </p:grpSpPr>
         <p:pic>
           <p:nvPicPr>
-            <p:cNvPr id="94" name="Google Shape;94;p14"/>
+            <p:cNvPr id="168" name="Google Shape;168;p26"/>
             <p:cNvPicPr preferRelativeResize="0"/>
             <p:nvPr/>
           </p:nvPicPr>
@@ -7750,7 +9701,7 @@
         </p:pic>
         <p:pic>
           <p:nvPicPr>
-            <p:cNvPr id="95" name="Google Shape;95;p14"/>
+            <p:cNvPr id="169" name="Google Shape;169;p26"/>
             <p:cNvPicPr preferRelativeResize="0"/>
             <p:nvPr/>
           </p:nvPicPr>
@@ -7777,7 +9728,7 @@
         </p:pic>
         <p:grpSp>
           <p:nvGrpSpPr>
-            <p:cNvPr id="96" name="Google Shape;96;p14"/>
+            <p:cNvPr id="170" name="Google Shape;170;p26"/>
             <p:cNvGrpSpPr/>
             <p:nvPr/>
           </p:nvGrpSpPr>
@@ -7791,7 +9742,7 @@
           </p:grpSpPr>
           <p:pic>
             <p:nvPicPr>
-              <p:cNvPr id="97" name="Google Shape;97;p14"/>
+              <p:cNvPr id="171" name="Google Shape;171;p26"/>
               <p:cNvPicPr preferRelativeResize="0"/>
               <p:nvPr/>
             </p:nvPicPr>
@@ -7818,7 +9769,7 @@
           </p:pic>
           <p:sp>
             <p:nvSpPr>
-              <p:cNvPr id="98" name="Google Shape;98;p14"/>
+              <p:cNvPr id="172" name="Google Shape;172;p26"/>
               <p:cNvSpPr txBox="1"/>
               <p:nvPr/>
             </p:nvSpPr>
@@ -7870,7 +9821,7 @@
           </p:sp>
           <p:sp>
             <p:nvSpPr>
-              <p:cNvPr id="99" name="Google Shape;99;p14"/>
+              <p:cNvPr id="173" name="Google Shape;173;p26"/>
               <p:cNvSpPr txBox="1"/>
               <p:nvPr/>
             </p:nvSpPr>
@@ -7922,7 +9873,7 @@
           </p:sp>
           <p:sp>
             <p:nvSpPr>
-              <p:cNvPr id="100" name="Google Shape;100;p14"/>
+              <p:cNvPr id="174" name="Google Shape;174;p26"/>
               <p:cNvSpPr txBox="1"/>
               <p:nvPr/>
             </p:nvSpPr>
@@ -7974,7 +9925,7 @@
           </p:sp>
           <p:sp>
             <p:nvSpPr>
-              <p:cNvPr id="101" name="Google Shape;101;p14"/>
+              <p:cNvPr id="175" name="Google Shape;175;p26"/>
               <p:cNvSpPr txBox="1"/>
               <p:nvPr/>
             </p:nvSpPr>
@@ -8026,7 +9977,7 @@
           </p:sp>
           <p:sp>
             <p:nvSpPr>
-              <p:cNvPr id="102" name="Google Shape;102;p14"/>
+              <p:cNvPr id="176" name="Google Shape;176;p26"/>
               <p:cNvSpPr txBox="1"/>
               <p:nvPr/>
             </p:nvSpPr>
@@ -8078,7 +10029,7 @@
           </p:sp>
           <p:sp>
             <p:nvSpPr>
-              <p:cNvPr id="103" name="Google Shape;103;p14"/>
+              <p:cNvPr id="177" name="Google Shape;177;p26"/>
               <p:cNvSpPr txBox="1"/>
               <p:nvPr/>
             </p:nvSpPr>
@@ -8130,7 +10081,7 @@
           </p:sp>
           <p:sp>
             <p:nvSpPr>
-              <p:cNvPr id="104" name="Google Shape;104;p14"/>
+              <p:cNvPr id="178" name="Google Shape;178;p26"/>
               <p:cNvSpPr txBox="1"/>
               <p:nvPr/>
             </p:nvSpPr>
@@ -8182,7 +10133,7 @@
           </p:sp>
           <p:sp>
             <p:nvSpPr>
-              <p:cNvPr id="105" name="Google Shape;105;p14"/>
+              <p:cNvPr id="179" name="Google Shape;179;p26"/>
               <p:cNvSpPr txBox="1"/>
               <p:nvPr/>
             </p:nvSpPr>
@@ -8234,7 +10185,7 @@
           </p:sp>
           <p:sp>
             <p:nvSpPr>
-              <p:cNvPr id="106" name="Google Shape;106;p14"/>
+              <p:cNvPr id="180" name="Google Shape;180;p26"/>
               <p:cNvSpPr txBox="1"/>
               <p:nvPr/>
             </p:nvSpPr>
@@ -8288,7 +10239,7 @@
       </p:grpSp>
       <p:sp>
         <p:nvSpPr>
-          <p:cNvPr id="107" name="Google Shape;107;p14"/>
+          <p:cNvPr id="181" name="Google Shape;181;p26"/>
           <p:cNvSpPr txBox="1"/>
           <p:nvPr/>
         </p:nvSpPr>
@@ -8346,12 +10297,12 @@
 </p:sld>
 </file>
 
-<file path=ppt/slides/slide3.xml><?xml version="1.0" encoding="utf-8"?>
+<file path=ppt/slides/slide15.xml><?xml version="1.0" encoding="utf-8"?>
 <p:sld xmlns:a="http://schemas.openxmlformats.org/drawingml/2006/main" xmlns:r="http://schemas.openxmlformats.org/officeDocument/2006/relationships" xmlns:mc="http://schemas.openxmlformats.org/markup-compatibility/2006" xmlns:mv="urn:schemas-microsoft-com:mac:vml" xmlns:p="http://schemas.openxmlformats.org/presentationml/2006/main" xmlns:c="http://schemas.openxmlformats.org/drawingml/2006/chart" xmlns:dgm="http://schemas.openxmlformats.org/drawingml/2006/diagram" xmlns:o="urn:schemas-microsoft-com:office:office" xmlns:v="urn:schemas-microsoft-com:vml" xmlns:pvml="urn:schemas-microsoft-com:office:powerpoint" xmlns:com="http://schemas.openxmlformats.org/drawingml/2006/compatibility" xmlns:p14="http://schemas.microsoft.com/office/powerpoint/2010/main" xmlns:p15="http://schemas.microsoft.com/office/powerpoint/2012/main" xmlns:ahyp="http://schemas.microsoft.com/office/drawing/2018/hyperlinkcolor">
   <p:cSld>
     <p:spTree>
       <p:nvGrpSpPr>
-        <p:cNvPr id="111" name="Shape 111"/>
+        <p:cNvPr id="185" name="Shape 185"/>
         <p:cNvGrpSpPr/>
         <p:nvPr/>
       </p:nvGrpSpPr>
@@ -8365,7 +10316,110 @@
       </p:grpSpPr>
       <p:sp>
         <p:nvSpPr>
-          <p:cNvPr id="112" name="Google Shape;112;p15"/>
+          <p:cNvPr id="186" name="Google Shape;186;p27"/>
+          <p:cNvSpPr txBox="1"/>
+          <p:nvPr>
+            <p:ph type="title"/>
+          </p:nvPr>
+        </p:nvSpPr>
+        <p:spPr>
+          <a:xfrm>
+            <a:off x="729450" y="1318650"/>
+            <a:ext cx="7688700" cy="535200"/>
+          </a:xfrm>
+          <a:prstGeom prst="rect">
+            <a:avLst/>
+          </a:prstGeom>
+        </p:spPr>
+        <p:txBody>
+          <a:bodyPr anchorCtr="0" anchor="t" bIns="91425" lIns="91425" spcFirstLastPara="1" rIns="91425" wrap="square" tIns="91425">
+            <a:normAutofit fontScale="90000"/>
+          </a:bodyPr>
+          <a:lstStyle/>
+          <a:p>
+            <a:pPr indent="0" lvl="0" marL="0" rtl="0" algn="l">
+              <a:spcBef>
+                <a:spcPts val="0"/>
+              </a:spcBef>
+              <a:spcAft>
+                <a:spcPts val="0"/>
+              </a:spcAft>
+              <a:buNone/>
+            </a:pPr>
+            <a:r>
+              <a:t/>
+            </a:r>
+            <a:endParaRPr/>
+          </a:p>
+        </p:txBody>
+      </p:sp>
+      <p:sp>
+        <p:nvSpPr>
+          <p:cNvPr id="187" name="Google Shape;187;p27"/>
+          <p:cNvSpPr txBox="1"/>
+          <p:nvPr>
+            <p:ph idx="1" type="body"/>
+          </p:nvPr>
+        </p:nvSpPr>
+        <p:spPr>
+          <a:xfrm>
+            <a:off x="729450" y="2078875"/>
+            <a:ext cx="7688700" cy="2261100"/>
+          </a:xfrm>
+          <a:prstGeom prst="rect">
+            <a:avLst/>
+          </a:prstGeom>
+        </p:spPr>
+        <p:txBody>
+          <a:bodyPr anchorCtr="0" anchor="t" bIns="91425" lIns="91425" spcFirstLastPara="1" rIns="91425" wrap="square" tIns="91425">
+            <a:normAutofit/>
+          </a:bodyPr>
+          <a:lstStyle/>
+          <a:p>
+            <a:pPr indent="0" lvl="0" marL="0" rtl="0" algn="l">
+              <a:spcBef>
+                <a:spcPts val="0"/>
+              </a:spcBef>
+              <a:spcAft>
+                <a:spcPts val="1200"/>
+              </a:spcAft>
+              <a:buNone/>
+            </a:pPr>
+            <a:r>
+              <a:t/>
+            </a:r>
+            <a:endParaRPr/>
+          </a:p>
+        </p:txBody>
+      </p:sp>
+    </p:spTree>
+  </p:cSld>
+  <p:clrMapOvr>
+    <a:masterClrMapping/>
+  </p:clrMapOvr>
+</p:sld>
+</file>
+
+<file path=ppt/slides/slide16.xml><?xml version="1.0" encoding="utf-8"?>
+<p:sld xmlns:a="http://schemas.openxmlformats.org/drawingml/2006/main" xmlns:r="http://schemas.openxmlformats.org/officeDocument/2006/relationships" xmlns:mc="http://schemas.openxmlformats.org/markup-compatibility/2006" xmlns:mv="urn:schemas-microsoft-com:mac:vml" xmlns:p="http://schemas.openxmlformats.org/presentationml/2006/main" xmlns:c="http://schemas.openxmlformats.org/drawingml/2006/chart" xmlns:dgm="http://schemas.openxmlformats.org/drawingml/2006/diagram" xmlns:o="urn:schemas-microsoft-com:office:office" xmlns:v="urn:schemas-microsoft-com:vml" xmlns:pvml="urn:schemas-microsoft-com:office:powerpoint" xmlns:com="http://schemas.openxmlformats.org/drawingml/2006/compatibility" xmlns:p14="http://schemas.microsoft.com/office/powerpoint/2010/main" xmlns:p15="http://schemas.microsoft.com/office/powerpoint/2012/main" xmlns:ahyp="http://schemas.microsoft.com/office/drawing/2018/hyperlinkcolor">
+  <p:cSld>
+    <p:spTree>
+      <p:nvGrpSpPr>
+        <p:cNvPr id="191" name="Shape 191"/>
+        <p:cNvGrpSpPr/>
+        <p:nvPr/>
+      </p:nvGrpSpPr>
+      <p:grpSpPr>
+        <a:xfrm>
+          <a:off x="0" y="0"/>
+          <a:ext cx="0" cy="0"/>
+          <a:chOff x="0" y="0"/>
+          <a:chExt cx="0" cy="0"/>
+        </a:xfrm>
+      </p:grpSpPr>
+      <p:sp>
+        <p:nvSpPr>
+          <p:cNvPr id="192" name="Google Shape;192;p28"/>
           <p:cNvSpPr txBox="1"/>
           <p:nvPr>
             <p:ph type="title"/>
@@ -8405,7 +10459,7 @@
       </p:sp>
       <p:grpSp>
         <p:nvGrpSpPr>
-          <p:cNvPr id="113" name="Google Shape;113;p15"/>
+          <p:cNvPr id="193" name="Google Shape;193;p28"/>
           <p:cNvGrpSpPr/>
           <p:nvPr/>
         </p:nvGrpSpPr>
@@ -8419,7 +10473,7 @@
         </p:grpSpPr>
         <p:pic>
           <p:nvPicPr>
-            <p:cNvPr id="114" name="Google Shape;114;p15"/>
+            <p:cNvPr id="194" name="Google Shape;194;p28"/>
             <p:cNvPicPr preferRelativeResize="0"/>
             <p:nvPr/>
           </p:nvPicPr>
@@ -8446,7 +10500,7 @@
         </p:pic>
         <p:pic>
           <p:nvPicPr>
-            <p:cNvPr id="115" name="Google Shape;115;p15"/>
+            <p:cNvPr id="195" name="Google Shape;195;p28"/>
             <p:cNvPicPr preferRelativeResize="0"/>
             <p:nvPr/>
           </p:nvPicPr>
@@ -8473,7 +10527,7 @@
         </p:pic>
         <p:grpSp>
           <p:nvGrpSpPr>
-            <p:cNvPr id="116" name="Google Shape;116;p15"/>
+            <p:cNvPr id="196" name="Google Shape;196;p28"/>
             <p:cNvGrpSpPr/>
             <p:nvPr/>
           </p:nvGrpSpPr>
@@ -8487,7 +10541,7 @@
           </p:grpSpPr>
           <p:pic>
             <p:nvPicPr>
-              <p:cNvPr id="117" name="Google Shape;117;p15"/>
+              <p:cNvPr id="197" name="Google Shape;197;p28"/>
               <p:cNvPicPr preferRelativeResize="0"/>
               <p:nvPr/>
             </p:nvPicPr>
@@ -8514,7 +10568,7 @@
           </p:pic>
           <p:sp>
             <p:nvSpPr>
-              <p:cNvPr id="118" name="Google Shape;118;p15"/>
+              <p:cNvPr id="198" name="Google Shape;198;p28"/>
               <p:cNvSpPr txBox="1"/>
               <p:nvPr/>
             </p:nvSpPr>
@@ -8566,7 +10620,7 @@
           </p:sp>
           <p:sp>
             <p:nvSpPr>
-              <p:cNvPr id="119" name="Google Shape;119;p15"/>
+              <p:cNvPr id="199" name="Google Shape;199;p28"/>
               <p:cNvSpPr txBox="1"/>
               <p:nvPr/>
             </p:nvSpPr>
@@ -8618,7 +10672,7 @@
           </p:sp>
           <p:sp>
             <p:nvSpPr>
-              <p:cNvPr id="120" name="Google Shape;120;p15"/>
+              <p:cNvPr id="200" name="Google Shape;200;p28"/>
               <p:cNvSpPr txBox="1"/>
               <p:nvPr/>
             </p:nvSpPr>
@@ -8696,7 +10750,7 @@
           </p:sp>
           <p:sp>
             <p:nvSpPr>
-              <p:cNvPr id="121" name="Google Shape;121;p15"/>
+              <p:cNvPr id="201" name="Google Shape;201;p28"/>
               <p:cNvSpPr txBox="1"/>
               <p:nvPr/>
             </p:nvSpPr>
@@ -8742,7 +10796,7 @@
           </p:sp>
           <p:sp>
             <p:nvSpPr>
-              <p:cNvPr id="122" name="Google Shape;122;p15"/>
+              <p:cNvPr id="202" name="Google Shape;202;p28"/>
               <p:cNvSpPr txBox="1"/>
               <p:nvPr/>
             </p:nvSpPr>
@@ -8794,7 +10848,7 @@
           </p:sp>
           <p:sp>
             <p:nvSpPr>
-              <p:cNvPr id="123" name="Google Shape;123;p15"/>
+              <p:cNvPr id="203" name="Google Shape;203;p28"/>
               <p:cNvSpPr txBox="1"/>
               <p:nvPr/>
             </p:nvSpPr>
@@ -8840,7 +10894,7 @@
           </p:sp>
           <p:sp>
             <p:nvSpPr>
-              <p:cNvPr id="124" name="Google Shape;124;p15"/>
+              <p:cNvPr id="204" name="Google Shape;204;p28"/>
               <p:cNvSpPr txBox="1"/>
               <p:nvPr/>
             </p:nvSpPr>
@@ -8886,7 +10940,7 @@
           </p:sp>
           <p:sp>
             <p:nvSpPr>
-              <p:cNvPr id="125" name="Google Shape;125;p15"/>
+              <p:cNvPr id="205" name="Google Shape;205;p28"/>
               <p:cNvSpPr txBox="1"/>
               <p:nvPr/>
             </p:nvSpPr>
@@ -8932,7 +10986,7 @@
           </p:sp>
           <p:sp>
             <p:nvSpPr>
-              <p:cNvPr id="126" name="Google Shape;126;p15"/>
+              <p:cNvPr id="206" name="Google Shape;206;p28"/>
               <p:cNvSpPr txBox="1"/>
               <p:nvPr/>
             </p:nvSpPr>
@@ -8986,7 +11040,7 @@
       </p:grpSp>
       <p:sp>
         <p:nvSpPr>
-          <p:cNvPr id="127" name="Google Shape;127;p15"/>
+          <p:cNvPr id="207" name="Google Shape;207;p28"/>
           <p:cNvSpPr txBox="1"/>
           <p:nvPr/>
         </p:nvSpPr>
@@ -9044,12 +11098,12 @@
 </p:sld>
 </file>
 
-<file path=ppt/slides/slide4.xml><?xml version="1.0" encoding="utf-8"?>
+<file path=ppt/slides/slide17.xml><?xml version="1.0" encoding="utf-8"?>
 <p:sld xmlns:a="http://schemas.openxmlformats.org/drawingml/2006/main" xmlns:r="http://schemas.openxmlformats.org/officeDocument/2006/relationships" xmlns:mc="http://schemas.openxmlformats.org/markup-compatibility/2006" xmlns:mv="urn:schemas-microsoft-com:mac:vml" xmlns:p="http://schemas.openxmlformats.org/presentationml/2006/main" xmlns:c="http://schemas.openxmlformats.org/drawingml/2006/chart" xmlns:dgm="http://schemas.openxmlformats.org/drawingml/2006/diagram" xmlns:o="urn:schemas-microsoft-com:office:office" xmlns:v="urn:schemas-microsoft-com:vml" xmlns:pvml="urn:schemas-microsoft-com:office:powerpoint" xmlns:com="http://schemas.openxmlformats.org/drawingml/2006/compatibility" xmlns:p14="http://schemas.microsoft.com/office/powerpoint/2010/main" xmlns:p15="http://schemas.microsoft.com/office/powerpoint/2012/main" xmlns:ahyp="http://schemas.microsoft.com/office/drawing/2018/hyperlinkcolor">
   <p:cSld>
     <p:spTree>
       <p:nvGrpSpPr>
-        <p:cNvPr id="131" name="Shape 131"/>
+        <p:cNvPr id="211" name="Shape 211"/>
         <p:cNvGrpSpPr/>
         <p:nvPr/>
       </p:nvGrpSpPr>
@@ -9063,7 +11117,7 @@
       </p:grpSpPr>
       <p:sp>
         <p:nvSpPr>
-          <p:cNvPr id="132" name="Google Shape;132;p16"/>
+          <p:cNvPr id="212" name="Google Shape;212;p29"/>
           <p:cNvSpPr txBox="1"/>
           <p:nvPr>
             <p:ph type="title"/>
@@ -9103,7 +11157,7 @@
       </p:sp>
       <p:grpSp>
         <p:nvGrpSpPr>
-          <p:cNvPr id="133" name="Google Shape;133;p16"/>
+          <p:cNvPr id="213" name="Google Shape;213;p29"/>
           <p:cNvGrpSpPr/>
           <p:nvPr/>
         </p:nvGrpSpPr>
@@ -9117,7 +11171,7 @@
         </p:grpSpPr>
         <p:pic>
           <p:nvPicPr>
-            <p:cNvPr id="134" name="Google Shape;134;p16"/>
+            <p:cNvPr id="214" name="Google Shape;214;p29"/>
             <p:cNvPicPr preferRelativeResize="0"/>
             <p:nvPr/>
           </p:nvPicPr>
@@ -9144,7 +11198,7 @@
         </p:pic>
         <p:pic>
           <p:nvPicPr>
-            <p:cNvPr id="135" name="Google Shape;135;p16"/>
+            <p:cNvPr id="215" name="Google Shape;215;p29"/>
             <p:cNvPicPr preferRelativeResize="0"/>
             <p:nvPr/>
           </p:nvPicPr>
@@ -9171,7 +11225,7 @@
         </p:pic>
         <p:grpSp>
           <p:nvGrpSpPr>
-            <p:cNvPr id="136" name="Google Shape;136;p16"/>
+            <p:cNvPr id="216" name="Google Shape;216;p29"/>
             <p:cNvGrpSpPr/>
             <p:nvPr/>
           </p:nvGrpSpPr>
@@ -9185,7 +11239,7 @@
           </p:grpSpPr>
           <p:pic>
             <p:nvPicPr>
-              <p:cNvPr id="137" name="Google Shape;137;p16"/>
+              <p:cNvPr id="217" name="Google Shape;217;p29"/>
               <p:cNvPicPr preferRelativeResize="0"/>
               <p:nvPr/>
             </p:nvPicPr>
@@ -9212,7 +11266,7 @@
           </p:pic>
           <p:sp>
             <p:nvSpPr>
-              <p:cNvPr id="138" name="Google Shape;138;p16"/>
+              <p:cNvPr id="218" name="Google Shape;218;p29"/>
               <p:cNvSpPr txBox="1"/>
               <p:nvPr/>
             </p:nvSpPr>
@@ -9264,7 +11318,7 @@
           </p:sp>
           <p:sp>
             <p:nvSpPr>
-              <p:cNvPr id="139" name="Google Shape;139;p16"/>
+              <p:cNvPr id="219" name="Google Shape;219;p29"/>
               <p:cNvSpPr txBox="1"/>
               <p:nvPr/>
             </p:nvSpPr>
@@ -9316,7 +11370,7 @@
           </p:sp>
           <p:sp>
             <p:nvSpPr>
-              <p:cNvPr id="140" name="Google Shape;140;p16"/>
+              <p:cNvPr id="220" name="Google Shape;220;p29"/>
               <p:cNvSpPr txBox="1"/>
               <p:nvPr/>
             </p:nvSpPr>
@@ -9368,7 +11422,7 @@
           </p:sp>
           <p:sp>
             <p:nvSpPr>
-              <p:cNvPr id="141" name="Google Shape;141;p16"/>
+              <p:cNvPr id="221" name="Google Shape;221;p29"/>
               <p:cNvSpPr txBox="1"/>
               <p:nvPr/>
             </p:nvSpPr>
@@ -9420,7 +11474,7 @@
           </p:sp>
           <p:sp>
             <p:nvSpPr>
-              <p:cNvPr id="142" name="Google Shape;142;p16"/>
+              <p:cNvPr id="222" name="Google Shape;222;p29"/>
               <p:cNvSpPr txBox="1"/>
               <p:nvPr/>
             </p:nvSpPr>
@@ -9472,7 +11526,7 @@
           </p:sp>
           <p:sp>
             <p:nvSpPr>
-              <p:cNvPr id="143" name="Google Shape;143;p16"/>
+              <p:cNvPr id="223" name="Google Shape;223;p29"/>
               <p:cNvSpPr txBox="1"/>
               <p:nvPr/>
             </p:nvSpPr>
@@ -9524,7 +11578,7 @@
           </p:sp>
           <p:sp>
             <p:nvSpPr>
-              <p:cNvPr id="144" name="Google Shape;144;p16"/>
+              <p:cNvPr id="224" name="Google Shape;224;p29"/>
               <p:cNvSpPr txBox="1"/>
               <p:nvPr/>
             </p:nvSpPr>
@@ -9576,7 +11630,7 @@
           </p:sp>
           <p:sp>
             <p:nvSpPr>
-              <p:cNvPr id="145" name="Google Shape;145;p16"/>
+              <p:cNvPr id="225" name="Google Shape;225;p29"/>
               <p:cNvSpPr txBox="1"/>
               <p:nvPr/>
             </p:nvSpPr>
@@ -9628,7 +11682,7 @@
           </p:sp>
           <p:sp>
             <p:nvSpPr>
-              <p:cNvPr id="146" name="Google Shape;146;p16"/>
+              <p:cNvPr id="226" name="Google Shape;226;p29"/>
               <p:cNvSpPr txBox="1"/>
               <p:nvPr/>
             </p:nvSpPr>
@@ -9682,7 +11736,7 @@
       </p:grpSp>
       <p:sp>
         <p:nvSpPr>
-          <p:cNvPr id="147" name="Google Shape;147;p16"/>
+          <p:cNvPr id="227" name="Google Shape;227;p29"/>
           <p:cNvSpPr txBox="1"/>
           <p:nvPr/>
         </p:nvSpPr>
@@ -9740,12 +11794,12 @@
 </p:sld>
 </file>
 
-<file path=ppt/slides/slide5.xml><?xml version="1.0" encoding="utf-8"?>
+<file path=ppt/slides/slide18.xml><?xml version="1.0" encoding="utf-8"?>
 <p:sld xmlns:a="http://schemas.openxmlformats.org/drawingml/2006/main" xmlns:r="http://schemas.openxmlformats.org/officeDocument/2006/relationships" xmlns:mc="http://schemas.openxmlformats.org/markup-compatibility/2006" xmlns:mv="urn:schemas-microsoft-com:mac:vml" xmlns:p="http://schemas.openxmlformats.org/presentationml/2006/main" xmlns:c="http://schemas.openxmlformats.org/drawingml/2006/chart" xmlns:dgm="http://schemas.openxmlformats.org/drawingml/2006/diagram" xmlns:o="urn:schemas-microsoft-com:office:office" xmlns:v="urn:schemas-microsoft-com:vml" xmlns:pvml="urn:schemas-microsoft-com:office:powerpoint" xmlns:com="http://schemas.openxmlformats.org/drawingml/2006/compatibility" xmlns:p14="http://schemas.microsoft.com/office/powerpoint/2010/main" xmlns:p15="http://schemas.microsoft.com/office/powerpoint/2012/main" xmlns:ahyp="http://schemas.microsoft.com/office/drawing/2018/hyperlinkcolor">
   <p:cSld>
     <p:spTree>
       <p:nvGrpSpPr>
-        <p:cNvPr id="151" name="Shape 151"/>
+        <p:cNvPr id="231" name="Shape 231"/>
         <p:cNvGrpSpPr/>
         <p:nvPr/>
       </p:nvGrpSpPr>
@@ -9759,7 +11813,7 @@
       </p:grpSpPr>
       <p:sp>
         <p:nvSpPr>
-          <p:cNvPr id="152" name="Google Shape;152;p17"/>
+          <p:cNvPr id="232" name="Google Shape;232;p30"/>
           <p:cNvSpPr txBox="1"/>
           <p:nvPr>
             <p:ph type="title"/>
@@ -9791,6 +11845,110 @@
             </a:pPr>
             <a:r>
               <a:rPr lang="en"/>
+              <a:t>Summary Analysis</a:t>
+            </a:r>
+            <a:endParaRPr/>
+          </a:p>
+        </p:txBody>
+      </p:sp>
+      <p:sp>
+        <p:nvSpPr>
+          <p:cNvPr id="233" name="Google Shape;233;p30"/>
+          <p:cNvSpPr txBox="1"/>
+          <p:nvPr>
+            <p:ph idx="1" type="body"/>
+          </p:nvPr>
+        </p:nvSpPr>
+        <p:spPr>
+          <a:xfrm>
+            <a:off x="729450" y="2078875"/>
+            <a:ext cx="7688700" cy="2261100"/>
+          </a:xfrm>
+          <a:prstGeom prst="rect">
+            <a:avLst/>
+          </a:prstGeom>
+        </p:spPr>
+        <p:txBody>
+          <a:bodyPr anchorCtr="0" anchor="t" bIns="91425" lIns="91425" spcFirstLastPara="1" rIns="91425" wrap="square" tIns="91425">
+            <a:normAutofit/>
+          </a:bodyPr>
+          <a:lstStyle/>
+          <a:p>
+            <a:pPr indent="0" lvl="0" marL="0" rtl="0" algn="l">
+              <a:spcBef>
+                <a:spcPts val="0"/>
+              </a:spcBef>
+              <a:spcAft>
+                <a:spcPts val="1200"/>
+              </a:spcAft>
+              <a:buNone/>
+            </a:pPr>
+            <a:r>
+              <a:t/>
+            </a:r>
+            <a:endParaRPr/>
+          </a:p>
+        </p:txBody>
+      </p:sp>
+    </p:spTree>
+  </p:cSld>
+  <p:clrMapOvr>
+    <a:masterClrMapping/>
+  </p:clrMapOvr>
+</p:sld>
+</file>
+
+<file path=ppt/slides/slide19.xml><?xml version="1.0" encoding="utf-8"?>
+<p:sld xmlns:a="http://schemas.openxmlformats.org/drawingml/2006/main" xmlns:r="http://schemas.openxmlformats.org/officeDocument/2006/relationships" xmlns:mc="http://schemas.openxmlformats.org/markup-compatibility/2006" xmlns:mv="urn:schemas-microsoft-com:mac:vml" xmlns:p="http://schemas.openxmlformats.org/presentationml/2006/main" xmlns:c="http://schemas.openxmlformats.org/drawingml/2006/chart" xmlns:dgm="http://schemas.openxmlformats.org/drawingml/2006/diagram" xmlns:o="urn:schemas-microsoft-com:office:office" xmlns:v="urn:schemas-microsoft-com:vml" xmlns:pvml="urn:schemas-microsoft-com:office:powerpoint" xmlns:com="http://schemas.openxmlformats.org/drawingml/2006/compatibility" xmlns:p14="http://schemas.microsoft.com/office/powerpoint/2010/main" xmlns:p15="http://schemas.microsoft.com/office/powerpoint/2012/main" xmlns:ahyp="http://schemas.microsoft.com/office/drawing/2018/hyperlinkcolor">
+  <p:cSld>
+    <p:spTree>
+      <p:nvGrpSpPr>
+        <p:cNvPr id="237" name="Shape 237"/>
+        <p:cNvGrpSpPr/>
+        <p:nvPr/>
+      </p:nvGrpSpPr>
+      <p:grpSpPr>
+        <a:xfrm>
+          <a:off x="0" y="0"/>
+          <a:ext cx="0" cy="0"/>
+          <a:chOff x="0" y="0"/>
+          <a:chExt cx="0" cy="0"/>
+        </a:xfrm>
+      </p:grpSpPr>
+      <p:sp>
+        <p:nvSpPr>
+          <p:cNvPr id="238" name="Google Shape;238;p31"/>
+          <p:cNvSpPr txBox="1"/>
+          <p:nvPr>
+            <p:ph type="title"/>
+          </p:nvPr>
+        </p:nvSpPr>
+        <p:spPr>
+          <a:xfrm>
+            <a:off x="729450" y="1318650"/>
+            <a:ext cx="7688700" cy="535200"/>
+          </a:xfrm>
+          <a:prstGeom prst="rect">
+            <a:avLst/>
+          </a:prstGeom>
+        </p:spPr>
+        <p:txBody>
+          <a:bodyPr anchorCtr="0" anchor="t" bIns="91425" lIns="91425" spcFirstLastPara="1" rIns="91425" wrap="square" tIns="91425">
+            <a:normAutofit fontScale="90000"/>
+          </a:bodyPr>
+          <a:lstStyle/>
+          <a:p>
+            <a:pPr indent="0" lvl="0" marL="0" rtl="0" algn="l">
+              <a:spcBef>
+                <a:spcPts val="0"/>
+              </a:spcBef>
+              <a:spcAft>
+                <a:spcPts val="0"/>
+              </a:spcAft>
+              <a:buNone/>
+            </a:pPr>
+            <a:r>
+              <a:rPr lang="en"/>
               <a:t>Tools</a:t>
             </a:r>
             <a:endParaRPr/>
@@ -9799,7 +11957,7 @@
       </p:sp>
       <p:sp>
         <p:nvSpPr>
-          <p:cNvPr id="153" name="Google Shape;153;p17"/>
+          <p:cNvPr id="239" name="Google Shape;239;p31"/>
           <p:cNvSpPr txBox="1"/>
           <p:nvPr>
             <p:ph idx="1" type="body"/>
@@ -9929,7 +12087,1476 @@
 </p:sld>
 </file>
 
+<file path=ppt/slides/slide2.xml><?xml version="1.0" encoding="utf-8"?>
+<p:sld xmlns:a="http://schemas.openxmlformats.org/drawingml/2006/main" xmlns:r="http://schemas.openxmlformats.org/officeDocument/2006/relationships" xmlns:mc="http://schemas.openxmlformats.org/markup-compatibility/2006" xmlns:mv="urn:schemas-microsoft-com:mac:vml" xmlns:p="http://schemas.openxmlformats.org/presentationml/2006/main" xmlns:c="http://schemas.openxmlformats.org/drawingml/2006/chart" xmlns:dgm="http://schemas.openxmlformats.org/drawingml/2006/diagram" xmlns:o="urn:schemas-microsoft-com:office:office" xmlns:v="urn:schemas-microsoft-com:vml" xmlns:pvml="urn:schemas-microsoft-com:office:powerpoint" xmlns:com="http://schemas.openxmlformats.org/drawingml/2006/compatibility" xmlns:p14="http://schemas.microsoft.com/office/powerpoint/2010/main" xmlns:p15="http://schemas.microsoft.com/office/powerpoint/2012/main" xmlns:ahyp="http://schemas.microsoft.com/office/drawing/2018/hyperlinkcolor">
+  <p:cSld>
+    <p:spTree>
+      <p:nvGrpSpPr>
+        <p:cNvPr id="91" name="Shape 91"/>
+        <p:cNvGrpSpPr/>
+        <p:nvPr/>
+      </p:nvGrpSpPr>
+      <p:grpSpPr>
+        <a:xfrm>
+          <a:off x="0" y="0"/>
+          <a:ext cx="0" cy="0"/>
+          <a:chOff x="0" y="0"/>
+          <a:chExt cx="0" cy="0"/>
+        </a:xfrm>
+      </p:grpSpPr>
+      <p:sp>
+        <p:nvSpPr>
+          <p:cNvPr id="92" name="Google Shape;92;p14"/>
+          <p:cNvSpPr txBox="1"/>
+          <p:nvPr>
+            <p:ph type="title"/>
+          </p:nvPr>
+        </p:nvSpPr>
+        <p:spPr>
+          <a:xfrm>
+            <a:off x="729450" y="1318650"/>
+            <a:ext cx="7688700" cy="535200"/>
+          </a:xfrm>
+          <a:prstGeom prst="rect">
+            <a:avLst/>
+          </a:prstGeom>
+        </p:spPr>
+        <p:txBody>
+          <a:bodyPr anchorCtr="0" anchor="t" bIns="91425" lIns="91425" spcFirstLastPara="1" rIns="91425" wrap="square" tIns="91425">
+            <a:normAutofit/>
+          </a:bodyPr>
+          <a:lstStyle/>
+          <a:p>
+            <a:pPr indent="0" lvl="0" marL="0" rtl="0" algn="l">
+              <a:spcBef>
+                <a:spcPts val="0"/>
+              </a:spcBef>
+              <a:spcAft>
+                <a:spcPts val="0"/>
+              </a:spcAft>
+              <a:buNone/>
+            </a:pPr>
+            <a:r>
+              <a:rPr lang="en" sz="2300">
+                <a:latin typeface="Lato"/>
+                <a:ea typeface="Lato"/>
+                <a:cs typeface="Lato"/>
+                <a:sym typeface="Lato"/>
+              </a:rPr>
+              <a:t>Why this topic?</a:t>
+            </a:r>
+            <a:endParaRPr sz="2300"/>
+          </a:p>
+        </p:txBody>
+      </p:sp>
+      <p:sp>
+        <p:nvSpPr>
+          <p:cNvPr id="93" name="Google Shape;93;p14"/>
+          <p:cNvSpPr txBox="1"/>
+          <p:nvPr>
+            <p:ph idx="1" type="body"/>
+          </p:nvPr>
+        </p:nvSpPr>
+        <p:spPr>
+          <a:xfrm>
+            <a:off x="729450" y="2078875"/>
+            <a:ext cx="3842700" cy="2261100"/>
+          </a:xfrm>
+          <a:prstGeom prst="rect">
+            <a:avLst/>
+          </a:prstGeom>
+        </p:spPr>
+        <p:txBody>
+          <a:bodyPr anchorCtr="0" anchor="t" bIns="91425" lIns="91425" spcFirstLastPara="1" rIns="91425" wrap="square" tIns="91425">
+            <a:noAutofit/>
+          </a:bodyPr>
+          <a:lstStyle/>
+          <a:p>
+            <a:pPr indent="0" lvl="0" marL="0" rtl="0" algn="l">
+              <a:lnSpc>
+                <a:spcPct val="100000"/>
+              </a:lnSpc>
+              <a:spcBef>
+                <a:spcPts val="0"/>
+              </a:spcBef>
+              <a:spcAft>
+                <a:spcPts val="0"/>
+              </a:spcAft>
+              <a:buSzPts val="275"/>
+              <a:buNone/>
+            </a:pPr>
+            <a:r>
+              <a:rPr lang="en" sz="1125"/>
+              <a:t>The team selected this topic because we were trying to find what defined happiness in countries around the world. </a:t>
+            </a:r>
+            <a:endParaRPr sz="1125"/>
+          </a:p>
+          <a:p>
+            <a:pPr indent="0" lvl="0" marL="0" rtl="0" algn="l">
+              <a:lnSpc>
+                <a:spcPct val="100000"/>
+              </a:lnSpc>
+              <a:spcBef>
+                <a:spcPts val="1200"/>
+              </a:spcBef>
+              <a:spcAft>
+                <a:spcPts val="0"/>
+              </a:spcAft>
+              <a:buSzPts val="275"/>
+              <a:buNone/>
+            </a:pPr>
+            <a:r>
+              <a:rPr lang="en" sz="1125"/>
+              <a:t>We were also looking for a good and clean dataset with solid features and information to train a machine on. Maybe we could predict a country’s happiness based on certain factors, such life </a:t>
+            </a:r>
+            <a:r>
+              <a:rPr lang="en" sz="1125"/>
+              <a:t>expectancy</a:t>
+            </a:r>
+            <a:r>
+              <a:rPr lang="en" sz="1125"/>
+              <a:t>, or freedom? </a:t>
+            </a:r>
+            <a:endParaRPr sz="1125"/>
+          </a:p>
+          <a:p>
+            <a:pPr indent="0" lvl="0" marL="0" rtl="0" algn="l">
+              <a:lnSpc>
+                <a:spcPct val="100000"/>
+              </a:lnSpc>
+              <a:spcBef>
+                <a:spcPts val="1200"/>
+              </a:spcBef>
+              <a:spcAft>
+                <a:spcPts val="0"/>
+              </a:spcAft>
+              <a:buSzPts val="275"/>
+              <a:buNone/>
+            </a:pPr>
+            <a:r>
+              <a:t/>
+            </a:r>
+            <a:endParaRPr sz="1125"/>
+          </a:p>
+          <a:p>
+            <a:pPr indent="0" lvl="0" marL="0" rtl="0" algn="l">
+              <a:lnSpc>
+                <a:spcPct val="100000"/>
+              </a:lnSpc>
+              <a:spcBef>
+                <a:spcPts val="1200"/>
+              </a:spcBef>
+              <a:spcAft>
+                <a:spcPts val="1200"/>
+              </a:spcAft>
+              <a:buSzPts val="275"/>
+              <a:buNone/>
+            </a:pPr>
+            <a:r>
+              <a:rPr lang="en" sz="1125"/>
+              <a:t>Let’s further explore!</a:t>
+            </a:r>
+            <a:endParaRPr sz="1125"/>
+          </a:p>
+        </p:txBody>
+      </p:sp>
+      <p:pic>
+        <p:nvPicPr>
+          <p:cNvPr id="94" name="Google Shape;94;p14"/>
+          <p:cNvPicPr preferRelativeResize="0"/>
+          <p:nvPr/>
+        </p:nvPicPr>
+        <p:blipFill>
+          <a:blip r:embed="rId3">
+            <a:alphaModFix/>
+          </a:blip>
+          <a:stretch>
+            <a:fillRect/>
+          </a:stretch>
+        </p:blipFill>
+        <p:spPr>
+          <a:xfrm>
+            <a:off x="5657025" y="2884225"/>
+            <a:ext cx="3336255" cy="1839850"/>
+          </a:xfrm>
+          <a:prstGeom prst="rect">
+            <a:avLst/>
+          </a:prstGeom>
+          <a:noFill/>
+          <a:ln>
+            <a:noFill/>
+          </a:ln>
+        </p:spPr>
+      </p:pic>
+      <p:pic>
+        <p:nvPicPr>
+          <p:cNvPr id="95" name="Google Shape;95;p14"/>
+          <p:cNvPicPr preferRelativeResize="0"/>
+          <p:nvPr/>
+        </p:nvPicPr>
+        <p:blipFill>
+          <a:blip r:embed="rId4">
+            <a:alphaModFix/>
+          </a:blip>
+          <a:stretch>
+            <a:fillRect/>
+          </a:stretch>
+        </p:blipFill>
+        <p:spPr>
+          <a:xfrm>
+            <a:off x="7008431" y="1348650"/>
+            <a:ext cx="1479836" cy="1839847"/>
+          </a:xfrm>
+          <a:prstGeom prst="rect">
+            <a:avLst/>
+          </a:prstGeom>
+          <a:noFill/>
+          <a:ln>
+            <a:noFill/>
+          </a:ln>
+        </p:spPr>
+      </p:pic>
+      <p:pic>
+        <p:nvPicPr>
+          <p:cNvPr id="96" name="Google Shape;96;p14"/>
+          <p:cNvPicPr preferRelativeResize="0"/>
+          <p:nvPr/>
+        </p:nvPicPr>
+        <p:blipFill>
+          <a:blip r:embed="rId5">
+            <a:alphaModFix/>
+          </a:blip>
+          <a:stretch>
+            <a:fillRect/>
+          </a:stretch>
+        </p:blipFill>
+        <p:spPr>
+          <a:xfrm>
+            <a:off x="4494992" y="3188500"/>
+            <a:ext cx="1680201" cy="1680201"/>
+          </a:xfrm>
+          <a:prstGeom prst="rect">
+            <a:avLst/>
+          </a:prstGeom>
+          <a:noFill/>
+          <a:ln>
+            <a:noFill/>
+          </a:ln>
+        </p:spPr>
+      </p:pic>
+      <p:pic>
+        <p:nvPicPr>
+          <p:cNvPr id="97" name="Google Shape;97;p14"/>
+          <p:cNvPicPr preferRelativeResize="0"/>
+          <p:nvPr/>
+        </p:nvPicPr>
+        <p:blipFill>
+          <a:blip r:embed="rId6">
+            <a:alphaModFix/>
+          </a:blip>
+          <a:stretch>
+            <a:fillRect/>
+          </a:stretch>
+        </p:blipFill>
+        <p:spPr>
+          <a:xfrm>
+            <a:off x="5000488" y="732699"/>
+            <a:ext cx="1804047" cy="2407100"/>
+          </a:xfrm>
+          <a:prstGeom prst="rect">
+            <a:avLst/>
+          </a:prstGeom>
+          <a:noFill/>
+          <a:ln>
+            <a:noFill/>
+          </a:ln>
+        </p:spPr>
+      </p:pic>
+    </p:spTree>
+  </p:cSld>
+  <p:clrMapOvr>
+    <a:masterClrMapping/>
+  </p:clrMapOvr>
+</p:sld>
+</file>
+
+<file path=ppt/slides/slide3.xml><?xml version="1.0" encoding="utf-8"?>
+<p:sld xmlns:a="http://schemas.openxmlformats.org/drawingml/2006/main" xmlns:r="http://schemas.openxmlformats.org/officeDocument/2006/relationships" xmlns:mc="http://schemas.openxmlformats.org/markup-compatibility/2006" xmlns:mv="urn:schemas-microsoft-com:mac:vml" xmlns:p="http://schemas.openxmlformats.org/presentationml/2006/main" xmlns:c="http://schemas.openxmlformats.org/drawingml/2006/chart" xmlns:dgm="http://schemas.openxmlformats.org/drawingml/2006/diagram" xmlns:o="urn:schemas-microsoft-com:office:office" xmlns:v="urn:schemas-microsoft-com:vml" xmlns:pvml="urn:schemas-microsoft-com:office:powerpoint" xmlns:com="http://schemas.openxmlformats.org/drawingml/2006/compatibility" xmlns:p14="http://schemas.microsoft.com/office/powerpoint/2010/main" xmlns:p15="http://schemas.microsoft.com/office/powerpoint/2012/main" xmlns:ahyp="http://schemas.microsoft.com/office/drawing/2018/hyperlinkcolor">
+  <p:cSld>
+    <p:spTree>
+      <p:nvGrpSpPr>
+        <p:cNvPr id="101" name="Shape 101"/>
+        <p:cNvGrpSpPr/>
+        <p:nvPr/>
+      </p:nvGrpSpPr>
+      <p:grpSpPr>
+        <a:xfrm>
+          <a:off x="0" y="0"/>
+          <a:ext cx="0" cy="0"/>
+          <a:chOff x="0" y="0"/>
+          <a:chExt cx="0" cy="0"/>
+        </a:xfrm>
+      </p:grpSpPr>
+      <p:sp>
+        <p:nvSpPr>
+          <p:cNvPr id="102" name="Google Shape;102;p15"/>
+          <p:cNvSpPr txBox="1"/>
+          <p:nvPr>
+            <p:ph type="title"/>
+          </p:nvPr>
+        </p:nvSpPr>
+        <p:spPr>
+          <a:xfrm>
+            <a:off x="729450" y="1318650"/>
+            <a:ext cx="7688700" cy="535200"/>
+          </a:xfrm>
+          <a:prstGeom prst="rect">
+            <a:avLst/>
+          </a:prstGeom>
+        </p:spPr>
+        <p:txBody>
+          <a:bodyPr anchorCtr="0" anchor="t" bIns="91425" lIns="91425" spcFirstLastPara="1" rIns="91425" wrap="square" tIns="91425">
+            <a:normAutofit fontScale="90000"/>
+          </a:bodyPr>
+          <a:lstStyle/>
+          <a:p>
+            <a:pPr indent="0" lvl="0" marL="0" rtl="0" algn="l">
+              <a:spcBef>
+                <a:spcPts val="0"/>
+              </a:spcBef>
+              <a:spcAft>
+                <a:spcPts val="0"/>
+              </a:spcAft>
+              <a:buNone/>
+            </a:pPr>
+            <a:r>
+              <a:rPr lang="en"/>
+              <a:t>Sources</a:t>
+            </a:r>
+            <a:endParaRPr/>
+          </a:p>
+        </p:txBody>
+      </p:sp>
+      <p:sp>
+        <p:nvSpPr>
+          <p:cNvPr id="103" name="Google Shape;103;p15"/>
+          <p:cNvSpPr txBox="1"/>
+          <p:nvPr>
+            <p:ph idx="1" type="body"/>
+          </p:nvPr>
+        </p:nvSpPr>
+        <p:spPr>
+          <a:xfrm>
+            <a:off x="729450" y="2078875"/>
+            <a:ext cx="7688700" cy="2261100"/>
+          </a:xfrm>
+          <a:prstGeom prst="rect">
+            <a:avLst/>
+          </a:prstGeom>
+        </p:spPr>
+        <p:txBody>
+          <a:bodyPr anchorCtr="0" anchor="t" bIns="91425" lIns="91425" spcFirstLastPara="1" rIns="91425" wrap="square" tIns="91425">
+            <a:noAutofit/>
+          </a:bodyPr>
+          <a:lstStyle/>
+          <a:p>
+            <a:pPr indent="0" lvl="0" marL="0" rtl="0" algn="l">
+              <a:lnSpc>
+                <a:spcPct val="100000"/>
+              </a:lnSpc>
+              <a:spcBef>
+                <a:spcPts val="0"/>
+              </a:spcBef>
+              <a:spcAft>
+                <a:spcPts val="0"/>
+              </a:spcAft>
+              <a:buClr>
+                <a:srgbClr val="000000"/>
+              </a:buClr>
+              <a:buSzPts val="852"/>
+              <a:buFont typeface="Arial"/>
+              <a:buNone/>
+            </a:pPr>
+            <a:r>
+              <a:rPr lang="en" sz="1100"/>
+              <a:t>In order to address our main question we used various data sets.</a:t>
+            </a:r>
+            <a:endParaRPr sz="1100"/>
+          </a:p>
+          <a:p>
+            <a:pPr indent="0" lvl="0" marL="0" rtl="0" algn="l">
+              <a:lnSpc>
+                <a:spcPct val="100000"/>
+              </a:lnSpc>
+              <a:spcBef>
+                <a:spcPts val="1200"/>
+              </a:spcBef>
+              <a:spcAft>
+                <a:spcPts val="0"/>
+              </a:spcAft>
+              <a:buClr>
+                <a:srgbClr val="000000"/>
+              </a:buClr>
+              <a:buSzPts val="852"/>
+              <a:buFont typeface="Arial"/>
+              <a:buNone/>
+            </a:pPr>
+            <a:r>
+              <a:rPr lang="en" sz="1100"/>
+              <a:t>The main dataset being used is a collection of data from the </a:t>
+            </a:r>
+            <a:r>
+              <a:rPr lang="en" sz="1100" u="sng">
+                <a:solidFill>
+                  <a:schemeClr val="hlink"/>
+                </a:solidFill>
+                <a:hlinkClick r:id="rId3"/>
+              </a:rPr>
+              <a:t>World Happiness Report</a:t>
+            </a:r>
+            <a:r>
+              <a:rPr lang="en" sz="1100"/>
+              <a:t>. It is a landmark survey of the state of global happiness. The data set has a collection of indicators on more than 140 countries around the world including happiness rank, happiness score on a scale of 0 to 10, standard error, and more… The data set includes reports from 2015 to 2016, which we decided to focus on for our machine learning model.</a:t>
+            </a:r>
+            <a:endParaRPr sz="1100"/>
+          </a:p>
+          <a:p>
+            <a:pPr indent="0" lvl="0" marL="0" rtl="0" algn="l">
+              <a:lnSpc>
+                <a:spcPct val="100000"/>
+              </a:lnSpc>
+              <a:spcBef>
+                <a:spcPts val="1200"/>
+              </a:spcBef>
+              <a:spcAft>
+                <a:spcPts val="1200"/>
+              </a:spcAft>
+              <a:buSzPts val="852"/>
+              <a:buNone/>
+            </a:pPr>
+            <a:r>
+              <a:rPr lang="en" sz="1100"/>
+              <a:t>We will also be using the </a:t>
+            </a:r>
+            <a:r>
+              <a:rPr lang="en" sz="1100" u="sng">
+                <a:solidFill>
+                  <a:schemeClr val="hlink"/>
+                </a:solidFill>
+                <a:hlinkClick r:id="rId4"/>
+              </a:rPr>
+              <a:t>World Bank Life Expectancy data set</a:t>
+            </a:r>
+            <a:r>
+              <a:rPr lang="en" sz="1100"/>
+              <a:t> and </a:t>
+            </a:r>
+            <a:r>
+              <a:rPr lang="en" sz="1100" u="sng">
+                <a:solidFill>
+                  <a:schemeClr val="hlink"/>
+                </a:solidFill>
+                <a:hlinkClick r:id="rId5"/>
+              </a:rPr>
+              <a:t>the Human Freedom Index</a:t>
+            </a:r>
+            <a:r>
+              <a:rPr lang="en" sz="1100"/>
+              <a:t>, to compare against (for the years that align with our main data set) using the same years as indicators.</a:t>
+            </a:r>
+            <a:endParaRPr sz="1100"/>
+          </a:p>
+        </p:txBody>
+      </p:sp>
+    </p:spTree>
+  </p:cSld>
+  <p:clrMapOvr>
+    <a:masterClrMapping/>
+  </p:clrMapOvr>
+</p:sld>
+</file>
+
+<file path=ppt/slides/slide4.xml><?xml version="1.0" encoding="utf-8"?>
+<p:sld xmlns:a="http://schemas.openxmlformats.org/drawingml/2006/main" xmlns:r="http://schemas.openxmlformats.org/officeDocument/2006/relationships" xmlns:mc="http://schemas.openxmlformats.org/markup-compatibility/2006" xmlns:mv="urn:schemas-microsoft-com:mac:vml" xmlns:p="http://schemas.openxmlformats.org/presentationml/2006/main" xmlns:c="http://schemas.openxmlformats.org/drawingml/2006/chart" xmlns:dgm="http://schemas.openxmlformats.org/drawingml/2006/diagram" xmlns:o="urn:schemas-microsoft-com:office:office" xmlns:v="urn:schemas-microsoft-com:vml" xmlns:pvml="urn:schemas-microsoft-com:office:powerpoint" xmlns:com="http://schemas.openxmlformats.org/drawingml/2006/compatibility" xmlns:p14="http://schemas.microsoft.com/office/powerpoint/2010/main" xmlns:p15="http://schemas.microsoft.com/office/powerpoint/2012/main" xmlns:ahyp="http://schemas.microsoft.com/office/drawing/2018/hyperlinkcolor">
+  <p:cSld>
+    <p:spTree>
+      <p:nvGrpSpPr>
+        <p:cNvPr id="107" name="Shape 107"/>
+        <p:cNvGrpSpPr/>
+        <p:nvPr/>
+      </p:nvGrpSpPr>
+      <p:grpSpPr>
+        <a:xfrm>
+          <a:off x="0" y="0"/>
+          <a:ext cx="0" cy="0"/>
+          <a:chOff x="0" y="0"/>
+          <a:chExt cx="0" cy="0"/>
+        </a:xfrm>
+      </p:grpSpPr>
+      <p:sp>
+        <p:nvSpPr>
+          <p:cNvPr id="108" name="Google Shape;108;p16"/>
+          <p:cNvSpPr txBox="1"/>
+          <p:nvPr>
+            <p:ph type="title"/>
+          </p:nvPr>
+        </p:nvSpPr>
+        <p:spPr>
+          <a:xfrm>
+            <a:off x="729450" y="1318650"/>
+            <a:ext cx="7688700" cy="535200"/>
+          </a:xfrm>
+          <a:prstGeom prst="rect">
+            <a:avLst/>
+          </a:prstGeom>
+        </p:spPr>
+        <p:txBody>
+          <a:bodyPr anchorCtr="0" anchor="t" bIns="91425" lIns="91425" spcFirstLastPara="1" rIns="91425" wrap="square" tIns="91425">
+            <a:normAutofit/>
+          </a:bodyPr>
+          <a:lstStyle/>
+          <a:p>
+            <a:pPr indent="0" lvl="0" marL="0" rtl="0" algn="l">
+              <a:spcBef>
+                <a:spcPts val="0"/>
+              </a:spcBef>
+              <a:spcAft>
+                <a:spcPts val="0"/>
+              </a:spcAft>
+              <a:buNone/>
+            </a:pPr>
+            <a:r>
+              <a:rPr lang="en" sz="2300">
+                <a:latin typeface="Lato"/>
+                <a:ea typeface="Lato"/>
+                <a:cs typeface="Lato"/>
+                <a:sym typeface="Lato"/>
+              </a:rPr>
+              <a:t>Our hypothesis:</a:t>
+            </a:r>
+            <a:endParaRPr sz="2300"/>
+          </a:p>
+        </p:txBody>
+      </p:sp>
+      <p:sp>
+        <p:nvSpPr>
+          <p:cNvPr id="109" name="Google Shape;109;p16"/>
+          <p:cNvSpPr txBox="1"/>
+          <p:nvPr>
+            <p:ph idx="1" type="body"/>
+          </p:nvPr>
+        </p:nvSpPr>
+        <p:spPr>
+          <a:xfrm>
+            <a:off x="729450" y="2078875"/>
+            <a:ext cx="7688700" cy="2261100"/>
+          </a:xfrm>
+          <a:prstGeom prst="rect">
+            <a:avLst/>
+          </a:prstGeom>
+        </p:spPr>
+        <p:txBody>
+          <a:bodyPr anchorCtr="0" anchor="t" bIns="91425" lIns="91425" spcFirstLastPara="1" rIns="91425" wrap="square" tIns="91425">
+            <a:normAutofit/>
+          </a:bodyPr>
+          <a:lstStyle/>
+          <a:p>
+            <a:pPr indent="0" lvl="0" marL="0" rtl="0" algn="l">
+              <a:lnSpc>
+                <a:spcPct val="100000"/>
+              </a:lnSpc>
+              <a:spcBef>
+                <a:spcPts val="0"/>
+              </a:spcBef>
+              <a:spcAft>
+                <a:spcPts val="0"/>
+              </a:spcAft>
+              <a:buClr>
+                <a:srgbClr val="000000"/>
+              </a:buClr>
+              <a:buSzPts val="852"/>
+              <a:buFont typeface="Arial"/>
+              <a:buNone/>
+            </a:pPr>
+            <a:r>
+              <a:rPr lang="en" sz="1100"/>
+              <a:t>We want to find which factors influences happiness within a country and we would also like to found. out how to predict the happiness scores, </a:t>
+            </a:r>
+            <a:r>
+              <a:rPr b="1" lang="en" sz="1100" u="sng"/>
+              <a:t>IF</a:t>
+            </a:r>
+            <a:r>
+              <a:rPr b="1" lang="en" sz="1100"/>
+              <a:t> </a:t>
+            </a:r>
+            <a:r>
+              <a:rPr lang="en" sz="1100"/>
+              <a:t> it is at all possible to do so.</a:t>
+            </a:r>
+            <a:endParaRPr sz="1100"/>
+          </a:p>
+          <a:p>
+            <a:pPr indent="0" lvl="0" marL="0" rtl="0" algn="l">
+              <a:lnSpc>
+                <a:spcPct val="100000"/>
+              </a:lnSpc>
+              <a:spcBef>
+                <a:spcPts val="1200"/>
+              </a:spcBef>
+              <a:spcAft>
+                <a:spcPts val="1200"/>
+              </a:spcAft>
+              <a:buNone/>
+            </a:pPr>
+            <a:r>
+              <a:t/>
+            </a:r>
+            <a:endParaRPr/>
+          </a:p>
+        </p:txBody>
+      </p:sp>
+    </p:spTree>
+  </p:cSld>
+  <p:clrMapOvr>
+    <a:masterClrMapping/>
+  </p:clrMapOvr>
+</p:sld>
+</file>
+
+<file path=ppt/slides/slide5.xml><?xml version="1.0" encoding="utf-8"?>
+<p:sld xmlns:a="http://schemas.openxmlformats.org/drawingml/2006/main" xmlns:r="http://schemas.openxmlformats.org/officeDocument/2006/relationships" xmlns:mc="http://schemas.openxmlformats.org/markup-compatibility/2006" xmlns:mv="urn:schemas-microsoft-com:mac:vml" xmlns:p="http://schemas.openxmlformats.org/presentationml/2006/main" xmlns:c="http://schemas.openxmlformats.org/drawingml/2006/chart" xmlns:dgm="http://schemas.openxmlformats.org/drawingml/2006/diagram" xmlns:o="urn:schemas-microsoft-com:office:office" xmlns:v="urn:schemas-microsoft-com:vml" xmlns:pvml="urn:schemas-microsoft-com:office:powerpoint" xmlns:com="http://schemas.openxmlformats.org/drawingml/2006/compatibility" xmlns:p14="http://schemas.microsoft.com/office/powerpoint/2010/main" xmlns:p15="http://schemas.microsoft.com/office/powerpoint/2012/main" xmlns:ahyp="http://schemas.microsoft.com/office/drawing/2018/hyperlinkcolor">
+  <p:cSld>
+    <p:spTree>
+      <p:nvGrpSpPr>
+        <p:cNvPr id="113" name="Shape 113"/>
+        <p:cNvGrpSpPr/>
+        <p:nvPr/>
+      </p:nvGrpSpPr>
+      <p:grpSpPr>
+        <a:xfrm>
+          <a:off x="0" y="0"/>
+          <a:ext cx="0" cy="0"/>
+          <a:chOff x="0" y="0"/>
+          <a:chExt cx="0" cy="0"/>
+        </a:xfrm>
+      </p:grpSpPr>
+      <p:sp>
+        <p:nvSpPr>
+          <p:cNvPr id="114" name="Google Shape;114;p17"/>
+          <p:cNvSpPr txBox="1"/>
+          <p:nvPr>
+            <p:ph type="title"/>
+          </p:nvPr>
+        </p:nvSpPr>
+        <p:spPr>
+          <a:xfrm>
+            <a:off x="729450" y="1318650"/>
+            <a:ext cx="7688700" cy="535200"/>
+          </a:xfrm>
+          <a:prstGeom prst="rect">
+            <a:avLst/>
+          </a:prstGeom>
+        </p:spPr>
+        <p:txBody>
+          <a:bodyPr anchorCtr="0" anchor="t" bIns="91425" lIns="91425" spcFirstLastPara="1" rIns="91425" wrap="square" tIns="91425">
+            <a:normAutofit fontScale="90000"/>
+          </a:bodyPr>
+          <a:lstStyle/>
+          <a:p>
+            <a:pPr indent="0" lvl="0" marL="0" rtl="0" algn="l">
+              <a:spcBef>
+                <a:spcPts val="0"/>
+              </a:spcBef>
+              <a:spcAft>
+                <a:spcPts val="0"/>
+              </a:spcAft>
+              <a:buNone/>
+            </a:pPr>
+            <a:r>
+              <a:rPr lang="en"/>
+              <a:t>D</a:t>
+            </a:r>
+            <a:r>
+              <a:rPr lang="en"/>
+              <a:t>ata exploration phase</a:t>
+            </a:r>
+            <a:endParaRPr/>
+          </a:p>
+          <a:p>
+            <a:pPr indent="0" lvl="0" marL="0" rtl="0" algn="l">
+              <a:spcBef>
+                <a:spcPts val="0"/>
+              </a:spcBef>
+              <a:spcAft>
+                <a:spcPts val="0"/>
+              </a:spcAft>
+              <a:buNone/>
+            </a:pPr>
+            <a:r>
+              <a:t/>
+            </a:r>
+            <a:endParaRPr/>
+          </a:p>
+        </p:txBody>
+      </p:sp>
+      <p:sp>
+        <p:nvSpPr>
+          <p:cNvPr id="115" name="Google Shape;115;p17"/>
+          <p:cNvSpPr txBox="1"/>
+          <p:nvPr>
+            <p:ph idx="1" type="body"/>
+          </p:nvPr>
+        </p:nvSpPr>
+        <p:spPr>
+          <a:xfrm>
+            <a:off x="729450" y="2078875"/>
+            <a:ext cx="7688700" cy="2261100"/>
+          </a:xfrm>
+          <a:prstGeom prst="rect">
+            <a:avLst/>
+          </a:prstGeom>
+        </p:spPr>
+        <p:txBody>
+          <a:bodyPr anchorCtr="0" anchor="t" bIns="91425" lIns="91425" spcFirstLastPara="1" rIns="91425" wrap="square" tIns="91425">
+            <a:normAutofit/>
+          </a:bodyPr>
+          <a:lstStyle/>
+          <a:p>
+            <a:pPr indent="0" lvl="0" marL="0" rtl="0" algn="l">
+              <a:spcBef>
+                <a:spcPts val="0"/>
+              </a:spcBef>
+              <a:spcAft>
+                <a:spcPts val="0"/>
+              </a:spcAft>
+              <a:buNone/>
+            </a:pPr>
+            <a:r>
+              <a:rPr lang="en"/>
+              <a:t>Description of the data exploration phase of the project</a:t>
+            </a:r>
+            <a:endParaRPr/>
+          </a:p>
+          <a:p>
+            <a:pPr indent="0" lvl="0" marL="0" rtl="0" algn="l">
+              <a:spcBef>
+                <a:spcPts val="1200"/>
+              </a:spcBef>
+              <a:spcAft>
+                <a:spcPts val="0"/>
+              </a:spcAft>
+              <a:buNone/>
+            </a:pPr>
+            <a:r>
+              <a:rPr lang="en"/>
+              <a:t>Column representation and their application to hypothesis at first glance</a:t>
+            </a:r>
+            <a:endParaRPr/>
+          </a:p>
+          <a:p>
+            <a:pPr indent="0" lvl="0" marL="0" rtl="0" algn="l">
+              <a:spcBef>
+                <a:spcPts val="1200"/>
+              </a:spcBef>
+              <a:spcAft>
+                <a:spcPts val="0"/>
+              </a:spcAft>
+              <a:buNone/>
+            </a:pPr>
+            <a:r>
+              <a:rPr lang="en"/>
+              <a:t>Defining data that is being collected</a:t>
+            </a:r>
+            <a:endParaRPr/>
+          </a:p>
+          <a:p>
+            <a:pPr indent="0" lvl="0" marL="0" rtl="0" algn="l">
+              <a:spcBef>
+                <a:spcPts val="1200"/>
+              </a:spcBef>
+              <a:spcAft>
+                <a:spcPts val="1200"/>
+              </a:spcAft>
+              <a:buNone/>
+            </a:pPr>
+            <a:r>
+              <a:t/>
+            </a:r>
+            <a:endParaRPr/>
+          </a:p>
+        </p:txBody>
+      </p:sp>
+    </p:spTree>
+  </p:cSld>
+  <p:clrMapOvr>
+    <a:masterClrMapping/>
+  </p:clrMapOvr>
+</p:sld>
+</file>
+
+<file path=ppt/slides/slide6.xml><?xml version="1.0" encoding="utf-8"?>
+<p:sld xmlns:a="http://schemas.openxmlformats.org/drawingml/2006/main" xmlns:r="http://schemas.openxmlformats.org/officeDocument/2006/relationships" xmlns:mc="http://schemas.openxmlformats.org/markup-compatibility/2006" xmlns:mv="urn:schemas-microsoft-com:mac:vml" xmlns:p="http://schemas.openxmlformats.org/presentationml/2006/main" xmlns:c="http://schemas.openxmlformats.org/drawingml/2006/chart" xmlns:dgm="http://schemas.openxmlformats.org/drawingml/2006/diagram" xmlns:o="urn:schemas-microsoft-com:office:office" xmlns:v="urn:schemas-microsoft-com:vml" xmlns:pvml="urn:schemas-microsoft-com:office:powerpoint" xmlns:com="http://schemas.openxmlformats.org/drawingml/2006/compatibility" xmlns:p14="http://schemas.microsoft.com/office/powerpoint/2010/main" xmlns:p15="http://schemas.microsoft.com/office/powerpoint/2012/main" xmlns:ahyp="http://schemas.microsoft.com/office/drawing/2018/hyperlinkcolor">
+  <p:cSld>
+    <p:bg>
+      <p:bgPr>
+        <a:solidFill>
+          <a:schemeClr val="accent2"/>
+        </a:solidFill>
+      </p:bgPr>
+    </p:bg>
+    <p:spTree>
+      <p:nvGrpSpPr>
+        <p:cNvPr id="119" name="Shape 119"/>
+        <p:cNvGrpSpPr/>
+        <p:nvPr/>
+      </p:nvGrpSpPr>
+      <p:grpSpPr>
+        <a:xfrm>
+          <a:off x="0" y="0"/>
+          <a:ext cx="0" cy="0"/>
+          <a:chOff x="0" y="0"/>
+          <a:chExt cx="0" cy="0"/>
+        </a:xfrm>
+      </p:grpSpPr>
+      <p:sp>
+        <p:nvSpPr>
+          <p:cNvPr id="120" name="Google Shape;120;p18"/>
+          <p:cNvSpPr txBox="1"/>
+          <p:nvPr>
+            <p:ph type="title"/>
+          </p:nvPr>
+        </p:nvSpPr>
+        <p:spPr>
+          <a:xfrm>
+            <a:off x="729450" y="1322450"/>
+            <a:ext cx="7688400" cy="1518600"/>
+          </a:xfrm>
+          <a:prstGeom prst="rect">
+            <a:avLst/>
+          </a:prstGeom>
+        </p:spPr>
+        <p:txBody>
+          <a:bodyPr anchorCtr="0" anchor="t" bIns="91425" lIns="91425" spcFirstLastPara="1" rIns="91425" wrap="square" tIns="91425">
+            <a:normAutofit/>
+          </a:bodyPr>
+          <a:lstStyle/>
+          <a:p>
+            <a:pPr indent="0" lvl="0" marL="0" rtl="0" algn="l">
+              <a:spcBef>
+                <a:spcPts val="0"/>
+              </a:spcBef>
+              <a:spcAft>
+                <a:spcPts val="0"/>
+              </a:spcAft>
+              <a:buNone/>
+            </a:pPr>
+            <a:r>
+              <a:rPr lang="en"/>
+              <a:t>Data Cleanup</a:t>
+            </a:r>
+            <a:endParaRPr/>
+          </a:p>
+        </p:txBody>
+      </p:sp>
+    </p:spTree>
+  </p:cSld>
+  <p:clrMapOvr>
+    <a:masterClrMapping/>
+  </p:clrMapOvr>
+</p:sld>
+</file>
+
+<file path=ppt/slides/slide7.xml><?xml version="1.0" encoding="utf-8"?>
+<p:sld xmlns:a="http://schemas.openxmlformats.org/drawingml/2006/main" xmlns:r="http://schemas.openxmlformats.org/officeDocument/2006/relationships" xmlns:mc="http://schemas.openxmlformats.org/markup-compatibility/2006" xmlns:mv="urn:schemas-microsoft-com:mac:vml" xmlns:p="http://schemas.openxmlformats.org/presentationml/2006/main" xmlns:c="http://schemas.openxmlformats.org/drawingml/2006/chart" xmlns:dgm="http://schemas.openxmlformats.org/drawingml/2006/diagram" xmlns:o="urn:schemas-microsoft-com:office:office" xmlns:v="urn:schemas-microsoft-com:vml" xmlns:pvml="urn:schemas-microsoft-com:office:powerpoint" xmlns:com="http://schemas.openxmlformats.org/drawingml/2006/compatibility" xmlns:p14="http://schemas.microsoft.com/office/powerpoint/2010/main" xmlns:p15="http://schemas.microsoft.com/office/powerpoint/2012/main" xmlns:ahyp="http://schemas.microsoft.com/office/drawing/2018/hyperlinkcolor">
+  <p:cSld>
+    <p:spTree>
+      <p:nvGrpSpPr>
+        <p:cNvPr id="124" name="Shape 124"/>
+        <p:cNvGrpSpPr/>
+        <p:nvPr/>
+      </p:nvGrpSpPr>
+      <p:grpSpPr>
+        <a:xfrm>
+          <a:off x="0" y="0"/>
+          <a:ext cx="0" cy="0"/>
+          <a:chOff x="0" y="0"/>
+          <a:chExt cx="0" cy="0"/>
+        </a:xfrm>
+      </p:grpSpPr>
+      <p:sp>
+        <p:nvSpPr>
+          <p:cNvPr id="125" name="Google Shape;125;p19"/>
+          <p:cNvSpPr txBox="1"/>
+          <p:nvPr>
+            <p:ph type="title"/>
+          </p:nvPr>
+        </p:nvSpPr>
+        <p:spPr>
+          <a:xfrm>
+            <a:off x="729450" y="1318650"/>
+            <a:ext cx="7688700" cy="535200"/>
+          </a:xfrm>
+          <a:prstGeom prst="rect">
+            <a:avLst/>
+          </a:prstGeom>
+        </p:spPr>
+        <p:txBody>
+          <a:bodyPr anchorCtr="0" anchor="t" bIns="91425" lIns="91425" spcFirstLastPara="1" rIns="91425" wrap="square" tIns="91425">
+            <a:normAutofit fontScale="90000"/>
+          </a:bodyPr>
+          <a:lstStyle/>
+          <a:p>
+            <a:pPr indent="0" lvl="0" marL="0" rtl="0" algn="l">
+              <a:spcBef>
+                <a:spcPts val="0"/>
+              </a:spcBef>
+              <a:spcAft>
+                <a:spcPts val="0"/>
+              </a:spcAft>
+              <a:buNone/>
+            </a:pPr>
+            <a:r>
+              <a:rPr lang="en"/>
+              <a:t>Overview</a:t>
+            </a:r>
+            <a:endParaRPr/>
+          </a:p>
+        </p:txBody>
+      </p:sp>
+      <p:sp>
+        <p:nvSpPr>
+          <p:cNvPr id="126" name="Google Shape;126;p19"/>
+          <p:cNvSpPr txBox="1"/>
+          <p:nvPr>
+            <p:ph idx="1" type="body"/>
+          </p:nvPr>
+        </p:nvSpPr>
+        <p:spPr>
+          <a:xfrm>
+            <a:off x="729450" y="2078875"/>
+            <a:ext cx="7688700" cy="2261100"/>
+          </a:xfrm>
+          <a:prstGeom prst="rect">
+            <a:avLst/>
+          </a:prstGeom>
+        </p:spPr>
+        <p:txBody>
+          <a:bodyPr anchorCtr="0" anchor="t" bIns="91425" lIns="91425" spcFirstLastPara="1" rIns="91425" wrap="square" tIns="91425">
+            <a:normAutofit/>
+          </a:bodyPr>
+          <a:lstStyle/>
+          <a:p>
+            <a:pPr indent="0" lvl="0" marL="0" rtl="0" algn="l">
+              <a:spcBef>
+                <a:spcPts val="0"/>
+              </a:spcBef>
+              <a:spcAft>
+                <a:spcPts val="0"/>
+              </a:spcAft>
+              <a:buNone/>
+            </a:pPr>
+            <a:r>
+              <a:rPr lang="en"/>
+              <a:t>Columns needed /process</a:t>
+            </a:r>
+            <a:endParaRPr/>
+          </a:p>
+          <a:p>
+            <a:pPr indent="0" lvl="0" marL="0" rtl="0" algn="l">
+              <a:spcBef>
+                <a:spcPts val="1200"/>
+              </a:spcBef>
+              <a:spcAft>
+                <a:spcPts val="0"/>
+              </a:spcAft>
+              <a:buNone/>
+            </a:pPr>
+            <a:r>
+              <a:rPr lang="en"/>
+              <a:t>Bhutan</a:t>
+            </a:r>
+            <a:endParaRPr/>
+          </a:p>
+          <a:p>
+            <a:pPr indent="0" lvl="0" marL="0" rtl="0" algn="l">
+              <a:spcBef>
+                <a:spcPts val="1200"/>
+              </a:spcBef>
+              <a:spcAft>
+                <a:spcPts val="0"/>
+              </a:spcAft>
+              <a:buNone/>
+            </a:pPr>
+            <a:r>
+              <a:rPr lang="en"/>
+              <a:t>PgAdmin </a:t>
+            </a:r>
+            <a:endParaRPr/>
+          </a:p>
+          <a:p>
+            <a:pPr indent="0" lvl="0" marL="0" rtl="0" algn="l">
+              <a:spcBef>
+                <a:spcPts val="1200"/>
+              </a:spcBef>
+              <a:spcAft>
+                <a:spcPts val="1200"/>
+              </a:spcAft>
+              <a:buNone/>
+            </a:pPr>
+            <a:r>
+              <a:t/>
+            </a:r>
+            <a:endParaRPr/>
+          </a:p>
+        </p:txBody>
+      </p:sp>
+    </p:spTree>
+  </p:cSld>
+  <p:clrMapOvr>
+    <a:masterClrMapping/>
+  </p:clrMapOvr>
+</p:sld>
+</file>
+
+<file path=ppt/slides/slide8.xml><?xml version="1.0" encoding="utf-8"?>
+<p:sld xmlns:a="http://schemas.openxmlformats.org/drawingml/2006/main" xmlns:r="http://schemas.openxmlformats.org/officeDocument/2006/relationships" xmlns:mc="http://schemas.openxmlformats.org/markup-compatibility/2006" xmlns:mv="urn:schemas-microsoft-com:mac:vml" xmlns:p="http://schemas.openxmlformats.org/presentationml/2006/main" xmlns:c="http://schemas.openxmlformats.org/drawingml/2006/chart" xmlns:dgm="http://schemas.openxmlformats.org/drawingml/2006/diagram" xmlns:o="urn:schemas-microsoft-com:office:office" xmlns:v="urn:schemas-microsoft-com:vml" xmlns:pvml="urn:schemas-microsoft-com:office:powerpoint" xmlns:com="http://schemas.openxmlformats.org/drawingml/2006/compatibility" xmlns:p14="http://schemas.microsoft.com/office/powerpoint/2010/main" xmlns:p15="http://schemas.microsoft.com/office/powerpoint/2012/main" xmlns:ahyp="http://schemas.microsoft.com/office/drawing/2018/hyperlinkcolor">
+  <p:cSld>
+    <p:spTree>
+      <p:nvGrpSpPr>
+        <p:cNvPr id="130" name="Shape 130"/>
+        <p:cNvGrpSpPr/>
+        <p:nvPr/>
+      </p:nvGrpSpPr>
+      <p:grpSpPr>
+        <a:xfrm>
+          <a:off x="0" y="0"/>
+          <a:ext cx="0" cy="0"/>
+          <a:chOff x="0" y="0"/>
+          <a:chExt cx="0" cy="0"/>
+        </a:xfrm>
+      </p:grpSpPr>
+      <p:sp>
+        <p:nvSpPr>
+          <p:cNvPr id="131" name="Google Shape;131;p20"/>
+          <p:cNvSpPr txBox="1"/>
+          <p:nvPr>
+            <p:ph idx="1" type="body"/>
+          </p:nvPr>
+        </p:nvSpPr>
+        <p:spPr>
+          <a:xfrm>
+            <a:off x="724950" y="4372551"/>
+            <a:ext cx="7697400" cy="460500"/>
+          </a:xfrm>
+          <a:prstGeom prst="rect">
+            <a:avLst/>
+          </a:prstGeom>
+        </p:spPr>
+        <p:txBody>
+          <a:bodyPr anchorCtr="0" anchor="ctr" bIns="91425" lIns="91425" spcFirstLastPara="1" rIns="91425" wrap="square" tIns="91425">
+            <a:normAutofit fontScale="85000"/>
+          </a:bodyPr>
+          <a:lstStyle/>
+          <a:p>
+            <a:pPr indent="0" lvl="0" marL="0" rtl="0" algn="l">
+              <a:spcBef>
+                <a:spcPts val="0"/>
+              </a:spcBef>
+              <a:spcAft>
+                <a:spcPts val="0"/>
+              </a:spcAft>
+              <a:buNone/>
+            </a:pPr>
+            <a:r>
+              <a:rPr lang="en"/>
+              <a:t>Happiness score = think of a ladder with the best possible life for them being a 10 and the worst possible life being a 0</a:t>
+            </a:r>
+            <a:endParaRPr/>
+          </a:p>
+        </p:txBody>
+      </p:sp>
+      <p:pic>
+        <p:nvPicPr>
+          <p:cNvPr id="132" name="Google Shape;132;p20"/>
+          <p:cNvPicPr preferRelativeResize="0"/>
+          <p:nvPr/>
+        </p:nvPicPr>
+        <p:blipFill>
+          <a:blip r:embed="rId3">
+            <a:alphaModFix/>
+          </a:blip>
+          <a:stretch>
+            <a:fillRect/>
+          </a:stretch>
+        </p:blipFill>
+        <p:spPr>
+          <a:xfrm>
+            <a:off x="152400" y="152400"/>
+            <a:ext cx="2684877" cy="4067751"/>
+          </a:xfrm>
+          <a:prstGeom prst="rect">
+            <a:avLst/>
+          </a:prstGeom>
+          <a:noFill/>
+          <a:ln>
+            <a:noFill/>
+          </a:ln>
+        </p:spPr>
+      </p:pic>
+    </p:spTree>
+  </p:cSld>
+  <p:clrMapOvr>
+    <a:masterClrMapping/>
+  </p:clrMapOvr>
+</p:sld>
+</file>
+
+<file path=ppt/slides/slide9.xml><?xml version="1.0" encoding="utf-8"?>
+<p:sld xmlns:a="http://schemas.openxmlformats.org/drawingml/2006/main" xmlns:r="http://schemas.openxmlformats.org/officeDocument/2006/relationships" xmlns:mc="http://schemas.openxmlformats.org/markup-compatibility/2006" xmlns:mv="urn:schemas-microsoft-com:mac:vml" xmlns:p="http://schemas.openxmlformats.org/presentationml/2006/main" xmlns:c="http://schemas.openxmlformats.org/drawingml/2006/chart" xmlns:dgm="http://schemas.openxmlformats.org/drawingml/2006/diagram" xmlns:o="urn:schemas-microsoft-com:office:office" xmlns:v="urn:schemas-microsoft-com:vml" xmlns:pvml="urn:schemas-microsoft-com:office:powerpoint" xmlns:com="http://schemas.openxmlformats.org/drawingml/2006/compatibility" xmlns:p14="http://schemas.microsoft.com/office/powerpoint/2010/main" xmlns:p15="http://schemas.microsoft.com/office/powerpoint/2012/main" xmlns:ahyp="http://schemas.microsoft.com/office/drawing/2018/hyperlinkcolor">
+  <p:cSld>
+    <p:spTree>
+      <p:nvGrpSpPr>
+        <p:cNvPr id="136" name="Shape 136"/>
+        <p:cNvGrpSpPr/>
+        <p:nvPr/>
+      </p:nvGrpSpPr>
+      <p:grpSpPr>
+        <a:xfrm>
+          <a:off x="0" y="0"/>
+          <a:ext cx="0" cy="0"/>
+          <a:chOff x="0" y="0"/>
+          <a:chExt cx="0" cy="0"/>
+        </a:xfrm>
+      </p:grpSpPr>
+      <p:sp>
+        <p:nvSpPr>
+          <p:cNvPr id="137" name="Google Shape;137;p21"/>
+          <p:cNvSpPr txBox="1"/>
+          <p:nvPr>
+            <p:ph type="title"/>
+          </p:nvPr>
+        </p:nvSpPr>
+        <p:spPr>
+          <a:xfrm>
+            <a:off x="729450" y="864300"/>
+            <a:ext cx="7021200" cy="2985000"/>
+          </a:xfrm>
+          <a:prstGeom prst="rect">
+            <a:avLst/>
+          </a:prstGeom>
+        </p:spPr>
+        <p:txBody>
+          <a:bodyPr anchorCtr="0" anchor="ctr" bIns="91425" lIns="91425" spcFirstLastPara="1" rIns="91425" wrap="square" tIns="91425">
+            <a:normAutofit/>
+          </a:bodyPr>
+          <a:lstStyle/>
+          <a:p>
+            <a:pPr indent="0" lvl="0" marL="0" rtl="0" algn="l">
+              <a:spcBef>
+                <a:spcPts val="0"/>
+              </a:spcBef>
+              <a:spcAft>
+                <a:spcPts val="0"/>
+              </a:spcAft>
+              <a:buNone/>
+            </a:pPr>
+            <a:r>
+              <a:rPr lang="en"/>
+              <a:t>Machine Learning Model</a:t>
+            </a:r>
+            <a:endParaRPr/>
+          </a:p>
+        </p:txBody>
+      </p:sp>
+    </p:spTree>
+  </p:cSld>
+  <p:clrMapOvr>
+    <a:masterClrMapping/>
+  </p:clrMapOvr>
+</p:sld>
+</file>
+
 <file path=ppt/theme/theme1.xml><?xml version="1.0" encoding="utf-8"?>
+<a:theme xmlns:a="http://schemas.openxmlformats.org/drawingml/2006/main" xmlns:r="http://schemas.openxmlformats.org/officeDocument/2006/relationships" name="Streamline">
+  <a:themeElements>
+    <a:clrScheme name="Streamline">
+      <a:dk1>
+        <a:srgbClr val="1A9988"/>
+      </a:dk1>
+      <a:lt1>
+        <a:srgbClr val="FFFFFF"/>
+      </a:lt1>
+      <a:dk2>
+        <a:srgbClr val="1A1A1A"/>
+      </a:dk2>
+      <a:lt2>
+        <a:srgbClr val="E9EDEE"/>
+      </a:lt2>
+      <a:accent1>
+        <a:srgbClr val="595959"/>
+      </a:accent1>
+      <a:accent2>
+        <a:srgbClr val="6AA4C8"/>
+      </a:accent2>
+      <a:accent3>
+        <a:srgbClr val="EB5600"/>
+      </a:accent3>
+      <a:accent4>
+        <a:srgbClr val="A2FFE8"/>
+      </a:accent4>
+      <a:accent5>
+        <a:srgbClr val="1C3678"/>
+      </a:accent5>
+      <a:accent6>
+        <a:srgbClr val="FFB8A2"/>
+      </a:accent6>
+      <a:hlink>
+        <a:srgbClr val="1C3678"/>
+      </a:hlink>
+      <a:folHlink>
+        <a:srgbClr val="1C3678"/>
+      </a:folHlink>
+    </a:clrScheme>
+    <a:fontScheme name="Office">
+      <a:majorFont>
+        <a:latin typeface="Arial"/>
+        <a:ea typeface=""/>
+        <a:cs typeface=""/>
+        <a:font script="Jpan" typeface="ＭＳ Ｐゴシック"/>
+        <a:font script="Hang" typeface="맑은 고딕"/>
+        <a:font script="Hans" typeface="宋体"/>
+        <a:font script="Hant" typeface="新細明體"/>
+        <a:font script="Arab" typeface="Times New Roman"/>
+        <a:font script="Hebr" typeface="Times New Roman"/>
+        <a:font script="Thai" typeface="Angsana New"/>
+        <a:font script="Ethi" typeface="Nyala"/>
+        <a:font script="Beng" typeface="Vrinda"/>
+        <a:font script="Gujr" typeface="Shruti"/>
+        <a:font script="Khmr" typeface="MoolBoran"/>
+        <a:font script="Knda" typeface="Tunga"/>
+        <a:font script="Guru" typeface="Raavi"/>
+        <a:font script="Cans" typeface="Euphemia"/>
+        <a:font script="Cher" typeface="Plantagenet Cherokee"/>
+        <a:font script="Yiii" typeface="Microsoft Yi Baiti"/>
+        <a:font script="Tibt" typeface="Microsoft Himalaya"/>
+        <a:font script="Thaa" typeface="MV Boli"/>
+        <a:font script="Deva" typeface="Mangal"/>
+        <a:font script="Telu" typeface="Gautami"/>
+        <a:font script="Taml" typeface="Latha"/>
+        <a:font script="Syrc" typeface="Estrangelo Edessa"/>
+        <a:font script="Orya" typeface="Kalinga"/>
+        <a:font script="Mlym" typeface="Kartika"/>
+        <a:font script="Laoo" typeface="DokChampa"/>
+        <a:font script="Sinh" typeface="Iskoola Pota"/>
+        <a:font script="Mong" typeface="Mongolian Baiti"/>
+        <a:font script="Viet" typeface="Times New Roman"/>
+        <a:font script="Uigh" typeface="Microsoft Uighur"/>
+        <a:font script="Geor" typeface="Sylfaen"/>
+      </a:majorFont>
+      <a:minorFont>
+        <a:latin typeface="Arial"/>
+        <a:ea typeface=""/>
+        <a:cs typeface=""/>
+        <a:font script="Jpan" typeface="ＭＳ Ｐゴシック"/>
+        <a:font script="Hang" typeface="맑은 고딕"/>
+        <a:font script="Hans" typeface="宋体"/>
+        <a:font script="Hant" typeface="新細明體"/>
+        <a:font script="Arab" typeface="Arial"/>
+        <a:font script="Hebr" typeface="Arial"/>
+        <a:font script="Thai" typeface="Cordia New"/>
+        <a:font script="Ethi" typeface="Nyala"/>
+        <a:font script="Beng" typeface="Vrinda"/>
+        <a:font script="Gujr" typeface="Shruti"/>
+        <a:font script="Khmr" typeface="DaunPenh"/>
+        <a:font script="Knda" typeface="Tunga"/>
+        <a:font script="Guru" typeface="Raavi"/>
+        <a:font script="Cans" typeface="Euphemia"/>
+        <a:font script="Cher" typeface="Plantagenet Cherokee"/>
+        <a:font script="Yiii" typeface="Microsoft Yi Baiti"/>
+        <a:font script="Tibt" typeface="Microsoft Himalaya"/>
+        <a:font script="Thaa" typeface="MV Boli"/>
+        <a:font script="Deva" typeface="Mangal"/>
+        <a:font script="Telu" typeface="Gautami"/>
+        <a:font script="Taml" typeface="Latha"/>
+        <a:font script="Syrc" typeface="Estrangelo Edessa"/>
+        <a:font script="Orya" typeface="Kalinga"/>
+        <a:font script="Mlym" typeface="Kartika"/>
+        <a:font script="Laoo" typeface="DokChampa"/>
+        <a:font script="Sinh" typeface="Iskoola Pota"/>
+        <a:font script="Mong" typeface="Mongolian Baiti"/>
+        <a:font script="Viet" typeface="Arial"/>
+        <a:font script="Uigh" typeface="Microsoft Uighur"/>
+        <a:font script="Geor" typeface="Sylfaen"/>
+      </a:minorFont>
+    </a:fontScheme>
+    <a:fmtScheme name="Office">
+      <a:fillStyleLst>
+        <a:solidFill>
+          <a:schemeClr val="phClr"/>
+        </a:solidFill>
+        <a:gradFill rotWithShape="1">
+          <a:gsLst>
+            <a:gs pos="0">
+              <a:schemeClr val="phClr">
+                <a:tint val="50000"/>
+                <a:satMod val="300000"/>
+              </a:schemeClr>
+            </a:gs>
+            <a:gs pos="35000">
+              <a:schemeClr val="phClr">
+                <a:tint val="37000"/>
+                <a:satMod val="300000"/>
+              </a:schemeClr>
+            </a:gs>
+            <a:gs pos="100000">
+              <a:schemeClr val="phClr">
+                <a:tint val="15000"/>
+                <a:satMod val="350000"/>
+              </a:schemeClr>
+            </a:gs>
+          </a:gsLst>
+          <a:lin ang="16200000" scaled="1"/>
+        </a:gradFill>
+        <a:gradFill rotWithShape="1">
+          <a:gsLst>
+            <a:gs pos="0">
+              <a:schemeClr val="phClr">
+                <a:tint val="100000"/>
+                <a:shade val="100000"/>
+                <a:satMod val="130000"/>
+              </a:schemeClr>
+            </a:gs>
+            <a:gs pos="100000">
+              <a:schemeClr val="phClr">
+                <a:tint val="50000"/>
+                <a:shade val="100000"/>
+                <a:satMod val="350000"/>
+              </a:schemeClr>
+            </a:gs>
+          </a:gsLst>
+          <a:lin ang="16200000" scaled="0"/>
+        </a:gradFill>
+      </a:fillStyleLst>
+      <a:lnStyleLst>
+        <a:ln w="9525" cap="flat" cmpd="sng" algn="ctr">
+          <a:solidFill>
+            <a:schemeClr val="phClr">
+              <a:shade val="95000"/>
+              <a:satMod val="105000"/>
+            </a:schemeClr>
+          </a:solidFill>
+          <a:prstDash val="solid"/>
+        </a:ln>
+        <a:ln w="25400" cap="flat" cmpd="sng" algn="ctr">
+          <a:solidFill>
+            <a:schemeClr val="phClr"/>
+          </a:solidFill>
+          <a:prstDash val="solid"/>
+        </a:ln>
+        <a:ln w="38100" cap="flat" cmpd="sng" algn="ctr">
+          <a:solidFill>
+            <a:schemeClr val="phClr"/>
+          </a:solidFill>
+          <a:prstDash val="solid"/>
+        </a:ln>
+      </a:lnStyleLst>
+      <a:effectStyleLst>
+        <a:effectStyle>
+          <a:effectLst>
+            <a:outerShdw blurRad="40000" dist="20000" dir="5400000" rotWithShape="0">
+              <a:srgbClr val="000000">
+                <a:alpha val="38000"/>
+              </a:srgbClr>
+            </a:outerShdw>
+          </a:effectLst>
+        </a:effectStyle>
+        <a:effectStyle>
+          <a:effectLst>
+            <a:outerShdw blurRad="40000" dist="23000" dir="5400000" rotWithShape="0">
+              <a:srgbClr val="000000">
+                <a:alpha val="35000"/>
+              </a:srgbClr>
+            </a:outerShdw>
+          </a:effectLst>
+        </a:effectStyle>
+        <a:effectStyle>
+          <a:effectLst>
+            <a:outerShdw blurRad="40000" dist="23000" dir="5400000" rotWithShape="0">
+              <a:srgbClr val="000000">
+                <a:alpha val="35000"/>
+              </a:srgbClr>
+            </a:outerShdw>
+          </a:effectLst>
+          <a:scene3d>
+            <a:camera prst="orthographicFront">
+              <a:rot lat="0" lon="0" rev="0"/>
+            </a:camera>
+            <a:lightRig rig="threePt" dir="t">
+              <a:rot lat="0" lon="0" rev="1200000"/>
+            </a:lightRig>
+          </a:scene3d>
+          <a:sp3d>
+            <a:bevelT w="63500" h="25400"/>
+          </a:sp3d>
+        </a:effectStyle>
+      </a:effectStyleLst>
+      <a:bgFillStyleLst>
+        <a:solidFill>
+          <a:schemeClr val="phClr"/>
+        </a:solidFill>
+        <a:gradFill rotWithShape="1">
+          <a:gsLst>
+            <a:gs pos="0">
+              <a:schemeClr val="phClr">
+                <a:tint val="40000"/>
+                <a:satMod val="350000"/>
+              </a:schemeClr>
+            </a:gs>
+            <a:gs pos="40000">
+              <a:schemeClr val="phClr">
+                <a:tint val="45000"/>
+                <a:shade val="99000"/>
+                <a:satMod val="350000"/>
+              </a:schemeClr>
+            </a:gs>
+            <a:gs pos="100000">
+              <a:schemeClr val="phClr">
+                <a:shade val="20000"/>
+                <a:satMod val="255000"/>
+              </a:schemeClr>
+            </a:gs>
+          </a:gsLst>
+          <a:path path="circle">
+            <a:fillToRect l="50000" t="-80000" r="50000" b="180000"/>
+          </a:path>
+        </a:gradFill>
+        <a:gradFill rotWithShape="1">
+          <a:gsLst>
+            <a:gs pos="0">
+              <a:schemeClr val="phClr">
+                <a:tint val="80000"/>
+                <a:satMod val="300000"/>
+              </a:schemeClr>
+            </a:gs>
+            <a:gs pos="100000">
+              <a:schemeClr val="phClr">
+                <a:shade val="30000"/>
+                <a:satMod val="200000"/>
+              </a:schemeClr>
+            </a:gs>
+          </a:gsLst>
+          <a:path path="circle">
+            <a:fillToRect l="50000" t="50000" r="50000" b="50000"/>
+          </a:path>
+        </a:gradFill>
+      </a:bgFillStyleLst>
+    </a:fmtScheme>
+  </a:themeElements>
+</a:theme>
+</file>
+
+<file path=ppt/theme/theme2.xml><?xml version="1.0" encoding="utf-8"?>
 <a:theme xmlns:a="http://schemas.openxmlformats.org/drawingml/2006/main" xmlns:r="http://schemas.openxmlformats.org/officeDocument/2006/relationships">
   <a:themeElements>
     <a:clrScheme name="Default">
@@ -10206,283 +13833,4 @@
     </a:fmtScheme>
   </a:themeElements>
 </a:theme>
-</file>
-
-<file path=ppt/theme/theme2.xml><?xml version="1.0" encoding="utf-8"?>
-<a:theme xmlns:a="http://schemas.openxmlformats.org/drawingml/2006/main" xmlns:r="http://schemas.openxmlformats.org/officeDocument/2006/relationships" name="Streamline">
-  <a:themeElements>
-    <a:clrScheme name="Streamline">
-      <a:dk1>
-        <a:srgbClr val="1A9988"/>
-      </a:dk1>
-      <a:lt1>
-        <a:srgbClr val="FFFFFF"/>
-      </a:lt1>
-      <a:dk2>
-        <a:srgbClr val="1A1A1A"/>
-      </a:dk2>
-      <a:lt2>
-        <a:srgbClr val="E9EDEE"/>
-      </a:lt2>
-      <a:accent1>
-        <a:srgbClr val="595959"/>
-      </a:accent1>
-      <a:accent2>
-        <a:srgbClr val="6AA4C8"/>
-      </a:accent2>
-      <a:accent3>
-        <a:srgbClr val="EB5600"/>
-      </a:accent3>
-      <a:accent4>
-        <a:srgbClr val="A2FFE8"/>
-      </a:accent4>
-      <a:accent5>
-        <a:srgbClr val="1C3678"/>
-      </a:accent5>
-      <a:accent6>
-        <a:srgbClr val="FFB8A2"/>
-      </a:accent6>
-      <a:hlink>
-        <a:srgbClr val="1C3678"/>
-      </a:hlink>
-      <a:folHlink>
-        <a:srgbClr val="1C3678"/>
-      </a:folHlink>
-    </a:clrScheme>
-    <a:fontScheme name="Office">
-      <a:majorFont>
-        <a:latin typeface="Arial"/>
-        <a:ea typeface=""/>
-        <a:cs typeface=""/>
-        <a:font script="Jpan" typeface="ＭＳ Ｐゴシック"/>
-        <a:font script="Hang" typeface="맑은 고딕"/>
-        <a:font script="Hans" typeface="宋体"/>
-        <a:font script="Hant" typeface="新細明體"/>
-        <a:font script="Arab" typeface="Times New Roman"/>
-        <a:font script="Hebr" typeface="Times New Roman"/>
-        <a:font script="Thai" typeface="Angsana New"/>
-        <a:font script="Ethi" typeface="Nyala"/>
-        <a:font script="Beng" typeface="Vrinda"/>
-        <a:font script="Gujr" typeface="Shruti"/>
-        <a:font script="Khmr" typeface="MoolBoran"/>
-        <a:font script="Knda" typeface="Tunga"/>
-        <a:font script="Guru" typeface="Raavi"/>
-        <a:font script="Cans" typeface="Euphemia"/>
-        <a:font script="Cher" typeface="Plantagenet Cherokee"/>
-        <a:font script="Yiii" typeface="Microsoft Yi Baiti"/>
-        <a:font script="Tibt" typeface="Microsoft Himalaya"/>
-        <a:font script="Thaa" typeface="MV Boli"/>
-        <a:font script="Deva" typeface="Mangal"/>
-        <a:font script="Telu" typeface="Gautami"/>
-        <a:font script="Taml" typeface="Latha"/>
-        <a:font script="Syrc" typeface="Estrangelo Edessa"/>
-        <a:font script="Orya" typeface="Kalinga"/>
-        <a:font script="Mlym" typeface="Kartika"/>
-        <a:font script="Laoo" typeface="DokChampa"/>
-        <a:font script="Sinh" typeface="Iskoola Pota"/>
-        <a:font script="Mong" typeface="Mongolian Baiti"/>
-        <a:font script="Viet" typeface="Times New Roman"/>
-        <a:font script="Uigh" typeface="Microsoft Uighur"/>
-        <a:font script="Geor" typeface="Sylfaen"/>
-      </a:majorFont>
-      <a:minorFont>
-        <a:latin typeface="Arial"/>
-        <a:ea typeface=""/>
-        <a:cs typeface=""/>
-        <a:font script="Jpan" typeface="ＭＳ Ｐゴシック"/>
-        <a:font script="Hang" typeface="맑은 고딕"/>
-        <a:font script="Hans" typeface="宋体"/>
-        <a:font script="Hant" typeface="新細明體"/>
-        <a:font script="Arab" typeface="Arial"/>
-        <a:font script="Hebr" typeface="Arial"/>
-        <a:font script="Thai" typeface="Cordia New"/>
-        <a:font script="Ethi" typeface="Nyala"/>
-        <a:font script="Beng" typeface="Vrinda"/>
-        <a:font script="Gujr" typeface="Shruti"/>
-        <a:font script="Khmr" typeface="DaunPenh"/>
-        <a:font script="Knda" typeface="Tunga"/>
-        <a:font script="Guru" typeface="Raavi"/>
-        <a:font script="Cans" typeface="Euphemia"/>
-        <a:font script="Cher" typeface="Plantagenet Cherokee"/>
-        <a:font script="Yiii" typeface="Microsoft Yi Baiti"/>
-        <a:font script="Tibt" typeface="Microsoft Himalaya"/>
-        <a:font script="Thaa" typeface="MV Boli"/>
-        <a:font script="Deva" typeface="Mangal"/>
-        <a:font script="Telu" typeface="Gautami"/>
-        <a:font script="Taml" typeface="Latha"/>
-        <a:font script="Syrc" typeface="Estrangelo Edessa"/>
-        <a:font script="Orya" typeface="Kalinga"/>
-        <a:font script="Mlym" typeface="Kartika"/>
-        <a:font script="Laoo" typeface="DokChampa"/>
-        <a:font script="Sinh" typeface="Iskoola Pota"/>
-        <a:font script="Mong" typeface="Mongolian Baiti"/>
-        <a:font script="Viet" typeface="Arial"/>
-        <a:font script="Uigh" typeface="Microsoft Uighur"/>
-        <a:font script="Geor" typeface="Sylfaen"/>
-      </a:minorFont>
-    </a:fontScheme>
-    <a:fmtScheme name="Office">
-      <a:fillStyleLst>
-        <a:solidFill>
-          <a:schemeClr val="phClr"/>
-        </a:solidFill>
-        <a:gradFill rotWithShape="1">
-          <a:gsLst>
-            <a:gs pos="0">
-              <a:schemeClr val="phClr">
-                <a:tint val="50000"/>
-                <a:satMod val="300000"/>
-              </a:schemeClr>
-            </a:gs>
-            <a:gs pos="35000">
-              <a:schemeClr val="phClr">
-                <a:tint val="37000"/>
-                <a:satMod val="300000"/>
-              </a:schemeClr>
-            </a:gs>
-            <a:gs pos="100000">
-              <a:schemeClr val="phClr">
-                <a:tint val="15000"/>
-                <a:satMod val="350000"/>
-              </a:schemeClr>
-            </a:gs>
-          </a:gsLst>
-          <a:lin ang="16200000" scaled="1"/>
-        </a:gradFill>
-        <a:gradFill rotWithShape="1">
-          <a:gsLst>
-            <a:gs pos="0">
-              <a:schemeClr val="phClr">
-                <a:tint val="100000"/>
-                <a:shade val="100000"/>
-                <a:satMod val="130000"/>
-              </a:schemeClr>
-            </a:gs>
-            <a:gs pos="100000">
-              <a:schemeClr val="phClr">
-                <a:tint val="50000"/>
-                <a:shade val="100000"/>
-                <a:satMod val="350000"/>
-              </a:schemeClr>
-            </a:gs>
-          </a:gsLst>
-          <a:lin ang="16200000" scaled="0"/>
-        </a:gradFill>
-      </a:fillStyleLst>
-      <a:lnStyleLst>
-        <a:ln w="9525" cap="flat" cmpd="sng" algn="ctr">
-          <a:solidFill>
-            <a:schemeClr val="phClr">
-              <a:shade val="95000"/>
-              <a:satMod val="105000"/>
-            </a:schemeClr>
-          </a:solidFill>
-          <a:prstDash val="solid"/>
-        </a:ln>
-        <a:ln w="25400" cap="flat" cmpd="sng" algn="ctr">
-          <a:solidFill>
-            <a:schemeClr val="phClr"/>
-          </a:solidFill>
-          <a:prstDash val="solid"/>
-        </a:ln>
-        <a:ln w="38100" cap="flat" cmpd="sng" algn="ctr">
-          <a:solidFill>
-            <a:schemeClr val="phClr"/>
-          </a:solidFill>
-          <a:prstDash val="solid"/>
-        </a:ln>
-      </a:lnStyleLst>
-      <a:effectStyleLst>
-        <a:effectStyle>
-          <a:effectLst>
-            <a:outerShdw blurRad="40000" dist="20000" dir="5400000" rotWithShape="0">
-              <a:srgbClr val="000000">
-                <a:alpha val="38000"/>
-              </a:srgbClr>
-            </a:outerShdw>
-          </a:effectLst>
-        </a:effectStyle>
-        <a:effectStyle>
-          <a:effectLst>
-            <a:outerShdw blurRad="40000" dist="23000" dir="5400000" rotWithShape="0">
-              <a:srgbClr val="000000">
-                <a:alpha val="35000"/>
-              </a:srgbClr>
-            </a:outerShdw>
-          </a:effectLst>
-        </a:effectStyle>
-        <a:effectStyle>
-          <a:effectLst>
-            <a:outerShdw blurRad="40000" dist="23000" dir="5400000" rotWithShape="0">
-              <a:srgbClr val="000000">
-                <a:alpha val="35000"/>
-              </a:srgbClr>
-            </a:outerShdw>
-          </a:effectLst>
-          <a:scene3d>
-            <a:camera prst="orthographicFront">
-              <a:rot lat="0" lon="0" rev="0"/>
-            </a:camera>
-            <a:lightRig rig="threePt" dir="t">
-              <a:rot lat="0" lon="0" rev="1200000"/>
-            </a:lightRig>
-          </a:scene3d>
-          <a:sp3d>
-            <a:bevelT w="63500" h="25400"/>
-          </a:sp3d>
-        </a:effectStyle>
-      </a:effectStyleLst>
-      <a:bgFillStyleLst>
-        <a:solidFill>
-          <a:schemeClr val="phClr"/>
-        </a:solidFill>
-        <a:gradFill rotWithShape="1">
-          <a:gsLst>
-            <a:gs pos="0">
-              <a:schemeClr val="phClr">
-                <a:tint val="40000"/>
-                <a:satMod val="350000"/>
-              </a:schemeClr>
-            </a:gs>
-            <a:gs pos="40000">
-              <a:schemeClr val="phClr">
-                <a:tint val="45000"/>
-                <a:shade val="99000"/>
-                <a:satMod val="350000"/>
-              </a:schemeClr>
-            </a:gs>
-            <a:gs pos="100000">
-              <a:schemeClr val="phClr">
-                <a:shade val="20000"/>
-                <a:satMod val="255000"/>
-              </a:schemeClr>
-            </a:gs>
-          </a:gsLst>
-          <a:path path="circle">
-            <a:fillToRect l="50000" t="-80000" r="50000" b="180000"/>
-          </a:path>
-        </a:gradFill>
-        <a:gradFill rotWithShape="1">
-          <a:gsLst>
-            <a:gs pos="0">
-              <a:schemeClr val="phClr">
-                <a:tint val="80000"/>
-                <a:satMod val="300000"/>
-              </a:schemeClr>
-            </a:gs>
-            <a:gs pos="100000">
-              <a:schemeClr val="phClr">
-                <a:shade val="30000"/>
-                <a:satMod val="200000"/>
-              </a:schemeClr>
-            </a:gs>
-          </a:gsLst>
-          <a:path path="circle">
-            <a:fillToRect l="50000" t="50000" r="50000" b="50000"/>
-          </a:path>
-        </a:gradFill>
-      </a:bgFillStyleLst>
-    </a:fmtScheme>
-  </a:themeElements>
-</a:theme>
 </file>